--- a/WS1-DSCOverview/Slides.pptx
+++ b/WS1-DSCOverview/Slides.pptx
@@ -6,54 +6,56 @@
     <p:sldMasterId id="2147483809" r:id="rId2"/>
   </p:sldMasterIdLst>
   <p:notesMasterIdLst>
-    <p:notesMasterId r:id="rId45"/>
+    <p:notesMasterId r:id="rId47"/>
   </p:notesMasterIdLst>
   <p:handoutMasterIdLst>
-    <p:handoutMasterId r:id="rId46"/>
+    <p:handoutMasterId r:id="rId48"/>
   </p:handoutMasterIdLst>
   <p:sldIdLst>
-    <p:sldId id="316" r:id="rId3"/>
+    <p:sldId id="356" r:id="rId3"/>
     <p:sldId id="312" r:id="rId4"/>
-    <p:sldId id="317" r:id="rId5"/>
-    <p:sldId id="346" r:id="rId6"/>
-    <p:sldId id="318" r:id="rId7"/>
-    <p:sldId id="354" r:id="rId8"/>
-    <p:sldId id="355" r:id="rId9"/>
-    <p:sldId id="319" r:id="rId10"/>
-    <p:sldId id="323" r:id="rId11"/>
-    <p:sldId id="325" r:id="rId12"/>
-    <p:sldId id="320" r:id="rId13"/>
-    <p:sldId id="326" r:id="rId14"/>
-    <p:sldId id="322" r:id="rId15"/>
-    <p:sldId id="327" r:id="rId16"/>
-    <p:sldId id="344" r:id="rId17"/>
-    <p:sldId id="353" r:id="rId18"/>
-    <p:sldId id="328" r:id="rId19"/>
-    <p:sldId id="337" r:id="rId20"/>
-    <p:sldId id="338" r:id="rId21"/>
-    <p:sldId id="345" r:id="rId22"/>
-    <p:sldId id="341" r:id="rId23"/>
-    <p:sldId id="329" r:id="rId24"/>
-    <p:sldId id="330" r:id="rId25"/>
-    <p:sldId id="331" r:id="rId26"/>
-    <p:sldId id="332" r:id="rId27"/>
-    <p:sldId id="333" r:id="rId28"/>
-    <p:sldId id="334" r:id="rId29"/>
-    <p:sldId id="335" r:id="rId30"/>
-    <p:sldId id="340" r:id="rId31"/>
-    <p:sldId id="339" r:id="rId32"/>
-    <p:sldId id="352" r:id="rId33"/>
-    <p:sldId id="342" r:id="rId34"/>
-    <p:sldId id="343" r:id="rId35"/>
-    <p:sldId id="336" r:id="rId36"/>
-    <p:sldId id="347" r:id="rId37"/>
-    <p:sldId id="350" r:id="rId38"/>
-    <p:sldId id="351" r:id="rId39"/>
-    <p:sldId id="348" r:id="rId40"/>
-    <p:sldId id="349" r:id="rId41"/>
-    <p:sldId id="302" r:id="rId42"/>
-    <p:sldId id="313" r:id="rId43"/>
-    <p:sldId id="314" r:id="rId44"/>
+    <p:sldId id="357" r:id="rId5"/>
+    <p:sldId id="317" r:id="rId6"/>
+    <p:sldId id="346" r:id="rId7"/>
+    <p:sldId id="358" r:id="rId8"/>
+    <p:sldId id="318" r:id="rId9"/>
+    <p:sldId id="354" r:id="rId10"/>
+    <p:sldId id="355" r:id="rId11"/>
+    <p:sldId id="319" r:id="rId12"/>
+    <p:sldId id="323" r:id="rId13"/>
+    <p:sldId id="325" r:id="rId14"/>
+    <p:sldId id="320" r:id="rId15"/>
+    <p:sldId id="326" r:id="rId16"/>
+    <p:sldId id="322" r:id="rId17"/>
+    <p:sldId id="327" r:id="rId18"/>
+    <p:sldId id="344" r:id="rId19"/>
+    <p:sldId id="353" r:id="rId20"/>
+    <p:sldId id="328" r:id="rId21"/>
+    <p:sldId id="337" r:id="rId22"/>
+    <p:sldId id="338" r:id="rId23"/>
+    <p:sldId id="345" r:id="rId24"/>
+    <p:sldId id="341" r:id="rId25"/>
+    <p:sldId id="329" r:id="rId26"/>
+    <p:sldId id="330" r:id="rId27"/>
+    <p:sldId id="331" r:id="rId28"/>
+    <p:sldId id="332" r:id="rId29"/>
+    <p:sldId id="333" r:id="rId30"/>
+    <p:sldId id="334" r:id="rId31"/>
+    <p:sldId id="335" r:id="rId32"/>
+    <p:sldId id="340" r:id="rId33"/>
+    <p:sldId id="339" r:id="rId34"/>
+    <p:sldId id="352" r:id="rId35"/>
+    <p:sldId id="342" r:id="rId36"/>
+    <p:sldId id="343" r:id="rId37"/>
+    <p:sldId id="336" r:id="rId38"/>
+    <p:sldId id="347" r:id="rId39"/>
+    <p:sldId id="350" r:id="rId40"/>
+    <p:sldId id="351" r:id="rId41"/>
+    <p:sldId id="348" r:id="rId42"/>
+    <p:sldId id="349" r:id="rId43"/>
+    <p:sldId id="302" r:id="rId44"/>
+    <p:sldId id="313" r:id="rId45"/>
+    <p:sldId id="314" r:id="rId46"/>
   </p:sldIdLst>
   <p:sldSz cx="9144000" cy="6858000" type="screen4x3"/>
   <p:notesSz cx="7099300" cy="10234613"/>
@@ -4218,10 +4220,9 @@
           <a:lstStyle/>
           <a:p>
             <a:r>
-              <a:rPr lang="de-DE" dirty="0" smtClean="0"/>
+              <a:rPr lang="de-DE" dirty="0"/>
               <a:t>PowerShell Desired State Configuration</a:t>
             </a:r>
-            <a:endParaRPr lang="de-DE" dirty="0"/>
           </a:p>
         </p:txBody>
       </p:sp>
@@ -4241,10 +4242,28 @@
           <a:lstStyle/>
           <a:p>
             <a:r>
-              <a:rPr lang="de-DE" dirty="0" smtClean="0"/>
-              <a:t>Ravikanth Chaganti, Dell EMC</a:t>
-            </a:r>
-            <a:endParaRPr lang="de-DE" dirty="0"/>
+              <a:rPr lang="de-DE" dirty="0"/>
+              <a:t>Ben Gelens, MVP, @</a:t>
+            </a:r>
+            <a:r>
+              <a:rPr lang="de-DE" dirty="0" err="1"/>
+              <a:t>bgelens</a:t>
+            </a:r>
+            <a:r>
+              <a:rPr lang="de-DE" dirty="0"/>
+              <a:t>, bgelens.nl</a:t>
+            </a:r>
+            <a:br>
+              <a:rPr lang="de-DE" dirty="0"/>
+            </a:br>
+            <a:r>
+              <a:rPr lang="de-DE" dirty="0" err="1"/>
+              <a:t>DevOps</a:t>
+            </a:r>
+            <a:r>
+              <a:rPr lang="de-DE" dirty="0"/>
+              <a:t> &amp; Cloud Consultant @ InSpark</a:t>
+            </a:r>
           </a:p>
         </p:txBody>
       </p:sp>
@@ -4269,10 +4288,9 @@
           <a:lstStyle/>
           <a:p>
             <a:r>
-              <a:rPr lang="de-DE" dirty="0" smtClean="0"/>
+              <a:rPr lang="de-DE" dirty="0"/>
               <a:t>An Overview</a:t>
             </a:r>
-            <a:endParaRPr lang="de-DE" dirty="0"/>
           </a:p>
         </p:txBody>
       </p:sp>
@@ -4305,7 +4323,7 @@
     </p:spTree>
     <p:extLst>
       <p:ext uri="{BB962C8B-B14F-4D97-AF65-F5344CB8AC3E}">
-        <p14:creationId xmlns:p14="http://schemas.microsoft.com/office/powerpoint/2010/main" val="2890044983"/>
+        <p14:creationId xmlns:p14="http://schemas.microsoft.com/office/powerpoint/2010/main" val="2899764639"/>
       </p:ext>
     </p:extLst>
   </p:cSld>
@@ -4324,13 +4342,6 @@
       </p:transition>
     </mc:Fallback>
   </mc:AlternateContent>
-  <p:timing>
-    <p:tnLst>
-      <p:par>
-        <p:cTn id="1" dur="indefinite" restart="never" nodeType="tmRoot"/>
-      </p:par>
-    </p:tnLst>
-  </p:timing>
 </p:sld>
 </file>
 
@@ -4351,6 +4362,467 @@
           <a:chExt cx="0" cy="0"/>
         </a:xfrm>
       </p:grpSpPr>
+      <p:pic>
+        <p:nvPicPr>
+          <p:cNvPr id="4" name="Content Placeholder 3"/>
+          <p:cNvPicPr>
+            <a:picLocks noGrp="1" noChangeAspect="1"/>
+          </p:cNvPicPr>
+          <p:nvPr>
+            <p:ph idx="1"/>
+          </p:nvPr>
+        </p:nvPicPr>
+        <p:blipFill>
+          <a:blip r:embed="rId2" cstate="print">
+            <a:extLst>
+              <a:ext uri="{28A0092B-C50C-407E-A947-70E740481C1C}">
+                <a14:useLocalDpi xmlns:a14="http://schemas.microsoft.com/office/drawing/2010/main" val="0"/>
+              </a:ext>
+            </a:extLst>
+          </a:blip>
+          <a:stretch>
+            <a:fillRect/>
+          </a:stretch>
+        </p:blipFill>
+        <p:spPr>
+          <a:xfrm>
+            <a:off x="250825" y="1556792"/>
+            <a:ext cx="8642350" cy="4389765"/>
+          </a:xfrm>
+        </p:spPr>
+      </p:pic>
+      <p:sp>
+        <p:nvSpPr>
+          <p:cNvPr id="3" name="Title 2"/>
+          <p:cNvSpPr>
+            <a:spLocks noGrp="1"/>
+          </p:cNvSpPr>
+          <p:nvPr>
+            <p:ph type="title"/>
+          </p:nvPr>
+        </p:nvSpPr>
+        <p:spPr/>
+        <p:txBody>
+          <a:bodyPr/>
+          <a:lstStyle/>
+          <a:p>
+            <a:r>
+              <a:rPr lang="en-US" dirty="0"/>
+              <a:t>DSC Components</a:t>
+            </a:r>
+          </a:p>
+        </p:txBody>
+      </p:sp>
+      <p:sp>
+        <p:nvSpPr>
+          <p:cNvPr id="2" name="TextBox 1"/>
+          <p:cNvSpPr txBox="1"/>
+          <p:nvPr/>
+        </p:nvSpPr>
+        <p:spPr>
+          <a:xfrm>
+            <a:off x="1403648" y="2996952"/>
+            <a:ext cx="5849678" cy="954107"/>
+          </a:xfrm>
+          <a:prstGeom prst="rect">
+            <a:avLst/>
+          </a:prstGeom>
+          <a:noFill/>
+        </p:spPr>
+        <p:txBody>
+          <a:bodyPr wrap="none" rtlCol="0">
+            <a:spAutoFit/>
+          </a:bodyPr>
+          <a:lstStyle/>
+          <a:p>
+            <a:pPr algn="ctr"/>
+            <a:r>
+              <a:rPr lang="en-US" b="1" dirty="0">
+                <a:ln w="12700">
+                  <a:solidFill>
+                    <a:schemeClr val="accent1"/>
+                  </a:solidFill>
+                  <a:prstDash val="solid"/>
+                </a:ln>
+                <a:solidFill>
+                  <a:srgbClr val="FF0000"/>
+                </a:solidFill>
+                <a:effectLst>
+                  <a:outerShdw dist="38100" dir="2640000" algn="bl" rotWithShape="0">
+                    <a:schemeClr val="accent1"/>
+                  </a:outerShdw>
+                </a:effectLst>
+              </a:rPr>
+              <a:t>From Ravi’s new book: Pro DSC</a:t>
+            </a:r>
+            <a:br>
+              <a:rPr lang="en-US" b="1" dirty="0">
+                <a:ln w="12700">
+                  <a:solidFill>
+                    <a:schemeClr val="accent1"/>
+                  </a:solidFill>
+                  <a:prstDash val="solid"/>
+                </a:ln>
+                <a:solidFill>
+                  <a:srgbClr val="FF0000"/>
+                </a:solidFill>
+                <a:effectLst>
+                  <a:outerShdw dist="38100" dir="2640000" algn="bl" rotWithShape="0">
+                    <a:schemeClr val="accent1"/>
+                  </a:outerShdw>
+                </a:effectLst>
+              </a:rPr>
+            </a:br>
+            <a:r>
+              <a:rPr lang="en-US" b="1" dirty="0">
+                <a:ln w="12700">
+                  <a:solidFill>
+                    <a:schemeClr val="accent1"/>
+                  </a:solidFill>
+                  <a:prstDash val="solid"/>
+                </a:ln>
+                <a:solidFill>
+                  <a:srgbClr val="FF0000"/>
+                </a:solidFill>
+                <a:effectLst>
+                  <a:outerShdw dist="38100" dir="2640000" algn="bl" rotWithShape="0">
+                    <a:schemeClr val="accent1"/>
+                  </a:outerShdw>
+                </a:effectLst>
+              </a:rPr>
+              <a:t>Available Q3</a:t>
+            </a:r>
+          </a:p>
+        </p:txBody>
+      </p:sp>
+    </p:spTree>
+    <p:extLst>
+      <p:ext uri="{BB962C8B-B14F-4D97-AF65-F5344CB8AC3E}">
+        <p14:creationId xmlns:p14="http://schemas.microsoft.com/office/powerpoint/2010/main" val="3917464556"/>
+      </p:ext>
+    </p:extLst>
+  </p:cSld>
+  <p:clrMapOvr>
+    <a:masterClrMapping/>
+  </p:clrMapOvr>
+  <mc:AlternateContent xmlns:mc="http://schemas.openxmlformats.org/markup-compatibility/2006" xmlns:p14="http://schemas.microsoft.com/office/powerpoint/2010/main">
+    <mc:Choice Requires="p14">
+      <p:transition spd="slow" p14:dur="1300">
+        <p14:pan dir="u"/>
+      </p:transition>
+    </mc:Choice>
+    <mc:Fallback xmlns="">
+      <p:transition spd="slow">
+        <p:fade/>
+      </p:transition>
+    </mc:Fallback>
+  </mc:AlternateContent>
+  <p:timing>
+    <p:tnLst>
+      <p:par>
+        <p:cTn id="1" dur="indefinite" restart="never" nodeType="tmRoot">
+          <p:childTnLst>
+            <p:seq concurrent="1" nextAc="seek">
+              <p:cTn id="2" dur="indefinite" nodeType="mainSeq">
+                <p:childTnLst>
+                  <p:par>
+                    <p:cTn id="3" fill="hold">
+                      <p:stCondLst>
+                        <p:cond delay="indefinite"/>
+                      </p:stCondLst>
+                      <p:childTnLst>
+                        <p:par>
+                          <p:cTn id="4" fill="hold">
+                            <p:stCondLst>
+                              <p:cond delay="0"/>
+                            </p:stCondLst>
+                            <p:childTnLst>
+                              <p:par>
+                                <p:cTn id="5" presetID="31" presetClass="entr" presetSubtype="0" fill="hold" grpId="0" nodeType="clickEffect">
+                                  <p:stCondLst>
+                                    <p:cond delay="0"/>
+                                  </p:stCondLst>
+                                  <p:childTnLst>
+                                    <p:set>
+                                      <p:cBhvr>
+                                        <p:cTn id="6" dur="1" fill="hold">
+                                          <p:stCondLst>
+                                            <p:cond delay="0"/>
+                                          </p:stCondLst>
+                                        </p:cTn>
+                                        <p:tgtEl>
+                                          <p:spTgt spid="2"/>
+                                        </p:tgtEl>
+                                        <p:attrNameLst>
+                                          <p:attrName>style.visibility</p:attrName>
+                                        </p:attrNameLst>
+                                      </p:cBhvr>
+                                      <p:to>
+                                        <p:strVal val="visible"/>
+                                      </p:to>
+                                    </p:set>
+                                    <p:anim calcmode="lin" valueType="num">
+                                      <p:cBhvr>
+                                        <p:cTn id="7" dur="2000" fill="hold"/>
+                                        <p:tgtEl>
+                                          <p:spTgt spid="2"/>
+                                        </p:tgtEl>
+                                        <p:attrNameLst>
+                                          <p:attrName>ppt_w</p:attrName>
+                                        </p:attrNameLst>
+                                      </p:cBhvr>
+                                      <p:tavLst>
+                                        <p:tav tm="0">
+                                          <p:val>
+                                            <p:fltVal val="0"/>
+                                          </p:val>
+                                        </p:tav>
+                                        <p:tav tm="100000">
+                                          <p:val>
+                                            <p:strVal val="#ppt_w"/>
+                                          </p:val>
+                                        </p:tav>
+                                      </p:tavLst>
+                                    </p:anim>
+                                    <p:anim calcmode="lin" valueType="num">
+                                      <p:cBhvr>
+                                        <p:cTn id="8" dur="2000" fill="hold"/>
+                                        <p:tgtEl>
+                                          <p:spTgt spid="2"/>
+                                        </p:tgtEl>
+                                        <p:attrNameLst>
+                                          <p:attrName>ppt_h</p:attrName>
+                                        </p:attrNameLst>
+                                      </p:cBhvr>
+                                      <p:tavLst>
+                                        <p:tav tm="0">
+                                          <p:val>
+                                            <p:fltVal val="0"/>
+                                          </p:val>
+                                        </p:tav>
+                                        <p:tav tm="100000">
+                                          <p:val>
+                                            <p:strVal val="#ppt_h"/>
+                                          </p:val>
+                                        </p:tav>
+                                      </p:tavLst>
+                                    </p:anim>
+                                    <p:anim calcmode="lin" valueType="num">
+                                      <p:cBhvr>
+                                        <p:cTn id="9" dur="2000" fill="hold"/>
+                                        <p:tgtEl>
+                                          <p:spTgt spid="2"/>
+                                        </p:tgtEl>
+                                        <p:attrNameLst>
+                                          <p:attrName>style.rotation</p:attrName>
+                                        </p:attrNameLst>
+                                      </p:cBhvr>
+                                      <p:tavLst>
+                                        <p:tav tm="0">
+                                          <p:val>
+                                            <p:fltVal val="90"/>
+                                          </p:val>
+                                        </p:tav>
+                                        <p:tav tm="100000">
+                                          <p:val>
+                                            <p:fltVal val="0"/>
+                                          </p:val>
+                                        </p:tav>
+                                      </p:tavLst>
+                                    </p:anim>
+                                    <p:animEffect transition="in" filter="fade">
+                                      <p:cBhvr>
+                                        <p:cTn id="10" dur="2000"/>
+                                        <p:tgtEl>
+                                          <p:spTgt spid="2"/>
+                                        </p:tgtEl>
+                                      </p:cBhvr>
+                                    </p:animEffect>
+                                  </p:childTnLst>
+                                </p:cTn>
+                              </p:par>
+                              <p:par>
+                                <p:cTn id="11" presetID="26" presetClass="emph" presetSubtype="0" repeatCount="3000" fill="hold" grpId="1" nodeType="withEffect">
+                                  <p:stCondLst>
+                                    <p:cond delay="0"/>
+                                  </p:stCondLst>
+                                  <p:childTnLst>
+                                    <p:animEffect transition="out" filter="fade">
+                                      <p:cBhvr>
+                                        <p:cTn id="12" dur="1000" tmFilter="0, 0; .2, .5; .8, .5; 1, 0"/>
+                                        <p:tgtEl>
+                                          <p:spTgt spid="2"/>
+                                        </p:tgtEl>
+                                      </p:cBhvr>
+                                    </p:animEffect>
+                                    <p:animScale>
+                                      <p:cBhvr>
+                                        <p:cTn id="13" dur="500" autoRev="1" fill="hold"/>
+                                        <p:tgtEl>
+                                          <p:spTgt spid="2"/>
+                                        </p:tgtEl>
+                                      </p:cBhvr>
+                                      <p:by x="105000" y="105000"/>
+                                    </p:animScale>
+                                  </p:childTnLst>
+                                </p:cTn>
+                              </p:par>
+                            </p:childTnLst>
+                          </p:cTn>
+                        </p:par>
+                      </p:childTnLst>
+                    </p:cTn>
+                  </p:par>
+                </p:childTnLst>
+              </p:cTn>
+              <p:prevCondLst>
+                <p:cond evt="onPrev" delay="0">
+                  <p:tgtEl>
+                    <p:sldTgt/>
+                  </p:tgtEl>
+                </p:cond>
+              </p:prevCondLst>
+              <p:nextCondLst>
+                <p:cond evt="onNext" delay="0">
+                  <p:tgtEl>
+                    <p:sldTgt/>
+                  </p:tgtEl>
+                </p:cond>
+              </p:nextCondLst>
+            </p:seq>
+          </p:childTnLst>
+        </p:cTn>
+      </p:par>
+    </p:tnLst>
+    <p:bldLst>
+      <p:bldP spid="2" grpId="0"/>
+      <p:bldP spid="2" grpId="1"/>
+    </p:bldLst>
+  </p:timing>
+</p:sld>
+</file>
+
+<file path=ppt/slides/slide11.xml><?xml version="1.0" encoding="utf-8"?>
+<p:sld xmlns:a="http://schemas.openxmlformats.org/drawingml/2006/main" xmlns:r="http://schemas.openxmlformats.org/officeDocument/2006/relationships" xmlns:p="http://schemas.openxmlformats.org/presentationml/2006/main">
+  <p:cSld>
+    <p:spTree>
+      <p:nvGrpSpPr>
+        <p:cNvPr id="1" name=""/>
+        <p:cNvGrpSpPr/>
+        <p:nvPr/>
+      </p:nvGrpSpPr>
+      <p:grpSpPr>
+        <a:xfrm>
+          <a:off x="0" y="0"/>
+          <a:ext cx="0" cy="0"/>
+          <a:chOff x="0" y="0"/>
+          <a:chExt cx="0" cy="0"/>
+        </a:xfrm>
+      </p:grpSpPr>
+      <p:sp>
+        <p:nvSpPr>
+          <p:cNvPr id="2" name="Content Placeholder 1"/>
+          <p:cNvSpPr>
+            <a:spLocks noGrp="1"/>
+          </p:cNvSpPr>
+          <p:nvPr>
+            <p:ph idx="1"/>
+          </p:nvPr>
+        </p:nvSpPr>
+        <p:spPr/>
+        <p:txBody>
+          <a:bodyPr/>
+          <a:lstStyle/>
+          <a:p>
+            <a:r>
+              <a:rPr lang="en-US" dirty="0"/>
+              <a:t>PSDesiredStateConfiguration Module</a:t>
+            </a:r>
+          </a:p>
+          <a:p>
+            <a:r>
+              <a:rPr lang="en-US" dirty="0"/>
+              <a:t>Dynamic Keywords that enable configuration authoring</a:t>
+            </a:r>
+          </a:p>
+          <a:p>
+            <a:r>
+              <a:rPr lang="en-US" dirty="0"/>
+              <a:t>Declarative Syntax</a:t>
+            </a:r>
+          </a:p>
+          <a:p>
+            <a:r>
+              <a:rPr lang="en-US" dirty="0"/>
+              <a:t>Cmdlets to compile and manage configurations</a:t>
+            </a:r>
+          </a:p>
+        </p:txBody>
+      </p:sp>
+      <p:sp>
+        <p:nvSpPr>
+          <p:cNvPr id="3" name="Title 2"/>
+          <p:cNvSpPr>
+            <a:spLocks noGrp="1"/>
+          </p:cNvSpPr>
+          <p:nvPr>
+            <p:ph type="title"/>
+          </p:nvPr>
+        </p:nvSpPr>
+        <p:spPr/>
+        <p:txBody>
+          <a:bodyPr/>
+          <a:lstStyle/>
+          <a:p>
+            <a:r>
+              <a:rPr lang="en-US" dirty="0"/>
+              <a:t>Language Extensions</a:t>
+            </a:r>
+          </a:p>
+        </p:txBody>
+      </p:sp>
+    </p:spTree>
+    <p:extLst>
+      <p:ext uri="{BB962C8B-B14F-4D97-AF65-F5344CB8AC3E}">
+        <p14:creationId xmlns:p14="http://schemas.microsoft.com/office/powerpoint/2010/main" val="2732845045"/>
+      </p:ext>
+    </p:extLst>
+  </p:cSld>
+  <p:clrMapOvr>
+    <a:masterClrMapping/>
+  </p:clrMapOvr>
+  <mc:AlternateContent xmlns:mc="http://schemas.openxmlformats.org/markup-compatibility/2006" xmlns:p14="http://schemas.microsoft.com/office/powerpoint/2010/main">
+    <mc:Choice Requires="p14">
+      <p:transition spd="slow" p14:dur="1300">
+        <p14:pan dir="u"/>
+      </p:transition>
+    </mc:Choice>
+    <mc:Fallback xmlns="">
+      <p:transition spd="slow">
+        <p:fade/>
+      </p:transition>
+    </mc:Fallback>
+  </mc:AlternateContent>
+</p:sld>
+</file>
+
+<file path=ppt/slides/slide12.xml><?xml version="1.0" encoding="utf-8"?>
+<p:sld xmlns:a="http://schemas.openxmlformats.org/drawingml/2006/main" xmlns:r="http://schemas.openxmlformats.org/officeDocument/2006/relationships" xmlns:p="http://schemas.openxmlformats.org/presentationml/2006/main">
+  <p:cSld>
+    <p:spTree>
+      <p:nvGrpSpPr>
+        <p:cNvPr id="1" name=""/>
+        <p:cNvGrpSpPr/>
+        <p:nvPr/>
+      </p:nvGrpSpPr>
+      <p:grpSpPr>
+        <a:xfrm>
+          <a:off x="0" y="0"/>
+          <a:ext cx="0" cy="0"/>
+          <a:chOff x="0" y="0"/>
+          <a:chExt cx="0" cy="0"/>
+        </a:xfrm>
+      </p:grpSpPr>
       <p:sp>
         <p:nvSpPr>
           <p:cNvPr id="2" name="Title 1"/>
@@ -4367,18 +4839,17 @@
           <a:lstStyle/>
           <a:p>
             <a:r>
-              <a:rPr lang="en-US" dirty="0" smtClean="0"/>
+              <a:rPr lang="en-US" dirty="0"/>
               <a:t>Start-Demo –Item ‘</a:t>
             </a:r>
             <a:r>
-              <a:rPr lang="en-US" dirty="0" err="1" smtClean="0"/>
+              <a:rPr lang="en-US" dirty="0" err="1"/>
               <a:t>LangaugeExt</a:t>
             </a:r>
             <a:r>
-              <a:rPr lang="en-US" dirty="0" smtClean="0"/>
+              <a:rPr lang="en-US" dirty="0"/>
               <a:t>’</a:t>
             </a:r>
-            <a:endParaRPr lang="en-US" dirty="0"/>
           </a:p>
         </p:txBody>
       </p:sp>
@@ -4398,10 +4869,9 @@
           <a:lstStyle/>
           <a:p>
             <a:r>
-              <a:rPr lang="en-US" dirty="0" smtClean="0"/>
+              <a:rPr lang="en-US" dirty="0"/>
               <a:t>Exploring PSDesiredStateConfiguration Module and Language Extensions</a:t>
             </a:r>
-            <a:endParaRPr lang="en-US" dirty="0"/>
           </a:p>
         </p:txBody>
       </p:sp>
@@ -4427,17 +4897,10 @@
       </p:transition>
     </mc:Fallback>
   </mc:AlternateContent>
-  <p:timing>
-    <p:tnLst>
-      <p:par>
-        <p:cTn id="1" dur="indefinite" restart="never" nodeType="tmRoot"/>
-      </p:par>
-    </p:tnLst>
-  </p:timing>
 </p:sld>
 </file>
 
-<file path=ppt/slides/slide11.xml><?xml version="1.0" encoding="utf-8"?>
+<file path=ppt/slides/slide13.xml><?xml version="1.0" encoding="utf-8"?>
 <p:sld xmlns:a="http://schemas.openxmlformats.org/drawingml/2006/main" xmlns:r="http://schemas.openxmlformats.org/officeDocument/2006/relationships" xmlns:p="http://schemas.openxmlformats.org/presentationml/2006/main">
   <p:cSld>
     <p:spTree>
@@ -4470,33 +4933,33 @@
           <a:lstStyle/>
           <a:p>
             <a:r>
-              <a:rPr lang="en-US" dirty="0" smtClean="0"/>
+              <a:rPr lang="en-US" dirty="0"/>
               <a:t>The OS “agent” … sort of!</a:t>
             </a:r>
           </a:p>
           <a:p>
             <a:r>
-              <a:rPr lang="en-US" dirty="0" smtClean="0"/>
+              <a:rPr lang="en-US" dirty="0"/>
               <a:t>Implemented as a WMI provider.</a:t>
             </a:r>
           </a:p>
           <a:p>
             <a:r>
-              <a:rPr lang="en-US" dirty="0" smtClean="0"/>
+              <a:rPr lang="en-US" dirty="0"/>
               <a:t>Can be configured in a declarative manner using Meta Resources.</a:t>
             </a:r>
           </a:p>
           <a:p>
             <a:r>
-              <a:rPr lang="en-US" dirty="0" smtClean="0"/>
+              <a:rPr lang="en-US" dirty="0"/>
               <a:t>Ability to receive (push) or pull configurations.</a:t>
             </a:r>
           </a:p>
           <a:p>
-            <a:endParaRPr lang="en-US" dirty="0" smtClean="0"/>
-          </a:p>
-          <a:p>
-            <a:endParaRPr lang="en-US" dirty="0" smtClean="0"/>
+            <a:endParaRPr lang="en-US" dirty="0"/>
+          </a:p>
+          <a:p>
+            <a:endParaRPr lang="en-US" dirty="0"/>
           </a:p>
           <a:p>
             <a:endParaRPr lang="en-US" dirty="0"/>
@@ -4519,10 +4982,9 @@
           <a:lstStyle/>
           <a:p>
             <a:r>
-              <a:rPr lang="en-US" dirty="0" smtClean="0"/>
+              <a:rPr lang="en-US" dirty="0"/>
               <a:t>Local Configuration Manager</a:t>
             </a:r>
-            <a:endParaRPr lang="en-US" dirty="0"/>
           </a:p>
         </p:txBody>
       </p:sp>
@@ -4548,17 +5010,10 @@
       </p:transition>
     </mc:Fallback>
   </mc:AlternateContent>
-  <p:timing>
-    <p:tnLst>
-      <p:par>
-        <p:cTn id="1" dur="indefinite" restart="never" nodeType="tmRoot"/>
-      </p:par>
-    </p:tnLst>
-  </p:timing>
 </p:sld>
 </file>
 
-<file path=ppt/slides/slide12.xml><?xml version="1.0" encoding="utf-8"?>
+<file path=ppt/slides/slide14.xml><?xml version="1.0" encoding="utf-8"?>
 <p:sld xmlns:a="http://schemas.openxmlformats.org/drawingml/2006/main" xmlns:r="http://schemas.openxmlformats.org/officeDocument/2006/relationships" xmlns:p="http://schemas.openxmlformats.org/presentationml/2006/main">
   <p:cSld>
     <p:spTree>
@@ -4592,21 +5047,16 @@
           <a:p>
             <a:r>
               <a:rPr lang="en-US" dirty="0"/>
-              <a:t>Start-Demo –Item </a:t>
-            </a:r>
-            <a:r>
-              <a:rPr lang="en-US" dirty="0" smtClean="0"/>
-              <a:t>‘</a:t>
-            </a:r>
-            <a:r>
-              <a:rPr lang="en-US" dirty="0" err="1" smtClean="0"/>
+              <a:t>Start-Demo –Item ‘</a:t>
+            </a:r>
+            <a:r>
+              <a:rPr lang="en-US" dirty="0" err="1"/>
               <a:t>LCMBasics</a:t>
             </a:r>
             <a:r>
-              <a:rPr lang="en-US" dirty="0" smtClean="0"/>
+              <a:rPr lang="en-US" dirty="0"/>
               <a:t>’</a:t>
             </a:r>
-            <a:endParaRPr lang="en-US" dirty="0"/>
           </a:p>
         </p:txBody>
       </p:sp>
@@ -4626,10 +5076,9 @@
           <a:lstStyle/>
           <a:p>
             <a:r>
-              <a:rPr lang="en-US" dirty="0" smtClean="0"/>
+              <a:rPr lang="en-US" dirty="0"/>
               <a:t>Local Configuration Manager Overview</a:t>
             </a:r>
-            <a:endParaRPr lang="en-US" dirty="0"/>
           </a:p>
         </p:txBody>
       </p:sp>
@@ -4655,17 +5104,10 @@
       </p:transition>
     </mc:Fallback>
   </mc:AlternateContent>
-  <p:timing>
-    <p:tnLst>
-      <p:par>
-        <p:cTn id="1" dur="indefinite" restart="never" nodeType="tmRoot"/>
-      </p:par>
-    </p:tnLst>
-  </p:timing>
 </p:sld>
 </file>
 
-<file path=ppt/slides/slide13.xml><?xml version="1.0" encoding="utf-8"?>
+<file path=ppt/slides/slide15.xml><?xml version="1.0" encoding="utf-8"?>
 <p:sld xmlns:a="http://schemas.openxmlformats.org/drawingml/2006/main" xmlns:r="http://schemas.openxmlformats.org/officeDocument/2006/relationships" xmlns:p="http://schemas.openxmlformats.org/presentationml/2006/main">
   <p:cSld>
     <p:spTree>
@@ -4698,43 +5140,52 @@
           <a:lstStyle/>
           <a:p>
             <a:r>
-              <a:rPr lang="en-US" dirty="0" smtClean="0"/>
+              <a:rPr lang="en-US" dirty="0"/>
               <a:t>Place where configurations live</a:t>
             </a:r>
-          </a:p>
-          <a:p>
-            <a:r>
-              <a:rPr lang="en-US" dirty="0" smtClean="0"/>
+            <a:endParaRPr lang="en-US" sz="2400" dirty="0"/>
+          </a:p>
+          <a:p>
+            <a:endParaRPr lang="en-US" sz="2400" dirty="0"/>
+          </a:p>
+          <a:p>
+            <a:endParaRPr lang="en-US" dirty="0"/>
+          </a:p>
+          <a:p>
+            <a:endParaRPr lang="en-US" dirty="0"/>
+          </a:p>
+          <a:p>
+            <a:r>
+              <a:rPr lang="en-US" dirty="0"/>
               <a:t>Different types based on the phase</a:t>
             </a:r>
           </a:p>
           <a:p>
             <a:pPr lvl="1"/>
             <a:r>
-              <a:rPr lang="en-US" dirty="0" smtClean="0"/>
+              <a:rPr lang="en-US" dirty="0"/>
               <a:t>Pending</a:t>
             </a:r>
           </a:p>
           <a:p>
             <a:pPr lvl="1"/>
             <a:r>
-              <a:rPr lang="en-US" dirty="0" smtClean="0"/>
+              <a:rPr lang="en-US" dirty="0"/>
               <a:t>Current</a:t>
             </a:r>
           </a:p>
           <a:p>
             <a:pPr lvl="1"/>
             <a:r>
-              <a:rPr lang="en-US" dirty="0" smtClean="0"/>
+              <a:rPr lang="en-US" dirty="0"/>
               <a:t>Previous</a:t>
             </a:r>
           </a:p>
           <a:p>
             <a:r>
-              <a:rPr lang="en-US" dirty="0" smtClean="0"/>
-              <a:t>Partial Configuration Store (if time permits)</a:t>
-            </a:r>
-            <a:endParaRPr lang="en-US" dirty="0"/>
+              <a:rPr lang="en-US" dirty="0"/>
+              <a:t>Partial Configuration Store</a:t>
+            </a:r>
           </a:p>
         </p:txBody>
       </p:sp>
@@ -4754,13 +5205,36 @@
           <a:lstStyle/>
           <a:p>
             <a:r>
-              <a:rPr lang="en-US" dirty="0" smtClean="0"/>
+              <a:rPr lang="en-US" dirty="0"/>
               <a:t>Configuration Store</a:t>
             </a:r>
-            <a:endParaRPr lang="en-US" dirty="0"/>
-          </a:p>
-        </p:txBody>
-      </p:sp>
+          </a:p>
+        </p:txBody>
+      </p:sp>
+      <p:pic>
+        <p:nvPicPr>
+          <p:cNvPr id="4" name="Picture 3"/>
+          <p:cNvPicPr>
+            <a:picLocks noChangeAspect="1"/>
+          </p:cNvPicPr>
+          <p:nvPr/>
+        </p:nvPicPr>
+        <p:blipFill>
+          <a:blip r:embed="rId2"/>
+          <a:stretch>
+            <a:fillRect/>
+          </a:stretch>
+        </p:blipFill>
+        <p:spPr>
+          <a:xfrm>
+            <a:off x="683568" y="2348880"/>
+            <a:ext cx="3312368" cy="1628944"/>
+          </a:xfrm>
+          <a:prstGeom prst="rect">
+            <a:avLst/>
+          </a:prstGeom>
+        </p:spPr>
+      </p:pic>
     </p:spTree>
     <p:extLst>
       <p:ext uri="{BB962C8B-B14F-4D97-AF65-F5344CB8AC3E}">
@@ -4783,17 +5257,10 @@
       </p:transition>
     </mc:Fallback>
   </mc:AlternateContent>
-  <p:timing>
-    <p:tnLst>
-      <p:par>
-        <p:cTn id="1" dur="indefinite" restart="never" nodeType="tmRoot"/>
-      </p:par>
-    </p:tnLst>
-  </p:timing>
 </p:sld>
 </file>
 
-<file path=ppt/slides/slide14.xml><?xml version="1.0" encoding="utf-8"?>
+<file path=ppt/slides/slide16.xml><?xml version="1.0" encoding="utf-8"?>
 <p:sld xmlns:a="http://schemas.openxmlformats.org/drawingml/2006/main" xmlns:r="http://schemas.openxmlformats.org/officeDocument/2006/relationships" xmlns:p="http://schemas.openxmlformats.org/presentationml/2006/main">
   <p:cSld>
     <p:spTree>
@@ -4826,29 +5293,29 @@
           <a:lstStyle/>
           <a:p>
             <a:r>
-              <a:rPr lang="en-US" dirty="0" smtClean="0"/>
+              <a:rPr lang="en-US" dirty="0"/>
               <a:t>Tools for the job!</a:t>
             </a:r>
           </a:p>
           <a:p>
             <a:pPr lvl="1"/>
             <a:r>
-              <a:rPr lang="en-US" dirty="0" smtClean="0"/>
+              <a:rPr lang="en-US" dirty="0"/>
               <a:t>Good old PowerShell ISE!</a:t>
             </a:r>
           </a:p>
           <a:p>
             <a:pPr lvl="1"/>
             <a:r>
-              <a:rPr lang="en-US" dirty="0" err="1" smtClean="0"/>
+              <a:rPr lang="en-US" dirty="0" err="1"/>
               <a:t>ISESteroids</a:t>
             </a:r>
-            <a:endParaRPr lang="en-US" dirty="0" smtClean="0"/>
+            <a:endParaRPr lang="en-US" dirty="0"/>
           </a:p>
           <a:p>
             <a:pPr lvl="1"/>
             <a:r>
-              <a:rPr lang="en-US" dirty="0" smtClean="0"/>
+              <a:rPr lang="en-US" dirty="0"/>
               <a:t>Visual Studio Code</a:t>
             </a:r>
           </a:p>
@@ -4870,10 +5337,9 @@
           <a:lstStyle/>
           <a:p>
             <a:r>
-              <a:rPr lang="en-US" dirty="0" smtClean="0"/>
+              <a:rPr lang="en-US" dirty="0"/>
               <a:t>Writing Configurations</a:t>
             </a:r>
-            <a:endParaRPr lang="en-US" dirty="0"/>
           </a:p>
         </p:txBody>
       </p:sp>
@@ -4899,17 +5365,10 @@
       </p:transition>
     </mc:Fallback>
   </mc:AlternateContent>
-  <p:timing>
-    <p:tnLst>
-      <p:par>
-        <p:cTn id="1" dur="indefinite" restart="never" nodeType="tmRoot"/>
-      </p:par>
-    </p:tnLst>
-  </p:timing>
 </p:sld>
 </file>
 
-<file path=ppt/slides/slide15.xml><?xml version="1.0" encoding="utf-8"?>
+<file path=ppt/slides/slide17.xml><?xml version="1.0" encoding="utf-8"?>
 <p:sld xmlns:a="http://schemas.openxmlformats.org/drawingml/2006/main" xmlns:r="http://schemas.openxmlformats.org/officeDocument/2006/relationships" xmlns:p="http://schemas.openxmlformats.org/presentationml/2006/main">
   <p:cSld>
     <p:spTree>
@@ -4942,10 +5401,9 @@
           <a:lstStyle/>
           <a:p>
             <a:r>
-              <a:rPr lang="en-US" dirty="0" smtClean="0"/>
+              <a:rPr lang="en-US" dirty="0"/>
               <a:t>Configuration Anatomy</a:t>
             </a:r>
-            <a:endParaRPr lang="en-US" dirty="0"/>
           </a:p>
         </p:txBody>
       </p:sp>
@@ -5033,27 +5491,7 @@
                 <a:effectLst/>
                 <a:latin typeface="Lucida Console" panose="020B0609040504020204" pitchFamily="49" charset="0"/>
               </a:rPr>
-              <a:t>    Node </a:t>
-            </a:r>
-            <a:r>
-              <a:rPr lang="en-US" sz="1600" dirty="0" smtClean="0">
-                <a:solidFill>
-                  <a:schemeClr val="tx1"/>
-                </a:solidFill>
-                <a:effectLst/>
-                <a:latin typeface="Lucida Console" panose="020B0609040504020204" pitchFamily="49" charset="0"/>
-              </a:rPr>
-              <a:t>WS2016-01 </a:t>
-            </a:r>
-            <a:r>
-              <a:rPr lang="en-US" sz="1600" dirty="0">
-                <a:solidFill>
-                  <a:schemeClr val="tx1"/>
-                </a:solidFill>
-                <a:effectLst/>
-                <a:latin typeface="Lucida Console" panose="020B0609040504020204" pitchFamily="49" charset="0"/>
-              </a:rPr>
-              <a:t>{</a:t>
+              <a:t>    Node WS2016-01 {</a:t>
             </a:r>
           </a:p>
           <a:p>
@@ -5103,27 +5541,7 @@
                 <a:effectLst/>
                 <a:latin typeface="Lucida Console" panose="020B0609040504020204" pitchFamily="49" charset="0"/>
               </a:rPr>
-              <a:t>            Path = </a:t>
-            </a:r>
-            <a:r>
-              <a:rPr lang="en-US" sz="1600" dirty="0" smtClean="0">
-                <a:solidFill>
-                  <a:schemeClr val="tx1"/>
-                </a:solidFill>
-                <a:effectLst/>
-                <a:latin typeface="Lucida Console" panose="020B0609040504020204" pitchFamily="49" charset="0"/>
-              </a:rPr>
-              <a:t>"C:\demo\Scripts.zip</a:t>
-            </a:r>
-            <a:r>
-              <a:rPr lang="en-US" sz="1600" dirty="0">
-                <a:solidFill>
-                  <a:schemeClr val="tx1"/>
-                </a:solidFill>
-                <a:effectLst/>
-                <a:latin typeface="Lucida Console" panose="020B0609040504020204" pitchFamily="49" charset="0"/>
-              </a:rPr>
-              <a:t>"</a:t>
+              <a:t>            Path = "C:\demo\Scripts.zip"</a:t>
             </a:r>
           </a:p>
           <a:p>
@@ -5367,7 +5785,7 @@
           <a:p>
             <a:pPr eaLnBrk="1" hangingPunct="1"/>
             <a:r>
-              <a:rPr lang="en-US" altLang="en-US" sz="1800" dirty="0" smtClean="0">
+              <a:rPr lang="en-US" altLang="en-US" sz="1800" dirty="0">
                 <a:latin typeface="Segoe UI" panose="020B0502040204020203" pitchFamily="34" charset="0"/>
                 <a:cs typeface="Segoe UI" panose="020B0502040204020203" pitchFamily="34" charset="0"/>
               </a:rPr>
@@ -5377,17 +5795,17 @@
           <a:p>
             <a:pPr eaLnBrk="1" hangingPunct="1"/>
             <a:r>
-              <a:rPr lang="en-US" altLang="en-US" sz="1800" dirty="0" smtClean="0">
+              <a:rPr lang="en-US" altLang="en-US" sz="1800" dirty="0">
                 <a:latin typeface="Segoe UI" panose="020B0502040204020203" pitchFamily="34" charset="0"/>
                 <a:cs typeface="Segoe UI" panose="020B0502040204020203" pitchFamily="34" charset="0"/>
               </a:rPr>
-              <a:t>Uses PowerShell Remoting</a:t>
+              <a:t>Uses WSMAN</a:t>
             </a:r>
           </a:p>
           <a:p>
             <a:pPr eaLnBrk="1" hangingPunct="1"/>
             <a:r>
-              <a:rPr lang="en-US" altLang="en-US" sz="1800" dirty="0" smtClean="0">
+              <a:rPr lang="en-US" altLang="en-US" sz="1800" dirty="0">
                 <a:latin typeface="Segoe UI" panose="020B0502040204020203" pitchFamily="34" charset="0"/>
                 <a:cs typeface="Segoe UI" panose="020B0502040204020203" pitchFamily="34" charset="0"/>
               </a:rPr>
@@ -5601,7 +6019,7 @@
 </p:sld>
 </file>
 
-<file path=ppt/slides/slide16.xml><?xml version="1.0" encoding="utf-8"?>
+<file path=ppt/slides/slide18.xml><?xml version="1.0" encoding="utf-8"?>
 <p:sld xmlns:a="http://schemas.openxmlformats.org/drawingml/2006/main" xmlns:r="http://schemas.openxmlformats.org/officeDocument/2006/relationships" xmlns:p="http://schemas.openxmlformats.org/presentationml/2006/main">
   <p:cSld>
     <p:spTree>
@@ -5635,21 +6053,16 @@
           <a:p>
             <a:r>
               <a:rPr lang="en-US" dirty="0"/>
-              <a:t>Start-Demo –Item </a:t>
-            </a:r>
-            <a:r>
-              <a:rPr lang="en-US" dirty="0" smtClean="0"/>
-              <a:t>‘</a:t>
-            </a:r>
-            <a:r>
-              <a:rPr lang="en-US" dirty="0" err="1" smtClean="0"/>
+              <a:t>Start-Demo –Item ‘</a:t>
+            </a:r>
+            <a:r>
+              <a:rPr lang="en-US" dirty="0" err="1"/>
               <a:t>ConfigAnatomy</a:t>
             </a:r>
             <a:r>
-              <a:rPr lang="en-US" dirty="0" smtClean="0"/>
+              <a:rPr lang="en-US" dirty="0"/>
               <a:t>’</a:t>
             </a:r>
-            <a:endParaRPr lang="en-US" dirty="0"/>
           </a:p>
         </p:txBody>
       </p:sp>
@@ -5669,10 +6082,9 @@
           <a:lstStyle/>
           <a:p>
             <a:r>
-              <a:rPr lang="en-US" dirty="0" smtClean="0"/>
+              <a:rPr lang="en-US" dirty="0"/>
               <a:t>Writing basic DSC configuration documents</a:t>
             </a:r>
-            <a:endParaRPr lang="en-US" dirty="0"/>
           </a:p>
         </p:txBody>
       </p:sp>
@@ -5698,17 +6110,10 @@
       </p:transition>
     </mc:Fallback>
   </mc:AlternateContent>
-  <p:timing>
-    <p:tnLst>
-      <p:par>
-        <p:cTn id="1" dur="indefinite" restart="never" nodeType="tmRoot"/>
-      </p:par>
-    </p:tnLst>
-  </p:timing>
 </p:sld>
 </file>
 
-<file path=ppt/slides/slide17.xml><?xml version="1.0" encoding="utf-8"?>
+<file path=ppt/slides/slide19.xml><?xml version="1.0" encoding="utf-8"?>
 <p:sld xmlns:a="http://schemas.openxmlformats.org/drawingml/2006/main" xmlns:r="http://schemas.openxmlformats.org/officeDocument/2006/relationships" xmlns:p="http://schemas.openxmlformats.org/presentationml/2006/main">
   <p:cSld>
     <p:spTree>
@@ -5742,21 +6147,16 @@
           <a:p>
             <a:r>
               <a:rPr lang="en-US" dirty="0"/>
-              <a:t>Start-Demo –Item </a:t>
-            </a:r>
-            <a:r>
-              <a:rPr lang="en-US" dirty="0" smtClean="0"/>
-              <a:t>‘</a:t>
-            </a:r>
-            <a:r>
-              <a:rPr lang="en-US" dirty="0" err="1" smtClean="0"/>
+              <a:t>Start-Demo –Item ‘</a:t>
+            </a:r>
+            <a:r>
+              <a:rPr lang="en-US" dirty="0" err="1"/>
               <a:t>BasicConfigAuthoring</a:t>
             </a:r>
             <a:r>
-              <a:rPr lang="en-US" dirty="0" smtClean="0"/>
+              <a:rPr lang="en-US" dirty="0"/>
               <a:t>’</a:t>
             </a:r>
-            <a:endParaRPr lang="en-US" dirty="0"/>
           </a:p>
         </p:txBody>
       </p:sp>
@@ -5776,10 +6176,9 @@
           <a:lstStyle/>
           <a:p>
             <a:r>
-              <a:rPr lang="en-US" dirty="0" smtClean="0"/>
+              <a:rPr lang="en-US" dirty="0"/>
               <a:t>Writing basic DSC configuration documents</a:t>
             </a:r>
-            <a:endParaRPr lang="en-US" dirty="0"/>
           </a:p>
         </p:txBody>
       </p:sp>
@@ -5805,17 +6204,10 @@
       </p:transition>
     </mc:Fallback>
   </mc:AlternateContent>
-  <p:timing>
-    <p:tnLst>
-      <p:par>
-        <p:cTn id="1" dur="indefinite" restart="never" nodeType="tmRoot"/>
-      </p:par>
-    </p:tnLst>
-  </p:timing>
 </p:sld>
 </file>
 
-<file path=ppt/slides/slide18.xml><?xml version="1.0" encoding="utf-8"?>
+<file path=ppt/slides/slide2.xml><?xml version="1.0" encoding="utf-8"?>
 <p:sld xmlns:a="http://schemas.openxmlformats.org/drawingml/2006/main" xmlns:r="http://schemas.openxmlformats.org/officeDocument/2006/relationships" xmlns:p="http://schemas.openxmlformats.org/presentationml/2006/main">
   <p:cSld>
     <p:spTree>
@@ -5834,6 +6226,132 @@
       </p:grpSpPr>
       <p:sp>
         <p:nvSpPr>
+          <p:cNvPr id="2" name="Inhaltsplatzhalter 1"/>
+          <p:cNvSpPr>
+            <a:spLocks noGrp="1"/>
+          </p:cNvSpPr>
+          <p:nvPr>
+            <p:ph idx="1"/>
+          </p:nvPr>
+        </p:nvSpPr>
+        <p:spPr/>
+        <p:txBody>
+          <a:bodyPr/>
+          <a:lstStyle/>
+          <a:p>
+            <a:r>
+              <a:rPr lang="de-DE" dirty="0"/>
+              <a:t>Sr. Principal Engineer at Dell EMC</a:t>
+            </a:r>
+          </a:p>
+          <a:p>
+            <a:r>
+              <a:rPr lang="de-DE" dirty="0"/>
+              <a:t>CDM and Azure MVP</a:t>
+            </a:r>
+          </a:p>
+          <a:p>
+            <a:r>
+              <a:rPr lang="de-DE" dirty="0"/>
+              <a:t>Founder &amp; Editor, PowerShell Magazine</a:t>
+            </a:r>
+          </a:p>
+          <a:p>
+            <a:r>
+              <a:rPr lang="de-DE" dirty="0"/>
+              <a:t>Published Author</a:t>
+            </a:r>
+          </a:p>
+          <a:p>
+            <a:pPr lvl="1"/>
+            <a:r>
+              <a:rPr lang="de-DE" dirty="0"/>
+              <a:t>Windows PowerShell Desired State Configuration Revealed (Apress)</a:t>
+            </a:r>
+          </a:p>
+          <a:p>
+            <a:pPr lvl="1"/>
+            <a:r>
+              <a:rPr lang="de-DE" dirty="0"/>
+              <a:t>Pro DSC (Apress; upcoming title)</a:t>
+            </a:r>
+          </a:p>
+          <a:p>
+            <a:pPr lvl="1"/>
+            <a:r>
+              <a:rPr lang="de-DE" dirty="0"/>
+              <a:t>Several other self-published books!</a:t>
+            </a:r>
+          </a:p>
+        </p:txBody>
+      </p:sp>
+      <p:sp>
+        <p:nvSpPr>
+          <p:cNvPr id="3" name="Titel 2"/>
+          <p:cNvSpPr>
+            <a:spLocks noGrp="1"/>
+          </p:cNvSpPr>
+          <p:nvPr>
+            <p:ph type="title"/>
+          </p:nvPr>
+        </p:nvSpPr>
+        <p:spPr/>
+        <p:txBody>
+          <a:bodyPr/>
+          <a:lstStyle/>
+          <a:p>
+            <a:r>
+              <a:rPr lang="de-DE" dirty="0" err="1"/>
+              <a:t>About_Author</a:t>
+            </a:r>
+            <a:endParaRPr lang="de-DE" dirty="0"/>
+          </a:p>
+        </p:txBody>
+      </p:sp>
+    </p:spTree>
+    <p:extLst>
+      <p:ext uri="{BB962C8B-B14F-4D97-AF65-F5344CB8AC3E}">
+        <p14:creationId xmlns:p14="http://schemas.microsoft.com/office/powerpoint/2010/main" val="1783199960"/>
+      </p:ext>
+    </p:extLst>
+  </p:cSld>
+  <p:clrMapOvr>
+    <a:masterClrMapping/>
+  </p:clrMapOvr>
+  <mc:AlternateContent xmlns:mc="http://schemas.openxmlformats.org/markup-compatibility/2006" xmlns:p14="http://schemas.microsoft.com/office/powerpoint/2010/main">
+    <mc:Choice Requires="p14">
+      <p:transition spd="med" p14:dur="700">
+        <p:fade/>
+      </p:transition>
+    </mc:Choice>
+    <mc:Fallback xmlns="">
+      <p:transition spd="med">
+        <p:fade/>
+      </p:transition>
+    </mc:Fallback>
+  </mc:AlternateContent>
+</p:sld>
+</file>
+
+<file path=ppt/slides/slide20.xml><?xml version="1.0" encoding="utf-8"?>
+<p:sld xmlns:a="http://schemas.openxmlformats.org/drawingml/2006/main" xmlns:r="http://schemas.openxmlformats.org/officeDocument/2006/relationships" xmlns:p="http://schemas.openxmlformats.org/presentationml/2006/main">
+  <p:cSld>
+    <p:spTree>
+      <p:nvGrpSpPr>
+        <p:cNvPr id="1" name=""/>
+        <p:cNvGrpSpPr/>
+        <p:nvPr/>
+      </p:nvGrpSpPr>
+      <p:grpSpPr>
+        <a:xfrm>
+          <a:off x="0" y="0"/>
+          <a:ext cx="0" cy="0"/>
+          <a:chOff x="0" y="0"/>
+          <a:chExt cx="0" cy="0"/>
+        </a:xfrm>
+      </p:grpSpPr>
+      <p:sp>
+        <p:nvSpPr>
           <p:cNvPr id="2" name="Title 1"/>
           <p:cNvSpPr>
             <a:spLocks noGrp="1"/>
@@ -5849,21 +6367,16 @@
           <a:p>
             <a:r>
               <a:rPr lang="en-US" dirty="0"/>
-              <a:t>Start-Demo –Item </a:t>
-            </a:r>
-            <a:r>
-              <a:rPr lang="en-US" dirty="0" smtClean="0"/>
-              <a:t>‘</a:t>
-            </a:r>
-            <a:r>
-              <a:rPr lang="en-US" dirty="0" err="1" smtClean="0"/>
+              <a:t>Start-Demo –Item ‘</a:t>
+            </a:r>
+            <a:r>
+              <a:rPr lang="en-US" dirty="0" err="1"/>
               <a:t>PushConfig</a:t>
             </a:r>
             <a:r>
-              <a:rPr lang="en-US" dirty="0" smtClean="0"/>
+              <a:rPr lang="en-US" dirty="0"/>
               <a:t>’</a:t>
             </a:r>
-            <a:endParaRPr lang="en-US" dirty="0"/>
           </a:p>
         </p:txBody>
       </p:sp>
@@ -5883,10 +6396,9 @@
           <a:lstStyle/>
           <a:p>
             <a:r>
-              <a:rPr lang="en-US" dirty="0" smtClean="0"/>
+              <a:rPr lang="en-US" dirty="0"/>
               <a:t>Pushing DSC configurations to target nodes</a:t>
             </a:r>
-            <a:endParaRPr lang="en-US" dirty="0"/>
           </a:p>
         </p:txBody>
       </p:sp>
@@ -5912,17 +6424,10 @@
       </p:transition>
     </mc:Fallback>
   </mc:AlternateContent>
-  <p:timing>
-    <p:tnLst>
-      <p:par>
-        <p:cTn id="1" dur="indefinite" restart="never" nodeType="tmRoot"/>
-      </p:par>
-    </p:tnLst>
-  </p:timing>
 </p:sld>
 </file>
 
-<file path=ppt/slides/slide19.xml><?xml version="1.0" encoding="utf-8"?>
+<file path=ppt/slides/slide21.xml><?xml version="1.0" encoding="utf-8"?>
 <p:sld xmlns:a="http://schemas.openxmlformats.org/drawingml/2006/main" xmlns:r="http://schemas.openxmlformats.org/officeDocument/2006/relationships" xmlns:p="http://schemas.openxmlformats.org/presentationml/2006/main">
   <p:cSld>
     <p:spTree>
@@ -5956,21 +6461,16 @@
           <a:p>
             <a:r>
               <a:rPr lang="en-US" dirty="0"/>
-              <a:t>Start-Demo –Item </a:t>
-            </a:r>
-            <a:r>
-              <a:rPr lang="en-US" dirty="0" smtClean="0"/>
-              <a:t>‘</a:t>
-            </a:r>
-            <a:r>
-              <a:rPr lang="en-US" dirty="0" err="1" smtClean="0"/>
+              <a:t>Start-Demo –Item ‘</a:t>
+            </a:r>
+            <a:r>
+              <a:rPr lang="en-US" dirty="0" err="1"/>
               <a:t>ReportDSCConfig</a:t>
             </a:r>
             <a:r>
-              <a:rPr lang="en-US" dirty="0" smtClean="0"/>
+              <a:rPr lang="en-US" dirty="0"/>
               <a:t>’</a:t>
             </a:r>
-            <a:endParaRPr lang="en-US" dirty="0"/>
           </a:p>
         </p:txBody>
       </p:sp>
@@ -5990,10 +6490,9 @@
           <a:lstStyle/>
           <a:p>
             <a:r>
-              <a:rPr lang="en-US" dirty="0" smtClean="0"/>
+              <a:rPr lang="en-US" dirty="0"/>
               <a:t>Using the DSC status cmdlets to check configuration state</a:t>
             </a:r>
-            <a:endParaRPr lang="en-US" dirty="0"/>
           </a:p>
         </p:txBody>
       </p:sp>
@@ -6019,17 +6518,10 @@
       </p:transition>
     </mc:Fallback>
   </mc:AlternateContent>
-  <p:timing>
-    <p:tnLst>
-      <p:par>
-        <p:cTn id="1" dur="indefinite" restart="never" nodeType="tmRoot"/>
-      </p:par>
-    </p:tnLst>
-  </p:timing>
 </p:sld>
 </file>
 
-<file path=ppt/slides/slide2.xml><?xml version="1.0" encoding="utf-8"?>
+<file path=ppt/slides/slide22.xml><?xml version="1.0" encoding="utf-8"?>
 <p:sld xmlns:a="http://schemas.openxmlformats.org/drawingml/2006/main" xmlns:r="http://schemas.openxmlformats.org/officeDocument/2006/relationships" xmlns:p="http://schemas.openxmlformats.org/presentationml/2006/main">
   <p:cSld>
     <p:spTree>
@@ -6048,143 +6540,6 @@
       </p:grpSpPr>
       <p:sp>
         <p:nvSpPr>
-          <p:cNvPr id="2" name="Inhaltsplatzhalter 1"/>
-          <p:cNvSpPr>
-            <a:spLocks noGrp="1"/>
-          </p:cNvSpPr>
-          <p:nvPr>
-            <p:ph idx="1"/>
-          </p:nvPr>
-        </p:nvSpPr>
-        <p:spPr/>
-        <p:txBody>
-          <a:bodyPr/>
-          <a:lstStyle/>
-          <a:p>
-            <a:r>
-              <a:rPr lang="de-DE" dirty="0" smtClean="0"/>
-              <a:t>Sr. Principal Engineer at Dell EMC</a:t>
-            </a:r>
-            <a:endParaRPr lang="de-DE" dirty="0"/>
-          </a:p>
-          <a:p>
-            <a:r>
-              <a:rPr lang="de-DE" dirty="0" smtClean="0"/>
-              <a:t>CDM and Azure MVP</a:t>
-            </a:r>
-          </a:p>
-          <a:p>
-            <a:r>
-              <a:rPr lang="de-DE" dirty="0" smtClean="0"/>
-              <a:t>Founder &amp; Editor, PowerShell Magazine</a:t>
-            </a:r>
-            <a:endParaRPr lang="de-DE" dirty="0"/>
-          </a:p>
-          <a:p>
-            <a:r>
-              <a:rPr lang="de-DE" dirty="0" smtClean="0"/>
-              <a:t>Published Author</a:t>
-            </a:r>
-          </a:p>
-          <a:p>
-            <a:pPr lvl="1"/>
-            <a:r>
-              <a:rPr lang="de-DE" dirty="0" smtClean="0"/>
-              <a:t>Windows PowerShell Desired State Configuration Revealed (Apress)</a:t>
-            </a:r>
-          </a:p>
-          <a:p>
-            <a:pPr lvl="1"/>
-            <a:r>
-              <a:rPr lang="de-DE" dirty="0" smtClean="0"/>
-              <a:t>Pro DSC (Apress; upcoming title)</a:t>
-            </a:r>
-            <a:endParaRPr lang="de-DE" dirty="0"/>
-          </a:p>
-          <a:p>
-            <a:pPr lvl="1"/>
-            <a:r>
-              <a:rPr lang="de-DE" dirty="0" smtClean="0"/>
-              <a:t>Several other self-published books!</a:t>
-            </a:r>
-            <a:endParaRPr lang="de-DE" dirty="0"/>
-          </a:p>
-        </p:txBody>
-      </p:sp>
-      <p:sp>
-        <p:nvSpPr>
-          <p:cNvPr id="3" name="Titel 2"/>
-          <p:cNvSpPr>
-            <a:spLocks noGrp="1"/>
-          </p:cNvSpPr>
-          <p:nvPr>
-            <p:ph type="title"/>
-          </p:nvPr>
-        </p:nvSpPr>
-        <p:spPr/>
-        <p:txBody>
-          <a:bodyPr/>
-          <a:lstStyle/>
-          <a:p>
-            <a:r>
-              <a:rPr lang="de-DE" dirty="0" err="1"/>
-              <a:t>About_Author</a:t>
-            </a:r>
-            <a:endParaRPr lang="de-DE" dirty="0"/>
-          </a:p>
-        </p:txBody>
-      </p:sp>
-    </p:spTree>
-    <p:extLst>
-      <p:ext uri="{BB962C8B-B14F-4D97-AF65-F5344CB8AC3E}">
-        <p14:creationId xmlns:p14="http://schemas.microsoft.com/office/powerpoint/2010/main" val="1783199960"/>
-      </p:ext>
-    </p:extLst>
-  </p:cSld>
-  <p:clrMapOvr>
-    <a:masterClrMapping/>
-  </p:clrMapOvr>
-  <mc:AlternateContent xmlns:mc="http://schemas.openxmlformats.org/markup-compatibility/2006" xmlns:p14="http://schemas.microsoft.com/office/powerpoint/2010/main">
-    <mc:Choice Requires="p14">
-      <p:transition spd="med" p14:dur="700">
-        <p:fade/>
-      </p:transition>
-    </mc:Choice>
-    <mc:Fallback xmlns="">
-      <p:transition spd="med">
-        <p:fade/>
-      </p:transition>
-    </mc:Fallback>
-  </mc:AlternateContent>
-  <p:timing>
-    <p:tnLst>
-      <p:par>
-        <p:cTn id="1" dur="indefinite" restart="never" nodeType="tmRoot"/>
-      </p:par>
-    </p:tnLst>
-  </p:timing>
-</p:sld>
-</file>
-
-<file path=ppt/slides/slide20.xml><?xml version="1.0" encoding="utf-8"?>
-<p:sld xmlns:a="http://schemas.openxmlformats.org/drawingml/2006/main" xmlns:r="http://schemas.openxmlformats.org/officeDocument/2006/relationships" xmlns:p="http://schemas.openxmlformats.org/presentationml/2006/main">
-  <p:cSld>
-    <p:spTree>
-      <p:nvGrpSpPr>
-        <p:cNvPr id="1" name=""/>
-        <p:cNvGrpSpPr/>
-        <p:nvPr/>
-      </p:nvGrpSpPr>
-      <p:grpSpPr>
-        <a:xfrm>
-          <a:off x="0" y="0"/>
-          <a:ext cx="0" cy="0"/>
-          <a:chOff x="0" y="0"/>
-          <a:chExt cx="0" cy="0"/>
-        </a:xfrm>
-      </p:grpSpPr>
-      <p:sp>
-        <p:nvSpPr>
           <p:cNvPr id="2" name="Title 1"/>
           <p:cNvSpPr>
             <a:spLocks noGrp="1"/>
@@ -6200,21 +6555,16 @@
           <a:p>
             <a:r>
               <a:rPr lang="en-US" dirty="0"/>
-              <a:t>Start-Demo –Item </a:t>
-            </a:r>
-            <a:r>
-              <a:rPr lang="en-US" dirty="0" smtClean="0"/>
-              <a:t>‘</a:t>
-            </a:r>
-            <a:r>
-              <a:rPr lang="en-US" dirty="0" err="1" smtClean="0"/>
+              <a:t>Start-Demo –Item ‘</a:t>
+            </a:r>
+            <a:r>
+              <a:rPr lang="en-US" dirty="0" err="1"/>
               <a:t>FindingResources</a:t>
             </a:r>
             <a:r>
-              <a:rPr lang="en-US" dirty="0" smtClean="0"/>
+              <a:rPr lang="en-US" dirty="0"/>
               <a:t>’</a:t>
             </a:r>
-            <a:endParaRPr lang="en-US" dirty="0"/>
           </a:p>
         </p:txBody>
       </p:sp>
@@ -6234,10 +6584,9 @@
           <a:lstStyle/>
           <a:p>
             <a:r>
-              <a:rPr lang="en-US" dirty="0" smtClean="0"/>
+              <a:rPr lang="en-US" dirty="0"/>
               <a:t>Finding in-box and custom resources for writing configuration documents</a:t>
             </a:r>
-            <a:endParaRPr lang="en-US" dirty="0"/>
           </a:p>
         </p:txBody>
       </p:sp>
@@ -6263,17 +6612,10 @@
       </p:transition>
     </mc:Fallback>
   </mc:AlternateContent>
-  <p:timing>
-    <p:tnLst>
-      <p:par>
-        <p:cTn id="1" dur="indefinite" restart="never" nodeType="tmRoot"/>
-      </p:par>
-    </p:tnLst>
-  </p:timing>
 </p:sld>
 </file>
 
-<file path=ppt/slides/slide21.xml><?xml version="1.0" encoding="utf-8"?>
+<file path=ppt/slides/slide23.xml><?xml version="1.0" encoding="utf-8"?>
 <p:sld xmlns:a="http://schemas.openxmlformats.org/drawingml/2006/main" xmlns:r="http://schemas.openxmlformats.org/officeDocument/2006/relationships" xmlns:p="http://schemas.openxmlformats.org/presentationml/2006/main">
   <p:cSld>
     <p:spTree>
@@ -6307,21 +6649,16 @@
           <a:p>
             <a:r>
               <a:rPr lang="en-US" dirty="0"/>
-              <a:t>Start-Demo –Item </a:t>
-            </a:r>
-            <a:r>
-              <a:rPr lang="en-US" dirty="0" smtClean="0"/>
-              <a:t>‘</a:t>
-            </a:r>
-            <a:r>
-              <a:rPr lang="en-US" dirty="0" err="1" smtClean="0"/>
+              <a:t>Start-Demo –Item ‘</a:t>
+            </a:r>
+            <a:r>
+              <a:rPr lang="en-US" dirty="0" err="1"/>
               <a:t>ParameterizedConfigs</a:t>
             </a:r>
             <a:r>
-              <a:rPr lang="en-US" dirty="0" smtClean="0"/>
+              <a:rPr lang="en-US" dirty="0"/>
               <a:t>’</a:t>
             </a:r>
-            <a:endParaRPr lang="en-US" dirty="0"/>
           </a:p>
         </p:txBody>
       </p:sp>
@@ -6341,10 +6678,9 @@
           <a:lstStyle/>
           <a:p>
             <a:r>
-              <a:rPr lang="en-US" dirty="0" smtClean="0"/>
+              <a:rPr lang="en-US" dirty="0"/>
               <a:t>Parameterized configurations for promoting re-use</a:t>
             </a:r>
-            <a:endParaRPr lang="en-US" dirty="0"/>
           </a:p>
         </p:txBody>
       </p:sp>
@@ -6370,17 +6706,10 @@
       </p:transition>
     </mc:Fallback>
   </mc:AlternateContent>
-  <p:timing>
-    <p:tnLst>
-      <p:par>
-        <p:cTn id="1" dur="indefinite" restart="never" nodeType="tmRoot"/>
-      </p:par>
-    </p:tnLst>
-  </p:timing>
 </p:sld>
 </file>
 
-<file path=ppt/slides/slide22.xml><?xml version="1.0" encoding="utf-8"?>
+<file path=ppt/slides/slide24.xml><?xml version="1.0" encoding="utf-8"?>
 <p:sld xmlns:a="http://schemas.openxmlformats.org/drawingml/2006/main" xmlns:r="http://schemas.openxmlformats.org/officeDocument/2006/relationships" xmlns:p="http://schemas.openxmlformats.org/presentationml/2006/main">
   <p:cSld>
     <p:spTree>
@@ -6413,13 +6742,13 @@
           <a:lstStyle/>
           <a:p>
             <a:r>
-              <a:rPr lang="en-US" dirty="0" smtClean="0"/>
+              <a:rPr lang="en-US" dirty="0"/>
               <a:t>Make the configuration documents more dynamic and parameterized</a:t>
             </a:r>
           </a:p>
           <a:p>
             <a:r>
-              <a:rPr lang="en-US" dirty="0" smtClean="0"/>
+              <a:rPr lang="en-US" dirty="0"/>
               <a:t>Promote better re-use and conditional configuration of resources</a:t>
             </a:r>
           </a:p>
@@ -6441,10 +6770,9 @@
           <a:lstStyle/>
           <a:p>
             <a:r>
-              <a:rPr lang="en-US" dirty="0" smtClean="0"/>
+              <a:rPr lang="en-US" dirty="0"/>
               <a:t>Configuration Data</a:t>
             </a:r>
-            <a:endParaRPr lang="en-US" dirty="0"/>
           </a:p>
         </p:txBody>
       </p:sp>
@@ -6470,17 +6798,10 @@
       </p:transition>
     </mc:Fallback>
   </mc:AlternateContent>
-  <p:timing>
-    <p:tnLst>
-      <p:par>
-        <p:cTn id="1" dur="indefinite" restart="never" nodeType="tmRoot"/>
-      </p:par>
-    </p:tnLst>
-  </p:timing>
 </p:sld>
 </file>
 
-<file path=ppt/slides/slide23.xml><?xml version="1.0" encoding="utf-8"?>
+<file path=ppt/slides/slide25.xml><?xml version="1.0" encoding="utf-8"?>
 <p:sld xmlns:a="http://schemas.openxmlformats.org/drawingml/2006/main" xmlns:r="http://schemas.openxmlformats.org/officeDocument/2006/relationships" xmlns:p="http://schemas.openxmlformats.org/presentationml/2006/main">
   <p:cSld>
     <p:spTree>
@@ -6514,21 +6835,16 @@
           <a:p>
             <a:r>
               <a:rPr lang="en-US" dirty="0"/>
-              <a:t>Start-Demo –Item </a:t>
-            </a:r>
-            <a:r>
-              <a:rPr lang="en-US" dirty="0" smtClean="0"/>
-              <a:t>‘</a:t>
-            </a:r>
-            <a:r>
-              <a:rPr lang="en-US" dirty="0" err="1" smtClean="0"/>
+              <a:t>Start-Demo –Item ‘</a:t>
+            </a:r>
+            <a:r>
+              <a:rPr lang="en-US" dirty="0" err="1"/>
               <a:t>ConfigDataInDSC</a:t>
             </a:r>
             <a:r>
-              <a:rPr lang="en-US" dirty="0" smtClean="0"/>
+              <a:rPr lang="en-US" dirty="0"/>
               <a:t>’</a:t>
             </a:r>
-            <a:endParaRPr lang="en-US" dirty="0"/>
           </a:p>
         </p:txBody>
       </p:sp>
@@ -6548,10 +6864,9 @@
           <a:lstStyle/>
           <a:p>
             <a:r>
-              <a:rPr lang="en-US" dirty="0" smtClean="0"/>
+              <a:rPr lang="en-US" dirty="0"/>
               <a:t>Using Configuration Data to create re-usable configuration documents</a:t>
             </a:r>
-            <a:endParaRPr lang="en-US" dirty="0"/>
           </a:p>
         </p:txBody>
       </p:sp>
@@ -6577,17 +6892,10 @@
       </p:transition>
     </mc:Fallback>
   </mc:AlternateContent>
-  <p:timing>
-    <p:tnLst>
-      <p:par>
-        <p:cTn id="1" dur="indefinite" restart="never" nodeType="tmRoot"/>
-      </p:par>
-    </p:tnLst>
-  </p:timing>
 </p:sld>
 </file>
 
-<file path=ppt/slides/slide24.xml><?xml version="1.0" encoding="utf-8"?>
+<file path=ppt/slides/slide26.xml><?xml version="1.0" encoding="utf-8"?>
 <p:sld xmlns:a="http://schemas.openxmlformats.org/drawingml/2006/main" xmlns:r="http://schemas.openxmlformats.org/officeDocument/2006/relationships" xmlns:p="http://schemas.openxmlformats.org/presentationml/2006/main">
   <p:cSld>
     <p:spTree>
@@ -6620,13 +6928,13 @@
           <a:lstStyle/>
           <a:p>
             <a:r>
-              <a:rPr lang="en-US" dirty="0" smtClean="0"/>
+              <a:rPr lang="en-US" dirty="0"/>
               <a:t>Plain-text credentials not suitable for production.</a:t>
             </a:r>
           </a:p>
           <a:p>
             <a:r>
-              <a:rPr lang="en-US" dirty="0" smtClean="0"/>
+              <a:rPr lang="en-US" dirty="0"/>
               <a:t>Should implement certificate-based encryption/decryption of credentials.</a:t>
             </a:r>
           </a:p>
@@ -6648,10 +6956,9 @@
           <a:lstStyle/>
           <a:p>
             <a:r>
-              <a:rPr lang="en-US" dirty="0" smtClean="0"/>
+              <a:rPr lang="en-US" dirty="0"/>
               <a:t>Credentials in Configuration</a:t>
             </a:r>
-            <a:endParaRPr lang="en-US" dirty="0"/>
           </a:p>
         </p:txBody>
       </p:sp>
@@ -6677,17 +6984,10 @@
       </p:transition>
     </mc:Fallback>
   </mc:AlternateContent>
-  <p:timing>
-    <p:tnLst>
-      <p:par>
-        <p:cTn id="1" dur="indefinite" restart="never" nodeType="tmRoot"/>
-      </p:par>
-    </p:tnLst>
-  </p:timing>
 </p:sld>
 </file>
 
-<file path=ppt/slides/slide25.xml><?xml version="1.0" encoding="utf-8"?>
+<file path=ppt/slides/slide27.xml><?xml version="1.0" encoding="utf-8"?>
 <p:sld xmlns:a="http://schemas.openxmlformats.org/drawingml/2006/main" xmlns:r="http://schemas.openxmlformats.org/officeDocument/2006/relationships" xmlns:p="http://schemas.openxmlformats.org/presentationml/2006/main">
   <p:cSld>
     <p:spTree>
@@ -6721,21 +7021,16 @@
           <a:p>
             <a:r>
               <a:rPr lang="en-US" dirty="0"/>
-              <a:t>Start-Demo –Item </a:t>
-            </a:r>
-            <a:r>
-              <a:rPr lang="en-US" dirty="0" smtClean="0"/>
-              <a:t>‘</a:t>
-            </a:r>
-            <a:r>
-              <a:rPr lang="en-US" dirty="0" err="1" smtClean="0"/>
+              <a:t>Start-Demo –Item ‘</a:t>
+            </a:r>
+            <a:r>
+              <a:rPr lang="en-US" dirty="0" err="1"/>
               <a:t>PlainTextCreds</a:t>
             </a:r>
             <a:r>
-              <a:rPr lang="en-US" dirty="0" smtClean="0"/>
+              <a:rPr lang="en-US" dirty="0"/>
               <a:t>’</a:t>
             </a:r>
-            <a:endParaRPr lang="en-US" dirty="0"/>
           </a:p>
         </p:txBody>
       </p:sp>
@@ -6755,10 +7050,9 @@
           <a:lstStyle/>
           <a:p>
             <a:r>
-              <a:rPr lang="en-US" dirty="0" smtClean="0"/>
+              <a:rPr lang="en-US" dirty="0"/>
               <a:t>Implementing Plain-Text Credentials in configuration documents</a:t>
             </a:r>
-            <a:endParaRPr lang="en-US" dirty="0"/>
           </a:p>
         </p:txBody>
       </p:sp>
@@ -6784,17 +7078,10 @@
       </p:transition>
     </mc:Fallback>
   </mc:AlternateContent>
-  <p:timing>
-    <p:tnLst>
-      <p:par>
-        <p:cTn id="1" dur="indefinite" restart="never" nodeType="tmRoot"/>
-      </p:par>
-    </p:tnLst>
-  </p:timing>
 </p:sld>
 </file>
 
-<file path=ppt/slides/slide26.xml><?xml version="1.0" encoding="utf-8"?>
+<file path=ppt/slides/slide28.xml><?xml version="1.0" encoding="utf-8"?>
 <p:sld xmlns:a="http://schemas.openxmlformats.org/drawingml/2006/main" xmlns:r="http://schemas.openxmlformats.org/officeDocument/2006/relationships" xmlns:p="http://schemas.openxmlformats.org/presentationml/2006/main">
   <p:cSld>
     <p:spTree>
@@ -6828,21 +7115,16 @@
           <a:p>
             <a:r>
               <a:rPr lang="en-US" dirty="0"/>
-              <a:t>Start-Demo –Item </a:t>
-            </a:r>
-            <a:r>
-              <a:rPr lang="en-US" dirty="0" smtClean="0"/>
-              <a:t>‘</a:t>
-            </a:r>
-            <a:r>
-              <a:rPr lang="en-US" dirty="0" err="1" smtClean="0"/>
+              <a:t>Start-Demo –Item ‘</a:t>
+            </a:r>
+            <a:r>
+              <a:rPr lang="en-US" dirty="0" err="1"/>
               <a:t>SecureCredentials</a:t>
             </a:r>
             <a:r>
-              <a:rPr lang="en-US" dirty="0" smtClean="0"/>
+              <a:rPr lang="en-US" dirty="0"/>
               <a:t>’</a:t>
             </a:r>
-            <a:endParaRPr lang="en-US" dirty="0"/>
           </a:p>
         </p:txBody>
       </p:sp>
@@ -6862,10 +7144,9 @@
           <a:lstStyle/>
           <a:p>
             <a:r>
-              <a:rPr lang="en-US" dirty="0" smtClean="0"/>
+              <a:rPr lang="en-US" dirty="0"/>
               <a:t>Implementing Secure Credentials in configuration documents using certificates</a:t>
             </a:r>
-            <a:endParaRPr lang="en-US" dirty="0"/>
           </a:p>
         </p:txBody>
       </p:sp>
@@ -6891,17 +7172,10 @@
       </p:transition>
     </mc:Fallback>
   </mc:AlternateContent>
-  <p:timing>
-    <p:tnLst>
-      <p:par>
-        <p:cTn id="1" dur="indefinite" restart="never" nodeType="tmRoot"/>
-      </p:par>
-    </p:tnLst>
-  </p:timing>
 </p:sld>
 </file>
 
-<file path=ppt/slides/slide27.xml><?xml version="1.0" encoding="utf-8"?>
+<file path=ppt/slides/slide29.xml><?xml version="1.0" encoding="utf-8"?>
 <p:sld xmlns:a="http://schemas.openxmlformats.org/drawingml/2006/main" xmlns:r="http://schemas.openxmlformats.org/officeDocument/2006/relationships" xmlns:p="http://schemas.openxmlformats.org/presentationml/2006/main">
   <p:cSld>
     <p:spTree>
@@ -6942,10 +7216,9 @@
           <a:lstStyle/>
           <a:p>
             <a:r>
-              <a:rPr lang="de-DE" dirty="0" smtClean="0"/>
+              <a:rPr lang="de-DE" dirty="0"/>
               <a:t>RunAs Credentials</a:t>
             </a:r>
-            <a:endParaRPr lang="de-DE" dirty="0"/>
           </a:p>
         </p:txBody>
       </p:sp>
@@ -6965,22 +7238,192 @@
           <a:lstStyle/>
           <a:p>
             <a:r>
-              <a:rPr lang="de-DE" dirty="0" smtClean="0"/>
+              <a:rPr lang="de-DE" dirty="0"/>
               <a:t>For some configuration items, the user context is important</a:t>
             </a:r>
           </a:p>
           <a:p>
             <a:pPr lvl="1"/>
             <a:r>
-              <a:rPr lang="de-DE" dirty="0" smtClean="0"/>
-              <a:t>Example: Registry modifications, cluster configurations, process invocation, and so on</a:t>
-            </a:r>
-          </a:p>
-          <a:p>
-            <a:r>
-              <a:rPr lang="de-DE" dirty="0" smtClean="0"/>
-              <a:t>PSDscRunAsCredential provides this ability</a:t>
-            </a:r>
+              <a:rPr lang="de-DE" dirty="0"/>
+              <a:t>Example: Registry modifications, cluster configurations, process invocation, </a:t>
+            </a:r>
+            <a:r>
+              <a:rPr lang="de-DE" dirty="0" err="1"/>
+              <a:t>remoting</a:t>
+            </a:r>
+            <a:r>
+              <a:rPr lang="de-DE" dirty="0"/>
+              <a:t> </a:t>
+            </a:r>
+            <a:r>
+              <a:rPr lang="de-DE" dirty="0" err="1"/>
+              <a:t>capabilities</a:t>
+            </a:r>
+            <a:r>
+              <a:rPr lang="de-DE" dirty="0"/>
+              <a:t> </a:t>
+            </a:r>
+            <a:r>
+              <a:rPr lang="de-DE" dirty="0" err="1"/>
+              <a:t>needed</a:t>
+            </a:r>
+            <a:r>
+              <a:rPr lang="de-DE" dirty="0"/>
+              <a:t> </a:t>
+            </a:r>
+            <a:r>
+              <a:rPr lang="de-DE" dirty="0" err="1"/>
+              <a:t>by</a:t>
+            </a:r>
+            <a:r>
+              <a:rPr lang="de-DE" dirty="0"/>
+              <a:t> </a:t>
+            </a:r>
+            <a:r>
+              <a:rPr lang="de-DE" dirty="0" err="1"/>
+              <a:t>the</a:t>
+            </a:r>
+            <a:r>
+              <a:rPr lang="de-DE" dirty="0"/>
+              <a:t> </a:t>
+            </a:r>
+            <a:r>
+              <a:rPr lang="de-DE" dirty="0" err="1"/>
+              <a:t>resource</a:t>
+            </a:r>
+            <a:r>
+              <a:rPr lang="de-DE" dirty="0"/>
+              <a:t> </a:t>
+            </a:r>
+            <a:r>
+              <a:rPr lang="de-DE" dirty="0" err="1"/>
+              <a:t>and</a:t>
+            </a:r>
+            <a:r>
+              <a:rPr lang="de-DE" dirty="0"/>
+              <a:t> so on</a:t>
+            </a:r>
+          </a:p>
+          <a:p>
+            <a:r>
+              <a:rPr lang="de-DE" dirty="0"/>
+              <a:t>PSDscRunAsCredential provides </a:t>
+            </a:r>
+            <a:r>
+              <a:rPr lang="de-DE" dirty="0" err="1"/>
+              <a:t>this</a:t>
+            </a:r>
+            <a:r>
+              <a:rPr lang="de-DE" dirty="0"/>
+              <a:t> </a:t>
+            </a:r>
+            <a:r>
+              <a:rPr lang="de-DE" dirty="0" err="1"/>
+              <a:t>ability</a:t>
+            </a:r>
+            <a:endParaRPr lang="de-DE" dirty="0"/>
+          </a:p>
+          <a:p>
+            <a:pPr lvl="1"/>
+            <a:r>
+              <a:rPr lang="de-DE" dirty="0" err="1"/>
+              <a:t>Removes</a:t>
+            </a:r>
+            <a:r>
+              <a:rPr lang="de-DE" dirty="0"/>
+              <a:t> </a:t>
+            </a:r>
+            <a:r>
+              <a:rPr lang="de-DE" dirty="0" err="1"/>
+              <a:t>the</a:t>
+            </a:r>
+            <a:r>
+              <a:rPr lang="de-DE" dirty="0"/>
+              <a:t> </a:t>
+            </a:r>
+            <a:r>
+              <a:rPr lang="de-DE" dirty="0" err="1"/>
+              <a:t>need</a:t>
+            </a:r>
+            <a:r>
+              <a:rPr lang="de-DE" dirty="0"/>
+              <a:t> </a:t>
+            </a:r>
+            <a:r>
+              <a:rPr lang="de-DE" dirty="0" err="1"/>
+              <a:t>for</a:t>
+            </a:r>
+            <a:r>
+              <a:rPr lang="de-DE" dirty="0"/>
+              <a:t> </a:t>
+            </a:r>
+            <a:r>
+              <a:rPr lang="de-DE" dirty="0" err="1"/>
+              <a:t>Resource</a:t>
+            </a:r>
+            <a:r>
+              <a:rPr lang="de-DE" dirty="0"/>
+              <a:t> </a:t>
+            </a:r>
+            <a:r>
+              <a:rPr lang="de-DE" dirty="0" err="1"/>
+              <a:t>authors</a:t>
+            </a:r>
+            <a:r>
+              <a:rPr lang="de-DE" dirty="0"/>
+              <a:t> </a:t>
+            </a:r>
+            <a:r>
+              <a:rPr lang="de-DE" dirty="0" err="1"/>
+              <a:t>to</a:t>
+            </a:r>
+            <a:r>
+              <a:rPr lang="de-DE" dirty="0"/>
+              <a:t> </a:t>
+            </a:r>
+            <a:r>
+              <a:rPr lang="de-DE" dirty="0" err="1"/>
+              <a:t>build</a:t>
+            </a:r>
+            <a:r>
+              <a:rPr lang="de-DE" dirty="0"/>
+              <a:t> in </a:t>
+            </a:r>
+            <a:r>
+              <a:rPr lang="de-DE" dirty="0" err="1"/>
+              <a:t>credential</a:t>
+            </a:r>
+            <a:r>
+              <a:rPr lang="de-DE" dirty="0"/>
+              <a:t> </a:t>
+            </a:r>
+            <a:r>
+              <a:rPr lang="de-DE" dirty="0" err="1"/>
+              <a:t>support</a:t>
+            </a:r>
+            <a:r>
+              <a:rPr lang="de-DE" dirty="0"/>
+              <a:t> </a:t>
+            </a:r>
+            <a:r>
+              <a:rPr lang="de-DE" dirty="0" err="1"/>
+              <a:t>we</a:t>
+            </a:r>
+            <a:r>
+              <a:rPr lang="de-DE" dirty="0"/>
+              <a:t> </a:t>
+            </a:r>
+            <a:r>
+              <a:rPr lang="de-DE" dirty="0" err="1"/>
+              <a:t>had</a:t>
+            </a:r>
+            <a:r>
+              <a:rPr lang="de-DE" dirty="0"/>
+              <a:t> in v1</a:t>
+            </a:r>
+          </a:p>
+          <a:p>
             <a:endParaRPr lang="de-DE" dirty="0"/>
           </a:p>
         </p:txBody>
@@ -7007,17 +7450,10 @@
       </p:transition>
     </mc:Fallback>
   </mc:AlternateContent>
-  <p:timing>
-    <p:tnLst>
-      <p:par>
-        <p:cTn id="1" dur="indefinite" restart="never" nodeType="tmRoot"/>
-      </p:par>
-    </p:tnLst>
-  </p:timing>
 </p:sld>
 </file>
 
-<file path=ppt/slides/slide28.xml><?xml version="1.0" encoding="utf-8"?>
+<file path=ppt/slides/slide3.xml><?xml version="1.0" encoding="utf-8"?>
 <p:sld xmlns:a="http://schemas.openxmlformats.org/drawingml/2006/main" xmlns:r="http://schemas.openxmlformats.org/officeDocument/2006/relationships" xmlns:p="http://schemas.openxmlformats.org/presentationml/2006/main">
   <p:cSld>
     <p:spTree>
@@ -7036,6 +7472,905 @@
       </p:grpSpPr>
       <p:sp>
         <p:nvSpPr>
+          <p:cNvPr id="2" name="Inhaltsplatzhalter 1"/>
+          <p:cNvSpPr>
+            <a:spLocks noGrp="1"/>
+          </p:cNvSpPr>
+          <p:nvPr>
+            <p:ph idx="1"/>
+          </p:nvPr>
+        </p:nvSpPr>
+        <p:spPr/>
+        <p:txBody>
+          <a:bodyPr/>
+          <a:lstStyle/>
+          <a:p>
+            <a:pPr marL="0" lvl="0" indent="0" eaLnBrk="1" hangingPunct="1">
+              <a:spcBef>
+                <a:spcPct val="0"/>
+              </a:spcBef>
+              <a:buNone/>
+              <a:tabLst/>
+            </a:pPr>
+            <a:r>
+              <a:rPr lang="en-US" sz="1800" kern="1200" dirty="0">
+                <a:solidFill>
+                  <a:srgbClr val="FFFFFF"/>
+                </a:solidFill>
+                <a:effectDag name="">
+                  <a:cont type="tree" name="">
+                    <a:effect ref="fillLine"/>
+                    <a:outerShdw dist="38100" dir="13500000" algn="br">
+                      <a:srgbClr val="FFFFFF">
+                        <a:lumMod val="200000"/>
+                        <a:satMod val="200000"/>
+                      </a:srgbClr>
+                    </a:outerShdw>
+                  </a:cont>
+                  <a:cont type="tree" name="">
+                    <a:effect ref="fillLine"/>
+                    <a:outerShdw dist="38100" dir="2700000" algn="tl">
+                      <a:srgbClr val="FFFFFF">
+                        <a:lumMod val="60000"/>
+                        <a:satMod val="60000"/>
+                      </a:srgbClr>
+                    </a:outerShdw>
+                  </a:cont>
+                  <a:effect ref="fillLine"/>
+                </a:effectDag>
+                <a:latin typeface="Consolas" panose="020B0609020204030204" pitchFamily="49" charset="0"/>
+              </a:rPr>
+              <a:t>Name       : Ben Gelens</a:t>
+            </a:r>
+            <a:endParaRPr lang="sr-Latn-RS" sz="1800" kern="1200" dirty="0">
+              <a:solidFill>
+                <a:srgbClr val="FFFFFF"/>
+              </a:solidFill>
+              <a:effectDag name="">
+                <a:cont type="tree" name="">
+                  <a:effect ref="fillLine"/>
+                  <a:outerShdw dist="38100" dir="13500000" algn="br">
+                    <a:srgbClr val="FFFFFF">
+                      <a:lumMod val="200000"/>
+                      <a:satMod val="200000"/>
+                    </a:srgbClr>
+                  </a:outerShdw>
+                </a:cont>
+                <a:cont type="tree" name="">
+                  <a:effect ref="fillLine"/>
+                  <a:outerShdw dist="38100" dir="2700000" algn="tl">
+                    <a:srgbClr val="FFFFFF">
+                      <a:lumMod val="60000"/>
+                      <a:satMod val="60000"/>
+                    </a:srgbClr>
+                  </a:outerShdw>
+                </a:cont>
+                <a:effect ref="fillLine"/>
+              </a:effectDag>
+              <a:latin typeface="Consolas" panose="020B0609020204030204" pitchFamily="49" charset="0"/>
+            </a:endParaRPr>
+          </a:p>
+          <a:p>
+            <a:pPr marL="0" lvl="0" indent="0" eaLnBrk="1" hangingPunct="1">
+              <a:spcBef>
+                <a:spcPct val="0"/>
+              </a:spcBef>
+              <a:buNone/>
+              <a:tabLst/>
+            </a:pPr>
+            <a:r>
+              <a:rPr lang="sr-Latn-RS" sz="1800" kern="1200" dirty="0">
+                <a:solidFill>
+                  <a:srgbClr val="FFFFFF"/>
+                </a:solidFill>
+                <a:effectDag name="">
+                  <a:cont type="tree" name="">
+                    <a:effect ref="fillLine"/>
+                    <a:outerShdw dist="38100" dir="13500000" algn="br">
+                      <a:srgbClr val="FFFFFF">
+                        <a:lumMod val="200000"/>
+                        <a:satMod val="200000"/>
+                      </a:srgbClr>
+                    </a:outerShdw>
+                  </a:cont>
+                  <a:cont type="tree" name="">
+                    <a:effect ref="fillLine"/>
+                    <a:outerShdw dist="38100" dir="2700000" algn="tl">
+                      <a:srgbClr val="FFFFFF">
+                        <a:lumMod val="60000"/>
+                        <a:satMod val="60000"/>
+                      </a:srgbClr>
+                    </a:outerShdw>
+                  </a:cont>
+                  <a:effect ref="fillLine"/>
+                </a:effectDag>
+                <a:latin typeface="Consolas" panose="020B0609020204030204" pitchFamily="49" charset="0"/>
+              </a:rPr>
+              <a:t>Job</a:t>
+            </a:r>
+            <a:r>
+              <a:rPr lang="en-US" sz="1800" kern="1200" dirty="0">
+                <a:solidFill>
+                  <a:srgbClr val="FFFFFF"/>
+                </a:solidFill>
+                <a:effectDag name="">
+                  <a:cont type="tree" name="">
+                    <a:effect ref="fillLine"/>
+                    <a:outerShdw dist="38100" dir="13500000" algn="br">
+                      <a:srgbClr val="FFFFFF">
+                        <a:lumMod val="200000"/>
+                        <a:satMod val="200000"/>
+                      </a:srgbClr>
+                    </a:outerShdw>
+                  </a:cont>
+                  <a:cont type="tree" name="">
+                    <a:effect ref="fillLine"/>
+                    <a:outerShdw dist="38100" dir="2700000" algn="tl">
+                      <a:srgbClr val="FFFFFF">
+                        <a:lumMod val="60000"/>
+                        <a:satMod val="60000"/>
+                      </a:srgbClr>
+                    </a:outerShdw>
+                  </a:cont>
+                  <a:effect ref="fillLine"/>
+                </a:effectDag>
+                <a:latin typeface="Consolas" panose="020B0609020204030204" pitchFamily="49" charset="0"/>
+              </a:rPr>
+              <a:t>        : Consultant</a:t>
+            </a:r>
+          </a:p>
+          <a:p>
+            <a:pPr marL="0" lvl="0" indent="0" eaLnBrk="1" hangingPunct="1">
+              <a:spcBef>
+                <a:spcPct val="0"/>
+              </a:spcBef>
+              <a:buNone/>
+              <a:tabLst/>
+            </a:pPr>
+            <a:r>
+              <a:rPr lang="en-US" sz="1800" kern="1200" dirty="0">
+                <a:solidFill>
+                  <a:srgbClr val="FFFFFF"/>
+                </a:solidFill>
+                <a:effectDag name="">
+                  <a:cont type="tree" name="">
+                    <a:effect ref="fillLine"/>
+                    <a:outerShdw dist="38100" dir="13500000" algn="br">
+                      <a:srgbClr val="FFFFFF">
+                        <a:lumMod val="200000"/>
+                        <a:satMod val="200000"/>
+                      </a:srgbClr>
+                    </a:outerShdw>
+                  </a:cont>
+                  <a:cont type="tree" name="">
+                    <a:effect ref="fillLine"/>
+                    <a:outerShdw dist="38100" dir="2700000" algn="tl">
+                      <a:srgbClr val="FFFFFF">
+                        <a:lumMod val="60000"/>
+                        <a:satMod val="60000"/>
+                      </a:srgbClr>
+                    </a:outerShdw>
+                  </a:cont>
+                  <a:effect ref="fillLine"/>
+                </a:effectDag>
+                <a:latin typeface="Consolas" panose="020B0609020204030204" pitchFamily="49" charset="0"/>
+              </a:rPr>
+              <a:t>MVP        : CDM (PowerShell)</a:t>
+            </a:r>
+          </a:p>
+          <a:p>
+            <a:pPr marL="0" lvl="0" indent="0" eaLnBrk="1" hangingPunct="1">
+              <a:spcBef>
+                <a:spcPct val="0"/>
+              </a:spcBef>
+              <a:buNone/>
+              <a:tabLst/>
+            </a:pPr>
+            <a:r>
+              <a:rPr lang="en-US" sz="1800" kern="1200" dirty="0">
+                <a:solidFill>
+                  <a:srgbClr val="FFFFFF"/>
+                </a:solidFill>
+                <a:effectDag name="">
+                  <a:cont type="tree" name="">
+                    <a:effect ref="fillLine"/>
+                    <a:outerShdw dist="38100" dir="13500000" algn="br">
+                      <a:srgbClr val="FFFFFF">
+                        <a:lumMod val="200000"/>
+                        <a:satMod val="200000"/>
+                      </a:srgbClr>
+                    </a:outerShdw>
+                  </a:cont>
+                  <a:cont type="tree" name="">
+                    <a:effect ref="fillLine"/>
+                    <a:outerShdw dist="38100" dir="2700000" algn="tl">
+                      <a:srgbClr val="FFFFFF">
+                        <a:lumMod val="60000"/>
+                        <a:satMod val="60000"/>
+                      </a:srgbClr>
+                    </a:outerShdw>
+                  </a:cont>
+                  <a:effect ref="fillLine"/>
+                </a:effectDag>
+                <a:latin typeface="Consolas" panose="020B0609020204030204" pitchFamily="49" charset="0"/>
+              </a:rPr>
+              <a:t>Company    : </a:t>
+            </a:r>
+            <a:r>
+              <a:rPr lang="en-US" sz="1800" kern="1200" dirty="0" err="1">
+                <a:solidFill>
+                  <a:srgbClr val="FFFFFF"/>
+                </a:solidFill>
+                <a:effectDag name="">
+                  <a:cont type="tree" name="">
+                    <a:effect ref="fillLine"/>
+                    <a:outerShdw dist="38100" dir="13500000" algn="br">
+                      <a:srgbClr val="FFFFFF">
+                        <a:lumMod val="200000"/>
+                        <a:satMod val="200000"/>
+                      </a:srgbClr>
+                    </a:outerShdw>
+                  </a:cont>
+                  <a:cont type="tree" name="">
+                    <a:effect ref="fillLine"/>
+                    <a:outerShdw dist="38100" dir="2700000" algn="tl">
+                      <a:srgbClr val="FFFFFF">
+                        <a:lumMod val="60000"/>
+                        <a:satMod val="60000"/>
+                      </a:srgbClr>
+                    </a:outerShdw>
+                  </a:cont>
+                  <a:effect ref="fillLine"/>
+                </a:effectDag>
+                <a:latin typeface="Consolas" panose="020B0609020204030204" pitchFamily="49" charset="0"/>
+              </a:rPr>
+              <a:t>InSpark</a:t>
+            </a:r>
+            <a:endParaRPr lang="en-US" sz="1800" kern="1200" dirty="0">
+              <a:solidFill>
+                <a:srgbClr val="FFFFFF"/>
+              </a:solidFill>
+              <a:effectDag name="">
+                <a:cont type="tree" name="">
+                  <a:effect ref="fillLine"/>
+                  <a:outerShdw dist="38100" dir="13500000" algn="br">
+                    <a:srgbClr val="FFFFFF">
+                      <a:lumMod val="200000"/>
+                      <a:satMod val="200000"/>
+                    </a:srgbClr>
+                  </a:outerShdw>
+                </a:cont>
+                <a:cont type="tree" name="">
+                  <a:effect ref="fillLine"/>
+                  <a:outerShdw dist="38100" dir="2700000" algn="tl">
+                    <a:srgbClr val="FFFFFF">
+                      <a:lumMod val="60000"/>
+                      <a:satMod val="60000"/>
+                    </a:srgbClr>
+                  </a:outerShdw>
+                </a:cont>
+                <a:effect ref="fillLine"/>
+              </a:effectDag>
+              <a:latin typeface="Consolas" panose="020B0609020204030204" pitchFamily="49" charset="0"/>
+            </a:endParaRPr>
+          </a:p>
+          <a:p>
+            <a:pPr marL="0" lvl="0" indent="0" eaLnBrk="1" hangingPunct="1">
+              <a:spcBef>
+                <a:spcPct val="0"/>
+              </a:spcBef>
+              <a:buNone/>
+              <a:tabLst/>
+            </a:pPr>
+            <a:r>
+              <a:rPr lang="en-US" sz="1800" kern="1200" dirty="0">
+                <a:solidFill>
+                  <a:srgbClr val="FFFFFF"/>
+                </a:solidFill>
+                <a:effectDag name="">
+                  <a:cont type="tree" name="">
+                    <a:effect ref="fillLine"/>
+                    <a:outerShdw dist="38100" dir="13500000" algn="br">
+                      <a:srgbClr val="FFFFFF">
+                        <a:lumMod val="200000"/>
+                        <a:satMod val="200000"/>
+                      </a:srgbClr>
+                    </a:outerShdw>
+                  </a:cont>
+                  <a:cont type="tree" name="">
+                    <a:effect ref="fillLine"/>
+                    <a:outerShdw dist="38100" dir="2700000" algn="tl">
+                      <a:srgbClr val="FFFFFF">
+                        <a:lumMod val="60000"/>
+                        <a:satMod val="60000"/>
+                      </a:srgbClr>
+                    </a:outerShdw>
+                  </a:cont>
+                  <a:effect ref="fillLine"/>
+                </a:effectDag>
+                <a:latin typeface="Consolas" panose="020B0609020204030204" pitchFamily="49" charset="0"/>
+              </a:rPr>
+              <a:t>Email      : ben@bgelens.nl</a:t>
+            </a:r>
+          </a:p>
+          <a:p>
+            <a:pPr marL="0" lvl="0" indent="0" eaLnBrk="1" hangingPunct="1">
+              <a:spcBef>
+                <a:spcPct val="0"/>
+              </a:spcBef>
+              <a:buNone/>
+              <a:tabLst/>
+            </a:pPr>
+            <a:r>
+              <a:rPr lang="en-US" sz="1800" kern="1200" dirty="0">
+                <a:solidFill>
+                  <a:srgbClr val="FFFFFF"/>
+                </a:solidFill>
+                <a:effectDag name="">
+                  <a:cont type="tree" name="">
+                    <a:effect ref="fillLine"/>
+                    <a:outerShdw dist="38100" dir="13500000" algn="br">
+                      <a:srgbClr val="FFFFFF">
+                        <a:lumMod val="200000"/>
+                        <a:satMod val="200000"/>
+                      </a:srgbClr>
+                    </a:outerShdw>
+                  </a:cont>
+                  <a:cont type="tree" name="">
+                    <a:effect ref="fillLine"/>
+                    <a:outerShdw dist="38100" dir="2700000" algn="tl">
+                      <a:srgbClr val="FFFFFF">
+                        <a:lumMod val="60000"/>
+                        <a:satMod val="60000"/>
+                      </a:srgbClr>
+                    </a:outerShdw>
+                  </a:cont>
+                  <a:effect ref="fillLine"/>
+                </a:effectDag>
+                <a:latin typeface="Consolas" panose="020B0609020204030204" pitchFamily="49" charset="0"/>
+              </a:rPr>
+              <a:t>Twitter    : @</a:t>
+            </a:r>
+            <a:r>
+              <a:rPr lang="en-US" sz="1800" kern="1200" dirty="0" err="1">
+                <a:solidFill>
+                  <a:srgbClr val="FFFFFF"/>
+                </a:solidFill>
+                <a:effectDag name="">
+                  <a:cont type="tree" name="">
+                    <a:effect ref="fillLine"/>
+                    <a:outerShdw dist="38100" dir="13500000" algn="br">
+                      <a:srgbClr val="FFFFFF">
+                        <a:lumMod val="200000"/>
+                        <a:satMod val="200000"/>
+                      </a:srgbClr>
+                    </a:outerShdw>
+                  </a:cont>
+                  <a:cont type="tree" name="">
+                    <a:effect ref="fillLine"/>
+                    <a:outerShdw dist="38100" dir="2700000" algn="tl">
+                      <a:srgbClr val="FFFFFF">
+                        <a:lumMod val="60000"/>
+                        <a:satMod val="60000"/>
+                      </a:srgbClr>
+                    </a:outerShdw>
+                  </a:cont>
+                  <a:effect ref="fillLine"/>
+                </a:effectDag>
+                <a:latin typeface="Consolas" panose="020B0609020204030204" pitchFamily="49" charset="0"/>
+              </a:rPr>
+              <a:t>bgelens</a:t>
+            </a:r>
+            <a:endParaRPr lang="en-US" sz="1800" kern="1200" dirty="0">
+              <a:solidFill>
+                <a:srgbClr val="FFFFFF"/>
+              </a:solidFill>
+              <a:effectDag name="">
+                <a:cont type="tree" name="">
+                  <a:effect ref="fillLine"/>
+                  <a:outerShdw dist="38100" dir="13500000" algn="br">
+                    <a:srgbClr val="FFFFFF">
+                      <a:lumMod val="200000"/>
+                      <a:satMod val="200000"/>
+                    </a:srgbClr>
+                  </a:outerShdw>
+                </a:cont>
+                <a:cont type="tree" name="">
+                  <a:effect ref="fillLine"/>
+                  <a:outerShdw dist="38100" dir="2700000" algn="tl">
+                    <a:srgbClr val="FFFFFF">
+                      <a:lumMod val="60000"/>
+                      <a:satMod val="60000"/>
+                    </a:srgbClr>
+                  </a:outerShdw>
+                </a:cont>
+                <a:effect ref="fillLine"/>
+              </a:effectDag>
+              <a:latin typeface="Consolas" panose="020B0609020204030204" pitchFamily="49" charset="0"/>
+            </a:endParaRPr>
+          </a:p>
+          <a:p>
+            <a:pPr marL="0" lvl="0" indent="0" eaLnBrk="1" hangingPunct="1">
+              <a:spcBef>
+                <a:spcPct val="0"/>
+              </a:spcBef>
+              <a:buNone/>
+              <a:tabLst/>
+            </a:pPr>
+            <a:r>
+              <a:rPr lang="en-US" sz="1800" kern="1200" dirty="0">
+                <a:solidFill>
+                  <a:srgbClr val="FFFFFF"/>
+                </a:solidFill>
+                <a:effectDag name="">
+                  <a:cont type="tree" name="">
+                    <a:effect ref="fillLine"/>
+                    <a:outerShdw dist="38100" dir="13500000" algn="br">
+                      <a:srgbClr val="FFFFFF">
+                        <a:lumMod val="200000"/>
+                        <a:satMod val="200000"/>
+                      </a:srgbClr>
+                    </a:outerShdw>
+                  </a:cont>
+                  <a:cont type="tree" name="">
+                    <a:effect ref="fillLine"/>
+                    <a:outerShdw dist="38100" dir="2700000" algn="tl">
+                      <a:srgbClr val="FFFFFF">
+                        <a:lumMod val="60000"/>
+                        <a:satMod val="60000"/>
+                      </a:srgbClr>
+                    </a:outerShdw>
+                  </a:cont>
+                  <a:effect ref="fillLine"/>
+                </a:effectDag>
+                <a:latin typeface="Consolas" panose="020B0609020204030204" pitchFamily="49" charset="0"/>
+              </a:rPr>
+              <a:t>GitHub     : </a:t>
+            </a:r>
+            <a:r>
+              <a:rPr lang="en-US" sz="1800" kern="1200" dirty="0" err="1">
+                <a:solidFill>
+                  <a:srgbClr val="FFFFFF"/>
+                </a:solidFill>
+                <a:effectDag name="">
+                  <a:cont type="tree" name="">
+                    <a:effect ref="fillLine"/>
+                    <a:outerShdw dist="38100" dir="13500000" algn="br">
+                      <a:srgbClr val="FFFFFF">
+                        <a:lumMod val="200000"/>
+                        <a:satMod val="200000"/>
+                      </a:srgbClr>
+                    </a:outerShdw>
+                  </a:cont>
+                  <a:cont type="tree" name="">
+                    <a:effect ref="fillLine"/>
+                    <a:outerShdw dist="38100" dir="2700000" algn="tl">
+                      <a:srgbClr val="FFFFFF">
+                        <a:lumMod val="60000"/>
+                        <a:satMod val="60000"/>
+                      </a:srgbClr>
+                    </a:outerShdw>
+                  </a:cont>
+                  <a:effect ref="fillLine"/>
+                </a:effectDag>
+                <a:latin typeface="Consolas" panose="020B0609020204030204" pitchFamily="49" charset="0"/>
+              </a:rPr>
+              <a:t>bgelens</a:t>
+            </a:r>
+            <a:endParaRPr lang="en-US" sz="1800" kern="1200" dirty="0">
+              <a:solidFill>
+                <a:srgbClr val="FFFFFF"/>
+              </a:solidFill>
+              <a:effectDag name="">
+                <a:cont type="tree" name="">
+                  <a:effect ref="fillLine"/>
+                  <a:outerShdw dist="38100" dir="13500000" algn="br">
+                    <a:srgbClr val="FFFFFF">
+                      <a:lumMod val="200000"/>
+                      <a:satMod val="200000"/>
+                    </a:srgbClr>
+                  </a:outerShdw>
+                </a:cont>
+                <a:cont type="tree" name="">
+                  <a:effect ref="fillLine"/>
+                  <a:outerShdw dist="38100" dir="2700000" algn="tl">
+                    <a:srgbClr val="FFFFFF">
+                      <a:lumMod val="60000"/>
+                      <a:satMod val="60000"/>
+                    </a:srgbClr>
+                  </a:outerShdw>
+                </a:cont>
+                <a:effect ref="fillLine"/>
+              </a:effectDag>
+              <a:latin typeface="Consolas" panose="020B0609020204030204" pitchFamily="49" charset="0"/>
+            </a:endParaRPr>
+          </a:p>
+          <a:p>
+            <a:pPr marL="0" lvl="0" indent="0" eaLnBrk="1" hangingPunct="1">
+              <a:spcBef>
+                <a:spcPct val="0"/>
+              </a:spcBef>
+              <a:buNone/>
+              <a:tabLst/>
+            </a:pPr>
+            <a:r>
+              <a:rPr lang="en-US" sz="1800" kern="1200" dirty="0">
+                <a:solidFill>
+                  <a:srgbClr val="FFFFFF"/>
+                </a:solidFill>
+                <a:effectDag name="">
+                  <a:cont type="tree" name="">
+                    <a:effect ref="fillLine"/>
+                    <a:outerShdw dist="38100" dir="13500000" algn="br">
+                      <a:srgbClr val="FFFFFF">
+                        <a:lumMod val="200000"/>
+                        <a:satMod val="200000"/>
+                      </a:srgbClr>
+                    </a:outerShdw>
+                  </a:cont>
+                  <a:cont type="tree" name="">
+                    <a:effect ref="fillLine"/>
+                    <a:outerShdw dist="38100" dir="2700000" algn="tl">
+                      <a:srgbClr val="FFFFFF">
+                        <a:lumMod val="60000"/>
+                        <a:satMod val="60000"/>
+                      </a:srgbClr>
+                    </a:outerShdw>
+                  </a:cont>
+                  <a:effect ref="fillLine"/>
+                </a:effectDag>
+                <a:latin typeface="Consolas" panose="020B0609020204030204" pitchFamily="49" charset="0"/>
+              </a:rPr>
+              <a:t>Community  : {Hyper-V.nu, </a:t>
+            </a:r>
+            <a:r>
+              <a:rPr lang="en-US" sz="1800" kern="1200" dirty="0" err="1">
+                <a:solidFill>
+                  <a:srgbClr val="FFFFFF"/>
+                </a:solidFill>
+                <a:effectDag name="">
+                  <a:cont type="tree" name="">
+                    <a:effect ref="fillLine"/>
+                    <a:outerShdw dist="38100" dir="13500000" algn="br">
+                      <a:srgbClr val="FFFFFF">
+                        <a:lumMod val="200000"/>
+                        <a:satMod val="200000"/>
+                      </a:srgbClr>
+                    </a:outerShdw>
+                  </a:cont>
+                  <a:cont type="tree" name="">
+                    <a:effect ref="fillLine"/>
+                    <a:outerShdw dist="38100" dir="2700000" algn="tl">
+                      <a:srgbClr val="FFFFFF">
+                        <a:lumMod val="60000"/>
+                        <a:satMod val="60000"/>
+                      </a:srgbClr>
+                    </a:outerShdw>
+                  </a:cont>
+                  <a:effect ref="fillLine"/>
+                </a:effectDag>
+                <a:latin typeface="Consolas" panose="020B0609020204030204" pitchFamily="49" charset="0"/>
+              </a:rPr>
+              <a:t>azurestack.blog</a:t>
+            </a:r>
+            <a:r>
+              <a:rPr lang="en-US" sz="1800" kern="1200" dirty="0">
+                <a:solidFill>
+                  <a:srgbClr val="FFFFFF"/>
+                </a:solidFill>
+                <a:effectDag name="">
+                  <a:cont type="tree" name="">
+                    <a:effect ref="fillLine"/>
+                    <a:outerShdw dist="38100" dir="13500000" algn="br">
+                      <a:srgbClr val="FFFFFF">
+                        <a:lumMod val="200000"/>
+                        <a:satMod val="200000"/>
+                      </a:srgbClr>
+                    </a:outerShdw>
+                  </a:cont>
+                  <a:cont type="tree" name="">
+                    <a:effect ref="fillLine"/>
+                    <a:outerShdw dist="38100" dir="2700000" algn="tl">
+                      <a:srgbClr val="FFFFFF">
+                        <a:lumMod val="60000"/>
+                        <a:satMod val="60000"/>
+                      </a:srgbClr>
+                    </a:outerShdw>
+                  </a:cont>
+                  <a:effect ref="fillLine"/>
+                </a:effectDag>
+                <a:latin typeface="Consolas" panose="020B0609020204030204" pitchFamily="49" charset="0"/>
+              </a:rPr>
+              <a:t>, </a:t>
+            </a:r>
+            <a:r>
+              <a:rPr lang="en-US" sz="1800" kern="1200" dirty="0" err="1">
+                <a:solidFill>
+                  <a:srgbClr val="FFFFFF"/>
+                </a:solidFill>
+                <a:effectDag name="">
+                  <a:cont type="tree" name="">
+                    <a:effect ref="fillLine"/>
+                    <a:outerShdw dist="38100" dir="13500000" algn="br">
+                      <a:srgbClr val="FFFFFF">
+                        <a:lumMod val="200000"/>
+                        <a:satMod val="200000"/>
+                      </a:srgbClr>
+                    </a:outerShdw>
+                  </a:cont>
+                  <a:cont type="tree" name="">
+                    <a:effect ref="fillLine"/>
+                    <a:outerShdw dist="38100" dir="2700000" algn="tl">
+                      <a:srgbClr val="FFFFFF">
+                        <a:lumMod val="60000"/>
+                        <a:satMod val="60000"/>
+                      </a:srgbClr>
+                    </a:outerShdw>
+                  </a:cont>
+                  <a:effect ref="fillLine"/>
+                </a:effectDag>
+                <a:latin typeface="Consolas" panose="020B0609020204030204" pitchFamily="49" charset="0"/>
+              </a:rPr>
+              <a:t>DuPSUG</a:t>
+            </a:r>
+            <a:r>
+              <a:rPr lang="en-US" sz="1800" kern="1200" dirty="0">
+                <a:solidFill>
+                  <a:srgbClr val="FFFFFF"/>
+                </a:solidFill>
+                <a:effectDag name="">
+                  <a:cont type="tree" name="">
+                    <a:effect ref="fillLine"/>
+                    <a:outerShdw dist="38100" dir="13500000" algn="br">
+                      <a:srgbClr val="FFFFFF">
+                        <a:lumMod val="200000"/>
+                        <a:satMod val="200000"/>
+                      </a:srgbClr>
+                    </a:outerShdw>
+                  </a:cont>
+                  <a:cont type="tree" name="">
+                    <a:effect ref="fillLine"/>
+                    <a:outerShdw dist="38100" dir="2700000" algn="tl">
+                      <a:srgbClr val="FFFFFF">
+                        <a:lumMod val="60000"/>
+                        <a:satMod val="60000"/>
+                      </a:srgbClr>
+                    </a:outerShdw>
+                  </a:cont>
+                  <a:effect ref="fillLine"/>
+                </a:effectDag>
+                <a:latin typeface="Consolas" panose="020B0609020204030204" pitchFamily="49" charset="0"/>
+              </a:rPr>
+              <a:t>}</a:t>
+            </a:r>
+          </a:p>
+          <a:p>
+            <a:pPr marL="0" lvl="0" indent="0" eaLnBrk="1" hangingPunct="1">
+              <a:spcBef>
+                <a:spcPct val="0"/>
+              </a:spcBef>
+              <a:buNone/>
+              <a:tabLst/>
+            </a:pPr>
+            <a:r>
+              <a:rPr lang="en-US" sz="1800" kern="1200" dirty="0">
+                <a:solidFill>
+                  <a:srgbClr val="FFFFFF"/>
+                </a:solidFill>
+                <a:effectDag name="">
+                  <a:cont type="tree" name="">
+                    <a:effect ref="fillLine"/>
+                    <a:outerShdw dist="38100" dir="13500000" algn="br">
+                      <a:srgbClr val="FFFFFF">
+                        <a:lumMod val="200000"/>
+                        <a:satMod val="200000"/>
+                      </a:srgbClr>
+                    </a:outerShdw>
+                  </a:cont>
+                  <a:cont type="tree" name="">
+                    <a:effect ref="fillLine"/>
+                    <a:outerShdw dist="38100" dir="2700000" algn="tl">
+                      <a:srgbClr val="FFFFFF">
+                        <a:lumMod val="60000"/>
+                        <a:satMod val="60000"/>
+                      </a:srgbClr>
+                    </a:outerShdw>
+                  </a:cont>
+                  <a:effect ref="fillLine"/>
+                </a:effectDag>
+                <a:latin typeface="Consolas" panose="020B0609020204030204" pitchFamily="49" charset="0"/>
+              </a:rPr>
+              <a:t>Blogging   : {bgelens.nl, Hyper-V.nu, …</a:t>
+            </a:r>
+            <a:br>
+              <a:rPr lang="en-US" sz="1800" kern="1200" dirty="0">
+                <a:solidFill>
+                  <a:srgbClr val="FFFFFF"/>
+                </a:solidFill>
+                <a:effectDag name="">
+                  <a:cont type="tree" name="">
+                    <a:effect ref="fillLine"/>
+                    <a:outerShdw dist="38100" dir="13500000" algn="br">
+                      <a:srgbClr val="FFFFFF">
+                        <a:lumMod val="200000"/>
+                        <a:satMod val="200000"/>
+                      </a:srgbClr>
+                    </a:outerShdw>
+                  </a:cont>
+                  <a:cont type="tree" name="">
+                    <a:effect ref="fillLine"/>
+                    <a:outerShdw dist="38100" dir="2700000" algn="tl">
+                      <a:srgbClr val="FFFFFF">
+                        <a:lumMod val="60000"/>
+                        <a:satMod val="60000"/>
+                      </a:srgbClr>
+                    </a:outerShdw>
+                  </a:cont>
+                  <a:effect ref="fillLine"/>
+                </a:effectDag>
+                <a:latin typeface="Consolas" panose="020B0609020204030204" pitchFamily="49" charset="0"/>
+              </a:rPr>
+            </a:br>
+            <a:r>
+              <a:rPr lang="en-US" sz="1800" kern="1200" dirty="0">
+                <a:solidFill>
+                  <a:srgbClr val="FFFFFF"/>
+                </a:solidFill>
+                <a:effectDag name="">
+                  <a:cont type="tree" name="">
+                    <a:effect ref="fillLine"/>
+                    <a:outerShdw dist="38100" dir="13500000" algn="br">
+                      <a:srgbClr val="FFFFFF">
+                        <a:lumMod val="200000"/>
+                        <a:satMod val="200000"/>
+                      </a:srgbClr>
+                    </a:outerShdw>
+                  </a:cont>
+                  <a:cont type="tree" name="">
+                    <a:effect ref="fillLine"/>
+                    <a:outerShdw dist="38100" dir="2700000" algn="tl">
+                      <a:srgbClr val="FFFFFF">
+                        <a:lumMod val="60000"/>
+                        <a:satMod val="60000"/>
+                      </a:srgbClr>
+                    </a:outerShdw>
+                  </a:cont>
+                  <a:effect ref="fillLine"/>
+                </a:effectDag>
+                <a:latin typeface="Consolas" panose="020B0609020204030204" pitchFamily="49" charset="0"/>
+              </a:rPr>
+              <a:t>              PowerShellMagazine.com, </a:t>
+            </a:r>
+            <a:r>
+              <a:rPr lang="en-US" sz="1800" kern="1200" dirty="0" err="1">
+                <a:solidFill>
+                  <a:srgbClr val="FFFFFF"/>
+                </a:solidFill>
+                <a:effectDag name="">
+                  <a:cont type="tree" name="">
+                    <a:effect ref="fillLine"/>
+                    <a:outerShdw dist="38100" dir="13500000" algn="br">
+                      <a:srgbClr val="FFFFFF">
+                        <a:lumMod val="200000"/>
+                        <a:satMod val="200000"/>
+                      </a:srgbClr>
+                    </a:outerShdw>
+                  </a:cont>
+                  <a:cont type="tree" name="">
+                    <a:effect ref="fillLine"/>
+                    <a:outerShdw dist="38100" dir="2700000" algn="tl">
+                      <a:srgbClr val="FFFFFF">
+                        <a:lumMod val="60000"/>
+                        <a:satMod val="60000"/>
+                      </a:srgbClr>
+                    </a:outerShdw>
+                  </a:cont>
+                  <a:effect ref="fillLine"/>
+                </a:effectDag>
+                <a:latin typeface="Consolas" panose="020B0609020204030204" pitchFamily="49" charset="0"/>
+              </a:rPr>
+              <a:t>azurestack.blog</a:t>
+            </a:r>
+            <a:r>
+              <a:rPr lang="en-US" sz="1800" kern="1200" dirty="0">
+                <a:solidFill>
+                  <a:srgbClr val="FFFFFF"/>
+                </a:solidFill>
+                <a:effectDag name="">
+                  <a:cont type="tree" name="">
+                    <a:effect ref="fillLine"/>
+                    <a:outerShdw dist="38100" dir="13500000" algn="br">
+                      <a:srgbClr val="FFFFFF">
+                        <a:lumMod val="200000"/>
+                        <a:satMod val="200000"/>
+                      </a:srgbClr>
+                    </a:outerShdw>
+                  </a:cont>
+                  <a:cont type="tree" name="">
+                    <a:effect ref="fillLine"/>
+                    <a:outerShdw dist="38100" dir="2700000" algn="tl">
+                      <a:srgbClr val="FFFFFF">
+                        <a:lumMod val="60000"/>
+                        <a:satMod val="60000"/>
+                      </a:srgbClr>
+                    </a:outerShdw>
+                  </a:cont>
+                  <a:effect ref="fillLine"/>
+                </a:effectDag>
+                <a:latin typeface="Consolas" panose="020B0609020204030204" pitchFamily="49" charset="0"/>
+              </a:rPr>
+              <a:t>}</a:t>
+            </a:r>
+          </a:p>
+        </p:txBody>
+      </p:sp>
+      <p:sp>
+        <p:nvSpPr>
+          <p:cNvPr id="3" name="Titel 2"/>
+          <p:cNvSpPr>
+            <a:spLocks noGrp="1"/>
+          </p:cNvSpPr>
+          <p:nvPr>
+            <p:ph type="title"/>
+          </p:nvPr>
+        </p:nvSpPr>
+        <p:spPr/>
+        <p:txBody>
+          <a:bodyPr/>
+          <a:lstStyle/>
+          <a:p>
+            <a:r>
+              <a:rPr lang="de-DE" dirty="0" err="1"/>
+              <a:t>About_Presenter</a:t>
+            </a:r>
+            <a:endParaRPr lang="de-DE" dirty="0"/>
+          </a:p>
+        </p:txBody>
+      </p:sp>
+    </p:spTree>
+    <p:extLst>
+      <p:ext uri="{BB962C8B-B14F-4D97-AF65-F5344CB8AC3E}">
+        <p14:creationId xmlns:p14="http://schemas.microsoft.com/office/powerpoint/2010/main" val="729701153"/>
+      </p:ext>
+    </p:extLst>
+  </p:cSld>
+  <p:clrMapOvr>
+    <a:masterClrMapping/>
+  </p:clrMapOvr>
+  <mc:AlternateContent xmlns:mc="http://schemas.openxmlformats.org/markup-compatibility/2006" xmlns:p14="http://schemas.microsoft.com/office/powerpoint/2010/main">
+    <mc:Choice Requires="p14">
+      <p:transition spd="med" p14:dur="700">
+        <p:fade/>
+      </p:transition>
+    </mc:Choice>
+    <mc:Fallback xmlns="">
+      <p:transition spd="med">
+        <p:fade/>
+      </p:transition>
+    </mc:Fallback>
+  </mc:AlternateContent>
+</p:sld>
+</file>
+
+<file path=ppt/slides/slide30.xml><?xml version="1.0" encoding="utf-8"?>
+<p:sld xmlns:a="http://schemas.openxmlformats.org/drawingml/2006/main" xmlns:r="http://schemas.openxmlformats.org/officeDocument/2006/relationships" xmlns:p="http://schemas.openxmlformats.org/presentationml/2006/main">
+  <p:cSld>
+    <p:spTree>
+      <p:nvGrpSpPr>
+        <p:cNvPr id="1" name=""/>
+        <p:cNvGrpSpPr/>
+        <p:nvPr/>
+      </p:nvGrpSpPr>
+      <p:grpSpPr>
+        <a:xfrm>
+          <a:off x="0" y="0"/>
+          <a:ext cx="0" cy="0"/>
+          <a:chOff x="0" y="0"/>
+          <a:chExt cx="0" cy="0"/>
+        </a:xfrm>
+      </p:grpSpPr>
+      <p:sp>
+        <p:nvSpPr>
           <p:cNvPr id="2" name="Title 1"/>
           <p:cNvSpPr>
             <a:spLocks noGrp="1"/>
@@ -7051,21 +8386,16 @@
           <a:p>
             <a:r>
               <a:rPr lang="en-US" dirty="0"/>
-              <a:t>Start-Demo –Item </a:t>
-            </a:r>
-            <a:r>
-              <a:rPr lang="en-US" dirty="0" smtClean="0"/>
-              <a:t>‘</a:t>
-            </a:r>
-            <a:r>
-              <a:rPr lang="en-US" dirty="0" err="1" smtClean="0"/>
+              <a:t>Start-Demo –Item ‘</a:t>
+            </a:r>
+            <a:r>
+              <a:rPr lang="en-US" dirty="0" err="1"/>
               <a:t>RunAsCreds</a:t>
             </a:r>
             <a:r>
-              <a:rPr lang="en-US" dirty="0" smtClean="0"/>
+              <a:rPr lang="en-US" dirty="0"/>
               <a:t>’</a:t>
             </a:r>
-            <a:endParaRPr lang="en-US" dirty="0"/>
           </a:p>
         </p:txBody>
       </p:sp>
@@ -7085,18 +8415,17 @@
           <a:lstStyle/>
           <a:p>
             <a:r>
-              <a:rPr lang="en-US" dirty="0" smtClean="0"/>
+              <a:rPr lang="en-US" dirty="0"/>
               <a:t>Configuration documents with </a:t>
             </a:r>
             <a:r>
-              <a:rPr lang="en-US" dirty="0" err="1" smtClean="0"/>
+              <a:rPr lang="en-US" dirty="0" err="1"/>
               <a:t>RunAs</a:t>
             </a:r>
             <a:r>
-              <a:rPr lang="en-US" dirty="0" smtClean="0"/>
+              <a:rPr lang="en-US" dirty="0"/>
               <a:t> Credentials</a:t>
             </a:r>
-            <a:endParaRPr lang="en-US" dirty="0"/>
           </a:p>
         </p:txBody>
       </p:sp>
@@ -7122,17 +8451,10 @@
       </p:transition>
     </mc:Fallback>
   </mc:AlternateContent>
-  <p:timing>
-    <p:tnLst>
-      <p:par>
-        <p:cTn id="1" dur="indefinite" restart="never" nodeType="tmRoot"/>
-      </p:par>
-    </p:tnLst>
-  </p:timing>
 </p:sld>
 </file>
 
-<file path=ppt/slides/slide29.xml><?xml version="1.0" encoding="utf-8"?>
+<file path=ppt/slides/slide31.xml><?xml version="1.0" encoding="utf-8"?>
 <p:sld xmlns:a="http://schemas.openxmlformats.org/drawingml/2006/main" xmlns:r="http://schemas.openxmlformats.org/officeDocument/2006/relationships" xmlns:p="http://schemas.openxmlformats.org/presentationml/2006/main">
   <p:cSld>
     <p:spTree>
@@ -7173,10 +8495,9 @@
           <a:lstStyle/>
           <a:p>
             <a:r>
-              <a:rPr lang="de-DE" dirty="0" smtClean="0"/>
+              <a:rPr lang="de-DE" dirty="0"/>
               <a:t>Resource Dependencies</a:t>
             </a:r>
-            <a:endParaRPr lang="de-DE" dirty="0"/>
           </a:p>
         </p:txBody>
       </p:sp>
@@ -7196,16 +8517,15 @@
           <a:lstStyle/>
           <a:p>
             <a:r>
-              <a:rPr lang="de-DE" dirty="0" smtClean="0"/>
+              <a:rPr lang="de-DE" dirty="0"/>
               <a:t>DependsOn in configuration documents is used for defining resource dependencies</a:t>
             </a:r>
           </a:p>
           <a:p>
             <a:r>
-              <a:rPr lang="de-DE" dirty="0" smtClean="0"/>
+              <a:rPr lang="de-DE" dirty="0"/>
               <a:t>Has impact on the resource configuration order</a:t>
             </a:r>
-            <a:endParaRPr lang="de-DE" dirty="0"/>
           </a:p>
         </p:txBody>
       </p:sp>
@@ -7231,17 +8551,10 @@
       </p:transition>
     </mc:Fallback>
   </mc:AlternateContent>
-  <p:timing>
-    <p:tnLst>
-      <p:par>
-        <p:cTn id="1" dur="indefinite" restart="never" nodeType="tmRoot"/>
-      </p:par>
-    </p:tnLst>
-  </p:timing>
 </p:sld>
 </file>
 
-<file path=ppt/slides/slide3.xml><?xml version="1.0" encoding="utf-8"?>
+<file path=ppt/slides/slide32.xml><?xml version="1.0" encoding="utf-8"?>
 <p:sld xmlns:a="http://schemas.openxmlformats.org/drawingml/2006/main" xmlns:r="http://schemas.openxmlformats.org/officeDocument/2006/relationships" xmlns:p="http://schemas.openxmlformats.org/presentationml/2006/main">
   <p:cSld>
     <p:spTree>
@@ -7260,135 +8573,6 @@
       </p:grpSpPr>
       <p:sp>
         <p:nvSpPr>
-          <p:cNvPr id="2" name="Content Placeholder 1"/>
-          <p:cNvSpPr>
-            <a:spLocks noGrp="1"/>
-          </p:cNvSpPr>
-          <p:nvPr>
-            <p:ph idx="1"/>
-          </p:nvPr>
-        </p:nvSpPr>
-        <p:spPr/>
-        <p:txBody>
-          <a:bodyPr/>
-          <a:lstStyle/>
-          <a:p>
-            <a:r>
-              <a:rPr lang="en-US" dirty="0" smtClean="0"/>
-              <a:t>Why DSC?</a:t>
-            </a:r>
-          </a:p>
-          <a:p>
-            <a:r>
-              <a:rPr lang="en-US" dirty="0" smtClean="0"/>
-              <a:t>Architecture</a:t>
-            </a:r>
-          </a:p>
-          <a:p>
-            <a:r>
-              <a:rPr lang="en-US" dirty="0"/>
-              <a:t>Writing </a:t>
-            </a:r>
-            <a:r>
-              <a:rPr lang="en-US" dirty="0" smtClean="0"/>
-              <a:t>Configurations</a:t>
-            </a:r>
-          </a:p>
-          <a:p>
-            <a:r>
-              <a:rPr lang="en-US" dirty="0" smtClean="0"/>
-              <a:t>Resource Modules and Composite Resources</a:t>
-            </a:r>
-            <a:endParaRPr lang="en-US" dirty="0"/>
-          </a:p>
-          <a:p>
-            <a:r>
-              <a:rPr lang="en-US" dirty="0" smtClean="0"/>
-              <a:t>DSC Pull Service</a:t>
-            </a:r>
-          </a:p>
-          <a:p>
-            <a:r>
-              <a:rPr lang="en-US" dirty="0" smtClean="0"/>
-              <a:t>DSC On Linux (if time permits)</a:t>
-            </a:r>
-          </a:p>
-        </p:txBody>
-      </p:sp>
-      <p:sp>
-        <p:nvSpPr>
-          <p:cNvPr id="3" name="Title 2"/>
-          <p:cNvSpPr>
-            <a:spLocks noGrp="1"/>
-          </p:cNvSpPr>
-          <p:nvPr>
-            <p:ph type="title"/>
-          </p:nvPr>
-        </p:nvSpPr>
-        <p:spPr/>
-        <p:txBody>
-          <a:bodyPr/>
-          <a:lstStyle/>
-          <a:p>
-            <a:r>
-              <a:rPr lang="en-US" dirty="0" smtClean="0"/>
-              <a:t>Agenda</a:t>
-            </a:r>
-            <a:endParaRPr lang="en-US" dirty="0"/>
-          </a:p>
-        </p:txBody>
-      </p:sp>
-    </p:spTree>
-    <p:extLst>
-      <p:ext uri="{BB962C8B-B14F-4D97-AF65-F5344CB8AC3E}">
-        <p14:creationId xmlns:p14="http://schemas.microsoft.com/office/powerpoint/2010/main" val="1472315385"/>
-      </p:ext>
-    </p:extLst>
-  </p:cSld>
-  <p:clrMapOvr>
-    <a:masterClrMapping/>
-  </p:clrMapOvr>
-  <mc:AlternateContent xmlns:mc="http://schemas.openxmlformats.org/markup-compatibility/2006" xmlns:p14="http://schemas.microsoft.com/office/powerpoint/2010/main">
-    <mc:Choice Requires="p14">
-      <p:transition spd="slow" p14:dur="1300">
-        <p14:pan dir="u"/>
-      </p:transition>
-    </mc:Choice>
-    <mc:Fallback xmlns="">
-      <p:transition spd="slow">
-        <p:fade/>
-      </p:transition>
-    </mc:Fallback>
-  </mc:AlternateContent>
-  <p:timing>
-    <p:tnLst>
-      <p:par>
-        <p:cTn id="1" dur="indefinite" restart="never" nodeType="tmRoot"/>
-      </p:par>
-    </p:tnLst>
-  </p:timing>
-</p:sld>
-</file>
-
-<file path=ppt/slides/slide30.xml><?xml version="1.0" encoding="utf-8"?>
-<p:sld xmlns:a="http://schemas.openxmlformats.org/drawingml/2006/main" xmlns:r="http://schemas.openxmlformats.org/officeDocument/2006/relationships" xmlns:p="http://schemas.openxmlformats.org/presentationml/2006/main">
-  <p:cSld>
-    <p:spTree>
-      <p:nvGrpSpPr>
-        <p:cNvPr id="1" name=""/>
-        <p:cNvGrpSpPr/>
-        <p:nvPr/>
-      </p:nvGrpSpPr>
-      <p:grpSpPr>
-        <a:xfrm>
-          <a:off x="0" y="0"/>
-          <a:ext cx="0" cy="0"/>
-          <a:chOff x="0" y="0"/>
-          <a:chExt cx="0" cy="0"/>
-        </a:xfrm>
-      </p:grpSpPr>
-      <p:sp>
-        <p:nvSpPr>
           <p:cNvPr id="2" name="Title 1"/>
           <p:cNvSpPr>
             <a:spLocks noGrp="1"/>
@@ -7404,21 +8588,16 @@
           <a:p>
             <a:r>
               <a:rPr lang="en-US" dirty="0"/>
-              <a:t>Start-Demo –Item </a:t>
-            </a:r>
-            <a:r>
-              <a:rPr lang="en-US" dirty="0" smtClean="0"/>
-              <a:t>‘</a:t>
-            </a:r>
-            <a:r>
-              <a:rPr lang="en-US" dirty="0" err="1" smtClean="0"/>
+              <a:t>Start-Demo –Item ‘</a:t>
+            </a:r>
+            <a:r>
+              <a:rPr lang="en-US" dirty="0" err="1"/>
               <a:t>DependsOn</a:t>
             </a:r>
             <a:r>
-              <a:rPr lang="en-US" dirty="0" smtClean="0"/>
+              <a:rPr lang="en-US" dirty="0"/>
               <a:t>’</a:t>
             </a:r>
-            <a:endParaRPr lang="en-US" dirty="0"/>
           </a:p>
         </p:txBody>
       </p:sp>
@@ -7438,18 +8617,17 @@
           <a:lstStyle/>
           <a:p>
             <a:r>
-              <a:rPr lang="en-US" dirty="0" smtClean="0"/>
+              <a:rPr lang="en-US" dirty="0"/>
               <a:t>Using </a:t>
             </a:r>
             <a:r>
-              <a:rPr lang="en-US" dirty="0" err="1" smtClean="0"/>
+              <a:rPr lang="en-US" dirty="0" err="1"/>
               <a:t>DependsOn</a:t>
             </a:r>
             <a:r>
-              <a:rPr lang="en-US" dirty="0" smtClean="0"/>
+              <a:rPr lang="en-US" dirty="0"/>
               <a:t> to defined resource dependencies and configuration order</a:t>
             </a:r>
-            <a:endParaRPr lang="en-US" dirty="0"/>
           </a:p>
         </p:txBody>
       </p:sp>
@@ -7475,17 +8653,10 @@
       </p:transition>
     </mc:Fallback>
   </mc:AlternateContent>
-  <p:timing>
-    <p:tnLst>
-      <p:par>
-        <p:cTn id="1" dur="indefinite" restart="never" nodeType="tmRoot"/>
-      </p:par>
-    </p:tnLst>
-  </p:timing>
 </p:sld>
 </file>
 
-<file path=ppt/slides/slide31.xml><?xml version="1.0" encoding="utf-8"?>
+<file path=ppt/slides/slide33.xml><?xml version="1.0" encoding="utf-8"?>
 <p:sld xmlns:a="http://schemas.openxmlformats.org/drawingml/2006/main" xmlns:r="http://schemas.openxmlformats.org/officeDocument/2006/relationships" xmlns:p="http://schemas.openxmlformats.org/presentationml/2006/main">
   <p:cSld>
     <p:spTree>
@@ -7526,10 +8697,9 @@
           <a:lstStyle/>
           <a:p>
             <a:r>
-              <a:rPr lang="de-DE" dirty="0" smtClean="0"/>
+              <a:rPr lang="de-DE" dirty="0"/>
               <a:t>Resource Modules</a:t>
             </a:r>
-            <a:endParaRPr lang="de-DE" dirty="0"/>
           </a:p>
         </p:txBody>
       </p:sp>
@@ -7549,41 +8719,114 @@
           <a:lstStyle/>
           <a:p>
             <a:r>
-              <a:rPr lang="de-DE" dirty="0" smtClean="0"/>
+              <a:rPr lang="de-DE" dirty="0"/>
               <a:t>The imperative scripts behind the declarative configuration</a:t>
             </a:r>
           </a:p>
           <a:p>
             <a:r>
-              <a:rPr lang="de-DE" dirty="0" smtClean="0"/>
+              <a:rPr lang="de-DE" dirty="0"/>
               <a:t>Can be written as:</a:t>
             </a:r>
           </a:p>
           <a:p>
             <a:pPr lvl="1"/>
             <a:r>
-              <a:rPr lang="de-DE" dirty="0" smtClean="0"/>
+              <a:rPr lang="de-DE" dirty="0"/>
               <a:t>MOF-based DSC resources</a:t>
             </a:r>
           </a:p>
           <a:p>
             <a:pPr lvl="1"/>
             <a:r>
-              <a:rPr lang="de-DE" dirty="0" smtClean="0"/>
+              <a:rPr lang="de-DE" dirty="0"/>
               <a:t>Class-based DSC resources (v5 and above)</a:t>
             </a:r>
           </a:p>
           <a:p>
             <a:pPr lvl="1"/>
             <a:r>
-              <a:rPr lang="de-DE" dirty="0" smtClean="0"/>
-              <a:t>MI </a:t>
-            </a:r>
-            <a:r>
-              <a:rPr lang="de-DE" smtClean="0"/>
-              <a:t>DSC resources (low level)</a:t>
-            </a:r>
-            <a:endParaRPr lang="de-DE" dirty="0"/>
+              <a:rPr lang="de-DE" dirty="0"/>
+              <a:t>Binary</a:t>
+            </a:r>
+          </a:p>
+          <a:p>
+            <a:pPr lvl="2"/>
+            <a:r>
+              <a:rPr lang="de-DE" dirty="0"/>
+              <a:t>C#</a:t>
+            </a:r>
+          </a:p>
+          <a:p>
+            <a:pPr lvl="2"/>
+            <a:r>
+              <a:rPr lang="de-DE" dirty="0"/>
+              <a:t>MI DSC </a:t>
+            </a:r>
+            <a:r>
+              <a:rPr lang="de-DE" dirty="0" err="1"/>
+              <a:t>resources</a:t>
+            </a:r>
+            <a:r>
+              <a:rPr lang="de-DE" dirty="0"/>
+              <a:t> (</a:t>
+            </a:r>
+            <a:r>
+              <a:rPr lang="de-DE" dirty="0" err="1"/>
+              <a:t>low</a:t>
+            </a:r>
+            <a:r>
+              <a:rPr lang="de-DE" dirty="0"/>
+              <a:t> </a:t>
+            </a:r>
+            <a:r>
+              <a:rPr lang="de-DE" dirty="0" err="1"/>
+              <a:t>level</a:t>
+            </a:r>
+            <a:r>
+              <a:rPr lang="de-DE" dirty="0"/>
+              <a:t>, </a:t>
+            </a:r>
+            <a:r>
+              <a:rPr lang="de-DE" dirty="0" err="1"/>
+              <a:t>provider</a:t>
+            </a:r>
+            <a:r>
+              <a:rPr lang="de-DE" dirty="0"/>
+              <a:t> </a:t>
+            </a:r>
+            <a:r>
+              <a:rPr lang="de-DE" dirty="0" err="1"/>
+              <a:t>which</a:t>
+            </a:r>
+            <a:r>
+              <a:rPr lang="de-DE" dirty="0"/>
+              <a:t> </a:t>
+            </a:r>
+            <a:r>
+              <a:rPr lang="de-DE" dirty="0" err="1"/>
+              <a:t>extents</a:t>
+            </a:r>
+            <a:r>
+              <a:rPr lang="de-DE" dirty="0"/>
+              <a:t> </a:t>
+            </a:r>
+            <a:r>
+              <a:rPr lang="de-DE" dirty="0" err="1"/>
+              <a:t>for</a:t>
+            </a:r>
+            <a:r>
+              <a:rPr lang="de-DE" dirty="0"/>
+              <a:t> e.g. Python, Ruby, </a:t>
+            </a:r>
+            <a:r>
+              <a:rPr lang="de-DE" dirty="0" err="1"/>
+              <a:t>etc</a:t>
+            </a:r>
+            <a:r>
+              <a:rPr lang="de-DE" dirty="0"/>
+              <a:t>)</a:t>
+            </a:r>
           </a:p>
         </p:txBody>
       </p:sp>
@@ -7609,17 +8852,10 @@
       </p:transition>
     </mc:Fallback>
   </mc:AlternateContent>
-  <p:timing>
-    <p:tnLst>
-      <p:par>
-        <p:cTn id="1" dur="indefinite" restart="never" nodeType="tmRoot"/>
-      </p:par>
-    </p:tnLst>
-  </p:timing>
 </p:sld>
 </file>
 
-<file path=ppt/slides/slide32.xml><?xml version="1.0" encoding="utf-8"?>
+<file path=ppt/slides/slide34.xml><?xml version="1.0" encoding="utf-8"?>
 <p:sld xmlns:a="http://schemas.openxmlformats.org/drawingml/2006/main" xmlns:r="http://schemas.openxmlformats.org/officeDocument/2006/relationships" xmlns:p="http://schemas.openxmlformats.org/presentationml/2006/main">
   <p:cSld>
     <p:spTree>
@@ -7660,10 +8896,9 @@
           <a:lstStyle/>
           <a:p>
             <a:r>
-              <a:rPr lang="de-DE" dirty="0" smtClean="0"/>
+              <a:rPr lang="de-DE" dirty="0"/>
               <a:t>Resource Module Execution </a:t>
             </a:r>
-            <a:endParaRPr lang="de-DE" dirty="0"/>
           </a:p>
         </p:txBody>
       </p:sp>
@@ -7683,10 +8918,9 @@
           <a:lstStyle/>
           <a:p>
             <a:r>
-              <a:rPr lang="de-DE" dirty="0" smtClean="0"/>
+              <a:rPr lang="de-DE" dirty="0"/>
               <a:t>Resource modules are what make DSC idempotent</a:t>
             </a:r>
-            <a:endParaRPr lang="de-DE" dirty="0"/>
           </a:p>
         </p:txBody>
       </p:sp>
@@ -8447,17 +9681,10 @@
       </p:transition>
     </mc:Fallback>
   </mc:AlternateContent>
-  <p:timing>
-    <p:tnLst>
-      <p:par>
-        <p:cTn id="1" dur="indefinite" restart="never" nodeType="tmRoot"/>
-      </p:par>
-    </p:tnLst>
-  </p:timing>
 </p:sld>
 </file>
 
-<file path=ppt/slides/slide33.xml><?xml version="1.0" encoding="utf-8"?>
+<file path=ppt/slides/slide35.xml><?xml version="1.0" encoding="utf-8"?>
 <p:sld xmlns:a="http://schemas.openxmlformats.org/drawingml/2006/main" xmlns:r="http://schemas.openxmlformats.org/officeDocument/2006/relationships" xmlns:p="http://schemas.openxmlformats.org/presentationml/2006/main">
   <p:cSld>
     <p:spTree>
@@ -8491,21 +9718,16 @@
           <a:p>
             <a:r>
               <a:rPr lang="en-US" dirty="0"/>
-              <a:t>Start-Demo –Item </a:t>
-            </a:r>
-            <a:r>
-              <a:rPr lang="en-US" dirty="0" smtClean="0"/>
-              <a:t>‘</a:t>
-            </a:r>
-            <a:r>
-              <a:rPr lang="en-US" dirty="0" err="1" smtClean="0"/>
+              <a:t>Start-Demo –Item ‘</a:t>
+            </a:r>
+            <a:r>
+              <a:rPr lang="en-US" dirty="0" err="1"/>
               <a:t>ResourceExecution</a:t>
             </a:r>
             <a:r>
-              <a:rPr lang="en-US" dirty="0" smtClean="0"/>
+              <a:rPr lang="en-US" dirty="0"/>
               <a:t>’</a:t>
             </a:r>
-            <a:endParaRPr lang="en-US" dirty="0"/>
           </a:p>
         </p:txBody>
       </p:sp>
@@ -8525,10 +9747,9 @@
           <a:lstStyle/>
           <a:p>
             <a:r>
-              <a:rPr lang="en-US" dirty="0" smtClean="0"/>
+              <a:rPr lang="en-US" dirty="0"/>
               <a:t>Understanding how DSC resources work using the Script resource</a:t>
             </a:r>
-            <a:endParaRPr lang="en-US" dirty="0"/>
           </a:p>
         </p:txBody>
       </p:sp>
@@ -8554,17 +9775,10 @@
       </p:transition>
     </mc:Fallback>
   </mc:AlternateContent>
-  <p:timing>
-    <p:tnLst>
-      <p:par>
-        <p:cTn id="1" dur="indefinite" restart="never" nodeType="tmRoot"/>
-      </p:par>
-    </p:tnLst>
-  </p:timing>
 </p:sld>
 </file>
 
-<file path=ppt/slides/slide34.xml><?xml version="1.0" encoding="utf-8"?>
+<file path=ppt/slides/slide36.xml><?xml version="1.0" encoding="utf-8"?>
 <p:sld xmlns:a="http://schemas.openxmlformats.org/drawingml/2006/main" xmlns:r="http://schemas.openxmlformats.org/officeDocument/2006/relationships" xmlns:p="http://schemas.openxmlformats.org/presentationml/2006/main">
   <p:cSld>
     <p:spTree>
@@ -8605,10 +9819,9 @@
           <a:lstStyle/>
           <a:p>
             <a:r>
-              <a:rPr lang="de-DE" dirty="0" smtClean="0"/>
+              <a:rPr lang="de-DE" dirty="0"/>
               <a:t>Composite Resource Modules</a:t>
             </a:r>
-            <a:endParaRPr lang="de-DE" dirty="0"/>
           </a:p>
         </p:txBody>
       </p:sp>
@@ -8628,16 +9841,15 @@
           <a:lstStyle/>
           <a:p>
             <a:r>
-              <a:rPr lang="de-DE" dirty="0" smtClean="0"/>
+              <a:rPr lang="de-DE" dirty="0"/>
               <a:t>Configuration documents can be packaged into composite resource modules for reusablity</a:t>
             </a:r>
           </a:p>
           <a:p>
             <a:r>
-              <a:rPr lang="de-DE" dirty="0" smtClean="0"/>
+              <a:rPr lang="de-DE" dirty="0"/>
               <a:t>Enable configuration blueprints</a:t>
             </a:r>
-            <a:endParaRPr lang="de-DE" dirty="0"/>
           </a:p>
         </p:txBody>
       </p:sp>
@@ -8663,17 +9875,10 @@
       </p:transition>
     </mc:Fallback>
   </mc:AlternateContent>
-  <p:timing>
-    <p:tnLst>
-      <p:par>
-        <p:cTn id="1" dur="indefinite" restart="never" nodeType="tmRoot"/>
-      </p:par>
-    </p:tnLst>
-  </p:timing>
 </p:sld>
 </file>
 
-<file path=ppt/slides/slide35.xml><?xml version="1.0" encoding="utf-8"?>
+<file path=ppt/slides/slide37.xml><?xml version="1.0" encoding="utf-8"?>
 <p:sld xmlns:a="http://schemas.openxmlformats.org/drawingml/2006/main" xmlns:r="http://schemas.openxmlformats.org/officeDocument/2006/relationships" xmlns:p="http://schemas.openxmlformats.org/presentationml/2006/main">
   <p:cSld>
     <p:spTree>
@@ -8707,21 +9912,16 @@
           <a:p>
             <a:r>
               <a:rPr lang="en-US" dirty="0"/>
-              <a:t>Start-Demo –Item </a:t>
-            </a:r>
-            <a:r>
-              <a:rPr lang="en-US" dirty="0" smtClean="0"/>
-              <a:t>‘</a:t>
-            </a:r>
-            <a:r>
-              <a:rPr lang="en-US" dirty="0" err="1" smtClean="0"/>
+              <a:t>Start-Demo –Item ‘</a:t>
+            </a:r>
+            <a:r>
+              <a:rPr lang="en-US" dirty="0" err="1"/>
               <a:t>CompositeResources</a:t>
             </a:r>
             <a:r>
-              <a:rPr lang="en-US" dirty="0" smtClean="0"/>
+              <a:rPr lang="en-US" dirty="0"/>
               <a:t>’</a:t>
             </a:r>
-            <a:endParaRPr lang="en-US" dirty="0"/>
           </a:p>
         </p:txBody>
       </p:sp>
@@ -8741,10 +9941,9 @@
           <a:lstStyle/>
           <a:p>
             <a:r>
-              <a:rPr lang="en-US" dirty="0" smtClean="0"/>
+              <a:rPr lang="en-US" dirty="0"/>
               <a:t>Creating and using DSC composite resources</a:t>
             </a:r>
-            <a:endParaRPr lang="en-US" dirty="0"/>
           </a:p>
         </p:txBody>
       </p:sp>
@@ -8770,17 +9969,10 @@
       </p:transition>
     </mc:Fallback>
   </mc:AlternateContent>
-  <p:timing>
-    <p:tnLst>
-      <p:par>
-        <p:cTn id="1" dur="indefinite" restart="never" nodeType="tmRoot"/>
-      </p:par>
-    </p:tnLst>
-  </p:timing>
 </p:sld>
 </file>
 
-<file path=ppt/slides/slide36.xml><?xml version="1.0" encoding="utf-8"?>
+<file path=ppt/slides/slide38.xml><?xml version="1.0" encoding="utf-8"?>
 <p:sld xmlns:a="http://schemas.openxmlformats.org/drawingml/2006/main" xmlns:r="http://schemas.openxmlformats.org/officeDocument/2006/relationships" xmlns:p="http://schemas.openxmlformats.org/presentationml/2006/main">
   <p:cSld>
     <p:spTree>
@@ -8821,10 +10013,9 @@
           <a:lstStyle/>
           <a:p>
             <a:r>
-              <a:rPr lang="de-DE" dirty="0" smtClean="0"/>
+              <a:rPr lang="de-DE" dirty="0"/>
               <a:t>DSC Pull Service</a:t>
             </a:r>
-            <a:endParaRPr lang="de-DE" dirty="0"/>
           </a:p>
         </p:txBody>
       </p:sp>
@@ -8844,22 +10035,21 @@
           <a:lstStyle/>
           <a:p>
             <a:r>
-              <a:rPr lang="de-DE" dirty="0" smtClean="0"/>
+              <a:rPr lang="de-DE" dirty="0"/>
               <a:t>Enables REST-based pull service for configuration and module retrieval</a:t>
             </a:r>
           </a:p>
           <a:p>
             <a:r>
-              <a:rPr lang="de-DE" dirty="0" smtClean="0"/>
+              <a:rPr lang="de-DE" dirty="0"/>
               <a:t>REST-based pull service is a DSC feature</a:t>
             </a:r>
           </a:p>
           <a:p>
             <a:r>
-              <a:rPr lang="de-DE" dirty="0" smtClean="0"/>
+              <a:rPr lang="de-DE" dirty="0"/>
               <a:t>LCM support REST as well as SMB based pull configuration</a:t>
             </a:r>
-            <a:endParaRPr lang="de-DE" dirty="0"/>
           </a:p>
         </p:txBody>
       </p:sp>
@@ -8885,17 +10075,10 @@
       </p:transition>
     </mc:Fallback>
   </mc:AlternateContent>
-  <p:timing>
-    <p:tnLst>
-      <p:par>
-        <p:cTn id="1" dur="indefinite" restart="never" nodeType="tmRoot"/>
-      </p:par>
-    </p:tnLst>
-  </p:timing>
 </p:sld>
 </file>
 
-<file path=ppt/slides/slide37.xml><?xml version="1.0" encoding="utf-8"?>
+<file path=ppt/slides/slide39.xml><?xml version="1.0" encoding="utf-8"?>
 <p:sld xmlns:a="http://schemas.openxmlformats.org/drawingml/2006/main" xmlns:r="http://schemas.openxmlformats.org/officeDocument/2006/relationships" xmlns:p="http://schemas.openxmlformats.org/presentationml/2006/main">
   <p:cSld>
     <p:spTree>
@@ -8929,21 +10112,16 @@
           <a:p>
             <a:r>
               <a:rPr lang="en-US" dirty="0"/>
-              <a:t>Start-Demo –Item </a:t>
-            </a:r>
-            <a:r>
-              <a:rPr lang="en-US" dirty="0" smtClean="0"/>
-              <a:t>‘</a:t>
-            </a:r>
-            <a:r>
-              <a:rPr lang="en-US" dirty="0" err="1" smtClean="0"/>
+              <a:t>Start-Demo –Item ‘</a:t>
+            </a:r>
+            <a:r>
+              <a:rPr lang="en-US" dirty="0" err="1"/>
               <a:t>DSCPullService</a:t>
             </a:r>
             <a:r>
-              <a:rPr lang="en-US" dirty="0" smtClean="0"/>
+              <a:rPr lang="en-US" dirty="0"/>
               <a:t>’</a:t>
             </a:r>
-            <a:endParaRPr lang="en-US" dirty="0"/>
           </a:p>
         </p:txBody>
       </p:sp>
@@ -8963,7 +10141,7 @@
           <a:lstStyle/>
           <a:p>
             <a:r>
-              <a:rPr lang="en-US" dirty="0" smtClean="0"/>
+              <a:rPr lang="en-US" dirty="0"/>
               <a:t>configuring Rest-Baser Pull Server</a:t>
             </a:r>
           </a:p>
@@ -8997,17 +10175,10 @@
       </p:transition>
     </mc:Fallback>
   </mc:AlternateContent>
-  <p:timing>
-    <p:tnLst>
-      <p:par>
-        <p:cTn id="1" dur="indefinite" restart="never" nodeType="tmRoot"/>
-      </p:par>
-    </p:tnLst>
-  </p:timing>
 </p:sld>
 </file>
 
-<file path=ppt/slides/slide38.xml><?xml version="1.0" encoding="utf-8"?>
+<file path=ppt/slides/slide4.xml><?xml version="1.0" encoding="utf-8"?>
 <p:sld xmlns:a="http://schemas.openxmlformats.org/drawingml/2006/main" xmlns:r="http://schemas.openxmlformats.org/officeDocument/2006/relationships" xmlns:p="http://schemas.openxmlformats.org/presentationml/2006/main">
   <p:cSld>
     <p:spTree>
@@ -9026,6 +10197,122 @@
       </p:grpSpPr>
       <p:sp>
         <p:nvSpPr>
+          <p:cNvPr id="2" name="Content Placeholder 1"/>
+          <p:cNvSpPr>
+            <a:spLocks noGrp="1"/>
+          </p:cNvSpPr>
+          <p:nvPr>
+            <p:ph idx="1"/>
+          </p:nvPr>
+        </p:nvSpPr>
+        <p:spPr/>
+        <p:txBody>
+          <a:bodyPr/>
+          <a:lstStyle/>
+          <a:p>
+            <a:r>
+              <a:rPr lang="en-US" dirty="0"/>
+              <a:t>Why DSC?</a:t>
+            </a:r>
+          </a:p>
+          <a:p>
+            <a:r>
+              <a:rPr lang="en-US" dirty="0"/>
+              <a:t>DSC Components</a:t>
+            </a:r>
+          </a:p>
+          <a:p>
+            <a:r>
+              <a:rPr lang="en-US" dirty="0"/>
+              <a:t>Writing Configurations</a:t>
+            </a:r>
+          </a:p>
+          <a:p>
+            <a:r>
+              <a:rPr lang="en-US" dirty="0"/>
+              <a:t>Resource Modules and Composite Resources</a:t>
+            </a:r>
+          </a:p>
+          <a:p>
+            <a:r>
+              <a:rPr lang="en-US" dirty="0"/>
+              <a:t>DSC Pull Service</a:t>
+            </a:r>
+          </a:p>
+          <a:p>
+            <a:r>
+              <a:rPr lang="en-US" dirty="0"/>
+              <a:t>DSC On Linux (if time permits)</a:t>
+            </a:r>
+          </a:p>
+        </p:txBody>
+      </p:sp>
+      <p:sp>
+        <p:nvSpPr>
+          <p:cNvPr id="3" name="Title 2"/>
+          <p:cNvSpPr>
+            <a:spLocks noGrp="1"/>
+          </p:cNvSpPr>
+          <p:nvPr>
+            <p:ph type="title"/>
+          </p:nvPr>
+        </p:nvSpPr>
+        <p:spPr/>
+        <p:txBody>
+          <a:bodyPr/>
+          <a:lstStyle/>
+          <a:p>
+            <a:r>
+              <a:rPr lang="en-US" dirty="0"/>
+              <a:t>Agenda</a:t>
+            </a:r>
+          </a:p>
+        </p:txBody>
+      </p:sp>
+    </p:spTree>
+    <p:extLst>
+      <p:ext uri="{BB962C8B-B14F-4D97-AF65-F5344CB8AC3E}">
+        <p14:creationId xmlns:p14="http://schemas.microsoft.com/office/powerpoint/2010/main" val="1472315385"/>
+      </p:ext>
+    </p:extLst>
+  </p:cSld>
+  <p:clrMapOvr>
+    <a:masterClrMapping/>
+  </p:clrMapOvr>
+  <mc:AlternateContent xmlns:mc="http://schemas.openxmlformats.org/markup-compatibility/2006" xmlns:p14="http://schemas.microsoft.com/office/powerpoint/2010/main">
+    <mc:Choice Requires="p14">
+      <p:transition spd="slow" p14:dur="1300">
+        <p14:pan dir="u"/>
+      </p:transition>
+    </mc:Choice>
+    <mc:Fallback xmlns="">
+      <p:transition spd="slow">
+        <p:fade/>
+      </p:transition>
+    </mc:Fallback>
+  </mc:AlternateContent>
+</p:sld>
+</file>
+
+<file path=ppt/slides/slide40.xml><?xml version="1.0" encoding="utf-8"?>
+<p:sld xmlns:a="http://schemas.openxmlformats.org/drawingml/2006/main" xmlns:r="http://schemas.openxmlformats.org/officeDocument/2006/relationships" xmlns:p="http://schemas.openxmlformats.org/presentationml/2006/main">
+  <p:cSld>
+    <p:spTree>
+      <p:nvGrpSpPr>
+        <p:cNvPr id="1" name=""/>
+        <p:cNvGrpSpPr/>
+        <p:nvPr/>
+      </p:nvGrpSpPr>
+      <p:grpSpPr>
+        <a:xfrm>
+          <a:off x="0" y="0"/>
+          <a:ext cx="0" cy="0"/>
+          <a:chOff x="0" y="0"/>
+          <a:chExt cx="0" cy="0"/>
+        </a:xfrm>
+      </p:grpSpPr>
+      <p:sp>
+        <p:nvSpPr>
           <p:cNvPr id="2" name="Titel 1"/>
           <p:cNvSpPr>
             <a:spLocks noGrp="1"/>
@@ -9048,10 +10335,9 @@
           <a:lstStyle/>
           <a:p>
             <a:r>
-              <a:rPr lang="de-DE" dirty="0" smtClean="0"/>
+              <a:rPr lang="de-DE" dirty="0"/>
               <a:t>DSC on Linux</a:t>
             </a:r>
-            <a:endParaRPr lang="de-DE" dirty="0"/>
           </a:p>
         </p:txBody>
       </p:sp>
@@ -9071,22 +10357,21 @@
           <a:lstStyle/>
           <a:p>
             <a:r>
-              <a:rPr lang="de-DE" dirty="0" smtClean="0"/>
+              <a:rPr lang="de-DE" dirty="0"/>
               <a:t>Open source</a:t>
             </a:r>
           </a:p>
           <a:p>
             <a:r>
-              <a:rPr lang="de-DE" dirty="0" smtClean="0"/>
+              <a:rPr lang="de-DE" dirty="0"/>
               <a:t>Available for different Linux distributions</a:t>
             </a:r>
           </a:p>
           <a:p>
             <a:r>
-              <a:rPr lang="de-DE" dirty="0" smtClean="0"/>
+              <a:rPr lang="de-DE" dirty="0"/>
               <a:t>Enables xPlatform configuration management</a:t>
             </a:r>
-            <a:endParaRPr lang="de-DE" dirty="0"/>
           </a:p>
         </p:txBody>
       </p:sp>
@@ -9112,17 +10397,10 @@
       </p:transition>
     </mc:Fallback>
   </mc:AlternateContent>
-  <p:timing>
-    <p:tnLst>
-      <p:par>
-        <p:cTn id="1" dur="indefinite" restart="never" nodeType="tmRoot"/>
-      </p:par>
-    </p:tnLst>
-  </p:timing>
 </p:sld>
 </file>
 
-<file path=ppt/slides/slide39.xml><?xml version="1.0" encoding="utf-8"?>
+<file path=ppt/slides/slide41.xml><?xml version="1.0" encoding="utf-8"?>
 <p:sld xmlns:a="http://schemas.openxmlformats.org/drawingml/2006/main" xmlns:r="http://schemas.openxmlformats.org/officeDocument/2006/relationships" xmlns:p="http://schemas.openxmlformats.org/presentationml/2006/main">
   <p:cSld>
     <p:spTree>
@@ -9156,21 +10434,16 @@
           <a:p>
             <a:r>
               <a:rPr lang="en-US" dirty="0"/>
-              <a:t>Start-Demo –Item </a:t>
-            </a:r>
-            <a:r>
-              <a:rPr lang="en-US" dirty="0" smtClean="0"/>
-              <a:t>‘</a:t>
-            </a:r>
-            <a:r>
-              <a:rPr lang="en-US" dirty="0" err="1" smtClean="0"/>
+              <a:t>Start-Demo –Item ‘</a:t>
+            </a:r>
+            <a:r>
+              <a:rPr lang="en-US" dirty="0" err="1"/>
               <a:t>DSCOnLinux</a:t>
             </a:r>
             <a:r>
-              <a:rPr lang="en-US" dirty="0" smtClean="0"/>
+              <a:rPr lang="en-US" dirty="0"/>
               <a:t>’</a:t>
             </a:r>
-            <a:endParaRPr lang="en-US" dirty="0"/>
           </a:p>
         </p:txBody>
       </p:sp>
@@ -9190,10 +10463,9 @@
           <a:lstStyle/>
           <a:p>
             <a:r>
-              <a:rPr lang="en-US" dirty="0" smtClean="0"/>
+              <a:rPr lang="en-US" dirty="0"/>
               <a:t>Using DSC on Linux</a:t>
             </a:r>
-            <a:endParaRPr lang="en-US" dirty="0"/>
           </a:p>
         </p:txBody>
       </p:sp>
@@ -9219,17 +10491,10 @@
       </p:transition>
     </mc:Fallback>
   </mc:AlternateContent>
-  <p:timing>
-    <p:tnLst>
-      <p:par>
-        <p:cTn id="1" dur="indefinite" restart="never" nodeType="tmRoot"/>
-      </p:par>
-    </p:tnLst>
-  </p:timing>
 </p:sld>
 </file>
 
-<file path=ppt/slides/slide4.xml><?xml version="1.0" encoding="utf-8"?>
+<file path=ppt/slides/slide42.xml><?xml version="1.0" encoding="utf-8"?>
 <p:sld xmlns:a="http://schemas.openxmlformats.org/drawingml/2006/main" xmlns:r="http://schemas.openxmlformats.org/officeDocument/2006/relationships" xmlns:p="http://schemas.openxmlformats.org/presentationml/2006/main">
   <p:cSld>
     <p:spTree>
@@ -9248,6 +10513,317 @@
       </p:grpSpPr>
       <p:sp>
         <p:nvSpPr>
+          <p:cNvPr id="2" name="Titel 1"/>
+          <p:cNvSpPr>
+            <a:spLocks noGrp="1"/>
+          </p:cNvSpPr>
+          <p:nvPr>
+            <p:ph type="title"/>
+          </p:nvPr>
+        </p:nvSpPr>
+        <p:spPr>
+          <a:xfrm>
+            <a:off x="0" y="908720"/>
+            <a:ext cx="9144000" cy="792088"/>
+          </a:xfrm>
+          <a:prstGeom prst="rect">
+            <a:avLst/>
+          </a:prstGeom>
+        </p:spPr>
+        <p:txBody>
+          <a:bodyPr/>
+          <a:lstStyle/>
+          <a:p>
+            <a:r>
+              <a:rPr lang="de-DE" dirty="0"/>
+              <a:t>Summary</a:t>
+            </a:r>
+          </a:p>
+        </p:txBody>
+      </p:sp>
+      <p:sp>
+        <p:nvSpPr>
+          <p:cNvPr id="3" name="Inhaltsplatzhalter 2"/>
+          <p:cNvSpPr>
+            <a:spLocks noGrp="1"/>
+          </p:cNvSpPr>
+          <p:nvPr>
+            <p:ph idx="1"/>
+          </p:nvPr>
+        </p:nvSpPr>
+        <p:spPr/>
+        <p:txBody>
+          <a:bodyPr/>
+          <a:lstStyle/>
+          <a:p>
+            <a:r>
+              <a:rPr lang="de-DE" dirty="0"/>
+              <a:t>DSC is a configuration management platform</a:t>
+            </a:r>
+          </a:p>
+          <a:p>
+            <a:r>
+              <a:rPr lang="de-DE" dirty="0"/>
+              <a:t>DSC is cross-platform</a:t>
+            </a:r>
+          </a:p>
+          <a:p>
+            <a:r>
+              <a:rPr lang="de-DE" dirty="0"/>
+              <a:t>DSC is an essential skillset for any IT administrator</a:t>
+            </a:r>
+          </a:p>
+          <a:p>
+            <a:r>
+              <a:rPr lang="de-DE" dirty="0"/>
+              <a:t>Your existing PowerShell skills are good to create configurations and resource modules.</a:t>
+            </a:r>
+          </a:p>
+        </p:txBody>
+      </p:sp>
+    </p:spTree>
+    <p:extLst>
+      <p:ext uri="{BB962C8B-B14F-4D97-AF65-F5344CB8AC3E}">
+        <p14:creationId xmlns:p14="http://schemas.microsoft.com/office/powerpoint/2010/main" val="3109724331"/>
+      </p:ext>
+    </p:extLst>
+  </p:cSld>
+  <p:clrMapOvr>
+    <a:masterClrMapping/>
+  </p:clrMapOvr>
+  <mc:AlternateContent xmlns:mc="http://schemas.openxmlformats.org/markup-compatibility/2006" xmlns:p14="http://schemas.microsoft.com/office/powerpoint/2010/main">
+    <mc:Choice Requires="p14">
+      <p:transition spd="med" p14:dur="700">
+        <p:fade/>
+      </p:transition>
+    </mc:Choice>
+    <mc:Fallback xmlns="">
+      <p:transition spd="med">
+        <p:fade/>
+      </p:transition>
+    </mc:Fallback>
+  </mc:AlternateContent>
+</p:sld>
+</file>
+
+<file path=ppt/slides/slide43.xml><?xml version="1.0" encoding="utf-8"?>
+<p:sld xmlns:a="http://schemas.openxmlformats.org/drawingml/2006/main" xmlns:r="http://schemas.openxmlformats.org/officeDocument/2006/relationships" xmlns:p="http://schemas.openxmlformats.org/presentationml/2006/main">
+  <p:cSld>
+    <p:spTree>
+      <p:nvGrpSpPr>
+        <p:cNvPr id="1" name=""/>
+        <p:cNvGrpSpPr/>
+        <p:nvPr/>
+      </p:nvGrpSpPr>
+      <p:grpSpPr>
+        <a:xfrm>
+          <a:off x="0" y="0"/>
+          <a:ext cx="0" cy="0"/>
+          <a:chOff x="0" y="0"/>
+          <a:chExt cx="0" cy="0"/>
+        </a:xfrm>
+      </p:grpSpPr>
+      <p:sp>
+        <p:nvSpPr>
+          <p:cNvPr id="2" name="Inhaltsplatzhalter 1"/>
+          <p:cNvSpPr>
+            <a:spLocks noGrp="1"/>
+          </p:cNvSpPr>
+          <p:nvPr>
+            <p:ph idx="1"/>
+          </p:nvPr>
+        </p:nvSpPr>
+        <p:spPr/>
+        <p:txBody>
+          <a:bodyPr/>
+          <a:lstStyle/>
+          <a:p>
+            <a:r>
+              <a:rPr lang="de-DE" dirty="0"/>
+              <a:t>Now: Lunch break</a:t>
+            </a:r>
+          </a:p>
+          <a:p>
+            <a:endParaRPr lang="de-DE" dirty="0"/>
+          </a:p>
+          <a:p>
+            <a:r>
+              <a:rPr lang="de-DE" dirty="0"/>
+              <a:t>Come back for a workshop of writing DSC resources</a:t>
+            </a:r>
+          </a:p>
+          <a:p>
+            <a:endParaRPr lang="de-DE" dirty="0"/>
+          </a:p>
+          <a:p>
+            <a:r>
+              <a:rPr lang="de-DE" dirty="0"/>
+              <a:t>Ask me questions or meet me in-person afterwards</a:t>
+            </a:r>
+          </a:p>
+        </p:txBody>
+      </p:sp>
+      <p:sp>
+        <p:nvSpPr>
+          <p:cNvPr id="3" name="Titel 2"/>
+          <p:cNvSpPr>
+            <a:spLocks noGrp="1"/>
+          </p:cNvSpPr>
+          <p:nvPr>
+            <p:ph type="title"/>
+          </p:nvPr>
+        </p:nvSpPr>
+        <p:spPr/>
+        <p:txBody>
+          <a:bodyPr/>
+          <a:lstStyle/>
+          <a:p>
+            <a:r>
+              <a:rPr lang="de-DE" dirty="0"/>
+              <a:t>Next </a:t>
+            </a:r>
+            <a:r>
+              <a:rPr lang="de-DE" dirty="0" err="1"/>
+              <a:t>Steps</a:t>
+            </a:r>
+            <a:r>
+              <a:rPr lang="de-DE" dirty="0"/>
+              <a:t>...</a:t>
+            </a:r>
+          </a:p>
+        </p:txBody>
+      </p:sp>
+    </p:spTree>
+    <p:extLst>
+      <p:ext uri="{BB962C8B-B14F-4D97-AF65-F5344CB8AC3E}">
+        <p14:creationId xmlns:p14="http://schemas.microsoft.com/office/powerpoint/2010/main" val="3397310615"/>
+      </p:ext>
+    </p:extLst>
+  </p:cSld>
+  <p:clrMapOvr>
+    <a:masterClrMapping/>
+  </p:clrMapOvr>
+  <mc:AlternateContent xmlns:mc="http://schemas.openxmlformats.org/markup-compatibility/2006" xmlns:p14="http://schemas.microsoft.com/office/powerpoint/2010/main">
+    <mc:Choice Requires="p14">
+      <p:transition spd="med" p14:dur="700">
+        <p:fade/>
+      </p:transition>
+    </mc:Choice>
+    <mc:Fallback xmlns="">
+      <p:transition spd="med">
+        <p:fade/>
+      </p:transition>
+    </mc:Fallback>
+  </mc:AlternateContent>
+</p:sld>
+</file>
+
+<file path=ppt/slides/slide44.xml><?xml version="1.0" encoding="utf-8"?>
+<p:sld xmlns:a="http://schemas.openxmlformats.org/drawingml/2006/main" xmlns:r="http://schemas.openxmlformats.org/officeDocument/2006/relationships" xmlns:p="http://schemas.openxmlformats.org/presentationml/2006/main">
+  <p:cSld>
+    <p:spTree>
+      <p:nvGrpSpPr>
+        <p:cNvPr id="1" name=""/>
+        <p:cNvGrpSpPr/>
+        <p:nvPr/>
+      </p:nvGrpSpPr>
+      <p:grpSpPr>
+        <a:xfrm>
+          <a:off x="0" y="0"/>
+          <a:ext cx="0" cy="0"/>
+          <a:chOff x="0" y="0"/>
+          <a:chExt cx="0" cy="0"/>
+        </a:xfrm>
+      </p:grpSpPr>
+      <p:sp>
+        <p:nvSpPr>
+          <p:cNvPr id="2" name="Titel 1"/>
+          <p:cNvSpPr>
+            <a:spLocks noGrp="1"/>
+          </p:cNvSpPr>
+          <p:nvPr>
+            <p:ph type="title"/>
+          </p:nvPr>
+        </p:nvSpPr>
+        <p:spPr/>
+        <p:txBody>
+          <a:bodyPr/>
+          <a:lstStyle/>
+          <a:p>
+            <a:r>
+              <a:rPr lang="de-DE" dirty="0" err="1"/>
+              <a:t>Questions</a:t>
+            </a:r>
+            <a:r>
+              <a:rPr lang="de-DE" dirty="0"/>
+              <a:t>?</a:t>
+            </a:r>
+          </a:p>
+        </p:txBody>
+      </p:sp>
+      <p:sp>
+        <p:nvSpPr>
+          <p:cNvPr id="3" name="Textplatzhalter 2"/>
+          <p:cNvSpPr>
+            <a:spLocks noGrp="1"/>
+          </p:cNvSpPr>
+          <p:nvPr>
+            <p:ph type="body" idx="1"/>
+          </p:nvPr>
+        </p:nvSpPr>
+        <p:spPr/>
+        <p:txBody>
+          <a:bodyPr/>
+          <a:lstStyle/>
+          <a:p>
+            <a:endParaRPr lang="de-DE" dirty="0"/>
+          </a:p>
+        </p:txBody>
+      </p:sp>
+    </p:spTree>
+    <p:extLst>
+      <p:ext uri="{BB962C8B-B14F-4D97-AF65-F5344CB8AC3E}">
+        <p14:creationId xmlns:p14="http://schemas.microsoft.com/office/powerpoint/2010/main" val="4184402693"/>
+      </p:ext>
+    </p:extLst>
+  </p:cSld>
+  <p:clrMapOvr>
+    <a:masterClrMapping/>
+  </p:clrMapOvr>
+  <mc:AlternateContent xmlns:mc="http://schemas.openxmlformats.org/markup-compatibility/2006" xmlns:p14="http://schemas.microsoft.com/office/powerpoint/2010/main">
+    <mc:Choice Requires="p14">
+      <p:transition spd="med" p14:dur="700">
+        <p:fade/>
+      </p:transition>
+    </mc:Choice>
+    <mc:Fallback xmlns="">
+      <p:transition spd="med">
+        <p:fade/>
+      </p:transition>
+    </mc:Fallback>
+  </mc:AlternateContent>
+</p:sld>
+</file>
+
+<file path=ppt/slides/slide5.xml><?xml version="1.0" encoding="utf-8"?>
+<p:sld xmlns:a="http://schemas.openxmlformats.org/drawingml/2006/main" xmlns:r="http://schemas.openxmlformats.org/officeDocument/2006/relationships" xmlns:p="http://schemas.openxmlformats.org/presentationml/2006/main">
+  <p:cSld>
+    <p:spTree>
+      <p:nvGrpSpPr>
+        <p:cNvPr id="1" name=""/>
+        <p:cNvGrpSpPr/>
+        <p:nvPr/>
+      </p:nvGrpSpPr>
+      <p:grpSpPr>
+        <a:xfrm>
+          <a:off x="0" y="0"/>
+          <a:ext cx="0" cy="0"/>
+          <a:chOff x="0" y="0"/>
+          <a:chExt cx="0" cy="0"/>
+        </a:xfrm>
+      </p:grpSpPr>
+      <p:sp>
+        <p:nvSpPr>
           <p:cNvPr id="3" name="Title 2"/>
           <p:cNvSpPr>
             <a:spLocks noGrp="1"/>
@@ -9262,101 +10838,82 @@
           <a:lstStyle/>
           <a:p>
             <a:r>
-              <a:rPr lang="en-US" dirty="0" smtClean="0"/>
+              <a:rPr lang="en-US" dirty="0"/>
               <a:t>Hands-on Demo Environment (Azure) </a:t>
             </a:r>
-            <a:endParaRPr lang="en-US" dirty="0"/>
+          </a:p>
+        </p:txBody>
+      </p:sp>
+      <p:sp>
+        <p:nvSpPr>
+          <p:cNvPr id="5" name="TextBox 4"/>
+          <p:cNvSpPr txBox="1"/>
+          <p:nvPr/>
+        </p:nvSpPr>
+        <p:spPr>
+          <a:xfrm>
+            <a:off x="251520" y="1367190"/>
+            <a:ext cx="8220392" cy="523220"/>
+          </a:xfrm>
+          <a:prstGeom prst="rect">
+            <a:avLst/>
+          </a:prstGeom>
+          <a:noFill/>
+        </p:spPr>
+        <p:txBody>
+          <a:bodyPr wrap="none" rtlCol="0">
+            <a:spAutoFit/>
+          </a:bodyPr>
+          <a:lstStyle/>
+          <a:p>
+            <a:r>
+              <a:rPr lang="en-US" dirty="0">
+                <a:effectLst/>
+              </a:rPr>
+              <a:t>Deploy from: github.com/</a:t>
+            </a:r>
+            <a:r>
+              <a:rPr lang="en-US" dirty="0" err="1">
+                <a:effectLst/>
+              </a:rPr>
+              <a:t>rchaganti</a:t>
+            </a:r>
+            <a:r>
+              <a:rPr lang="en-US" dirty="0">
+                <a:effectLst/>
+              </a:rPr>
+              <a:t>/PSConfEU2017</a:t>
+            </a:r>
           </a:p>
         </p:txBody>
       </p:sp>
       <p:pic>
         <p:nvPicPr>
-          <p:cNvPr id="4" name="Picture 3"/>
+          <p:cNvPr id="2" name="Picture 1"/>
           <p:cNvPicPr>
             <a:picLocks noChangeAspect="1"/>
           </p:cNvPicPr>
           <p:nvPr/>
         </p:nvPicPr>
         <p:blipFill>
-          <a:blip r:embed="rId2">
-            <a:extLst>
-              <a:ext uri="{28A0092B-C50C-407E-A947-70E740481C1C}">
-                <a14:useLocalDpi xmlns:a14="http://schemas.microsoft.com/office/drawing/2010/main" val="0"/>
-              </a:ext>
-            </a:extLst>
-          </a:blip>
+          <a:blip r:embed="rId2"/>
           <a:stretch>
             <a:fillRect/>
           </a:stretch>
         </p:blipFill>
         <p:spPr>
           <a:xfrm>
-            <a:off x="387135" y="1556792"/>
-            <a:ext cx="8369730" cy="4419827"/>
+            <a:off x="827584" y="1916832"/>
+            <a:ext cx="7390877" cy="4104456"/>
           </a:xfrm>
           <a:prstGeom prst="rect">
             <a:avLst/>
           </a:prstGeom>
+          <a:solidFill>
+            <a:schemeClr val="bg1"/>
+          </a:solidFill>
         </p:spPr>
       </p:pic>
-      <p:sp>
-        <p:nvSpPr>
-          <p:cNvPr id="5" name="TextBox 4"/>
-          <p:cNvSpPr txBox="1"/>
-          <p:nvPr/>
-        </p:nvSpPr>
-        <p:spPr>
-          <a:xfrm>
-            <a:off x="323528" y="6165304"/>
-            <a:ext cx="7311104" cy="523220"/>
-          </a:xfrm>
-          <a:prstGeom prst="rect">
-            <a:avLst/>
-          </a:prstGeom>
-          <a:noFill/>
-        </p:spPr>
-        <p:txBody>
-          <a:bodyPr wrap="none" rtlCol="0">
-            <a:spAutoFit/>
-          </a:bodyPr>
-          <a:lstStyle/>
-          <a:p>
-            <a:r>
-              <a:rPr lang="en-US" dirty="0" smtClean="0">
-                <a:effectLst/>
-              </a:rPr>
-              <a:t>Deploy from: </a:t>
-            </a:r>
-            <a:r>
-              <a:rPr lang="en-US" dirty="0" err="1" smtClean="0">
-                <a:effectLst/>
-              </a:rPr>
-              <a:t>github</a:t>
-            </a:r>
-            <a:r>
-              <a:rPr lang="en-US" dirty="0" smtClean="0">
-                <a:effectLst/>
-              </a:rPr>
-              <a:t>/</a:t>
-            </a:r>
-            <a:r>
-              <a:rPr lang="en-US" dirty="0" err="1" smtClean="0">
-                <a:effectLst/>
-              </a:rPr>
-              <a:t>rchaganti</a:t>
-            </a:r>
-            <a:r>
-              <a:rPr lang="en-US" dirty="0" smtClean="0">
-                <a:effectLst/>
-              </a:rPr>
-              <a:t>/psconfeu2017</a:t>
-            </a:r>
-            <a:endParaRPr lang="en-US" dirty="0">
-              <a:effectLst/>
-            </a:endParaRPr>
-          </a:p>
-        </p:txBody>
-      </p:sp>
     </p:spTree>
     <p:extLst>
       <p:ext uri="{BB962C8B-B14F-4D97-AF65-F5344CB8AC3E}">
@@ -9379,17 +10936,10 @@
       </p:transition>
     </mc:Fallback>
   </mc:AlternateContent>
-  <p:timing>
-    <p:tnLst>
-      <p:par>
-        <p:cTn id="1" dur="indefinite" restart="never" nodeType="tmRoot"/>
-      </p:par>
-    </p:tnLst>
-  </p:timing>
 </p:sld>
 </file>
 
-<file path=ppt/slides/slide40.xml><?xml version="1.0" encoding="utf-8"?>
+<file path=ppt/slides/slide6.xml><?xml version="1.0" encoding="utf-8"?>
 <p:sld xmlns:a="http://schemas.openxmlformats.org/drawingml/2006/main" xmlns:r="http://schemas.openxmlformats.org/officeDocument/2006/relationships" xmlns:p="http://schemas.openxmlformats.org/presentationml/2006/main">
   <p:cSld>
     <p:spTree>
@@ -9408,7 +10958,67 @@
       </p:grpSpPr>
       <p:sp>
         <p:nvSpPr>
-          <p:cNvPr id="2" name="Titel 1"/>
+          <p:cNvPr id="2" name="Content Placeholder 1"/>
+          <p:cNvSpPr>
+            <a:spLocks noGrp="1"/>
+          </p:cNvSpPr>
+          <p:nvPr>
+            <p:ph idx="1"/>
+          </p:nvPr>
+        </p:nvSpPr>
+        <p:spPr/>
+        <p:txBody>
+          <a:bodyPr/>
+          <a:lstStyle/>
+          <a:p>
+            <a:r>
+              <a:rPr lang="en-US" dirty="0"/>
+              <a:t>If you don’t have an Azure Subscription. I have prepared some VMs</a:t>
+            </a:r>
+          </a:p>
+          <a:p>
+            <a:r>
+              <a:rPr lang="en-US" dirty="0"/>
+              <a:t>Create NAT virtual network. </a:t>
+            </a:r>
+            <a:br>
+              <a:rPr lang="en-US" dirty="0"/>
+            </a:br>
+            <a:r>
+              <a:rPr lang="en-US" dirty="0"/>
+              <a:t>172.22.176.0/20 (255.255.240.0)</a:t>
+            </a:r>
+            <a:br>
+              <a:rPr lang="en-US" dirty="0"/>
+            </a:br>
+            <a:r>
+              <a:rPr lang="en-US" dirty="0">
+                <a:hlinkClick r:id="rId2"/>
+              </a:rPr>
+              <a:t>https://docs.microsoft.com/en-us/virtualization/hyper-v-on-windows/user-guide/setup-nat-network</a:t>
+            </a:r>
+            <a:r>
+              <a:rPr lang="en-US" dirty="0"/>
+              <a:t> </a:t>
+            </a:r>
+          </a:p>
+          <a:p>
+            <a:endParaRPr lang="en-US" dirty="0"/>
+          </a:p>
+          <a:p>
+            <a:r>
+              <a:rPr lang="en-US" dirty="0"/>
+              <a:t>Get Prepped images and scripts from USB Drive</a:t>
+            </a:r>
+          </a:p>
+          <a:p>
+            <a:endParaRPr lang="en-US" dirty="0"/>
+          </a:p>
+        </p:txBody>
+      </p:sp>
+      <p:sp>
+        <p:nvSpPr>
+          <p:cNvPr id="3" name="Title 2"/>
           <p:cNvSpPr>
             <a:spLocks noGrp="1"/>
           </p:cNvSpPr>
@@ -9416,71 +11026,22 @@
             <p:ph type="title"/>
           </p:nvPr>
         </p:nvSpPr>
-        <p:spPr>
-          <a:xfrm>
-            <a:off x="0" y="908720"/>
-            <a:ext cx="9144000" cy="792088"/>
-          </a:xfrm>
-          <a:prstGeom prst="rect">
-            <a:avLst/>
-          </a:prstGeom>
-        </p:spPr>
+        <p:spPr/>
         <p:txBody>
           <a:bodyPr/>
           <a:lstStyle/>
           <a:p>
             <a:r>
-              <a:rPr lang="de-DE" dirty="0"/>
-              <a:t>Summary</a:t>
-            </a:r>
-          </a:p>
-        </p:txBody>
-      </p:sp>
-      <p:sp>
-        <p:nvSpPr>
-          <p:cNvPr id="3" name="Inhaltsplatzhalter 2"/>
-          <p:cNvSpPr>
-            <a:spLocks noGrp="1"/>
-          </p:cNvSpPr>
-          <p:nvPr>
-            <p:ph idx="1"/>
-          </p:nvPr>
-        </p:nvSpPr>
-        <p:spPr/>
-        <p:txBody>
-          <a:bodyPr/>
-          <a:lstStyle/>
-          <a:p>
-            <a:r>
-              <a:rPr lang="de-DE" dirty="0" smtClean="0"/>
-              <a:t>DSC is a configuration management platform</a:t>
-            </a:r>
-          </a:p>
-          <a:p>
-            <a:r>
-              <a:rPr lang="de-DE" dirty="0" smtClean="0"/>
-              <a:t>DSC is cross-platform</a:t>
-            </a:r>
-          </a:p>
-          <a:p>
-            <a:r>
-              <a:rPr lang="de-DE" dirty="0" smtClean="0"/>
-              <a:t>DSC is an essential skillset for any IT administrator</a:t>
-            </a:r>
-          </a:p>
-          <a:p>
-            <a:r>
-              <a:rPr lang="de-DE" dirty="0" smtClean="0"/>
-              <a:t>Your existing PowerShell skills are good to create configurations and resource modules.</a:t>
-            </a:r>
-            <a:endParaRPr lang="de-DE" dirty="0"/>
+              <a:rPr lang="en-US" dirty="0"/>
+              <a:t>Hands-on Demo Environment (Local) </a:t>
+            </a:r>
           </a:p>
         </p:txBody>
       </p:sp>
     </p:spTree>
     <p:extLst>
       <p:ext uri="{BB962C8B-B14F-4D97-AF65-F5344CB8AC3E}">
-        <p14:creationId xmlns:p14="http://schemas.microsoft.com/office/powerpoint/2010/main" val="3109724331"/>
+        <p14:creationId xmlns:p14="http://schemas.microsoft.com/office/powerpoint/2010/main" val="4252783296"/>
       </p:ext>
     </p:extLst>
   </p:cSld>
@@ -9489,27 +11050,20 @@
   </p:clrMapOvr>
   <mc:AlternateContent xmlns:mc="http://schemas.openxmlformats.org/markup-compatibility/2006" xmlns:p14="http://schemas.microsoft.com/office/powerpoint/2010/main">
     <mc:Choice Requires="p14">
-      <p:transition spd="med" p14:dur="700">
-        <p:fade/>
+      <p:transition spd="slow" p14:dur="1300">
+        <p14:pan dir="u"/>
       </p:transition>
     </mc:Choice>
     <mc:Fallback xmlns="">
-      <p:transition spd="med">
+      <p:transition spd="slow">
         <p:fade/>
       </p:transition>
     </mc:Fallback>
   </mc:AlternateContent>
-  <p:timing>
-    <p:tnLst>
-      <p:par>
-        <p:cTn id="1" dur="indefinite" restart="never" nodeType="tmRoot"/>
-      </p:par>
-    </p:tnLst>
-  </p:timing>
 </p:sld>
 </file>
 
-<file path=ppt/slides/slide41.xml><?xml version="1.0" encoding="utf-8"?>
+<file path=ppt/slides/slide7.xml><?xml version="1.0" encoding="utf-8"?>
 <p:sld xmlns:a="http://schemas.openxmlformats.org/drawingml/2006/main" xmlns:r="http://schemas.openxmlformats.org/officeDocument/2006/relationships" xmlns:p="http://schemas.openxmlformats.org/presentationml/2006/main">
   <p:cSld>
     <p:spTree>
@@ -9528,230 +11082,6 @@
       </p:grpSpPr>
       <p:sp>
         <p:nvSpPr>
-          <p:cNvPr id="2" name="Inhaltsplatzhalter 1"/>
-          <p:cNvSpPr>
-            <a:spLocks noGrp="1"/>
-          </p:cNvSpPr>
-          <p:nvPr>
-            <p:ph idx="1"/>
-          </p:nvPr>
-        </p:nvSpPr>
-        <p:spPr/>
-        <p:txBody>
-          <a:bodyPr/>
-          <a:lstStyle/>
-          <a:p>
-            <a:r>
-              <a:rPr lang="de-DE" dirty="0"/>
-              <a:t>Now: </a:t>
-            </a:r>
-            <a:r>
-              <a:rPr lang="de-DE" dirty="0" smtClean="0"/>
-              <a:t>Lunch break</a:t>
-            </a:r>
-            <a:endParaRPr lang="de-DE" dirty="0"/>
-          </a:p>
-          <a:p>
-            <a:endParaRPr lang="de-DE" dirty="0"/>
-          </a:p>
-          <a:p>
-            <a:r>
-              <a:rPr lang="de-DE" dirty="0" smtClean="0"/>
-              <a:t>Come back for a workshop of writing DSC resources</a:t>
-            </a:r>
-            <a:endParaRPr lang="de-DE" dirty="0"/>
-          </a:p>
-          <a:p>
-            <a:endParaRPr lang="de-DE" dirty="0"/>
-          </a:p>
-          <a:p>
-            <a:r>
-              <a:rPr lang="de-DE" dirty="0"/>
-              <a:t>Ask me questions or meet me </a:t>
-            </a:r>
-            <a:r>
-              <a:rPr lang="de-DE" dirty="0" smtClean="0"/>
-              <a:t>in-person afterwards</a:t>
-            </a:r>
-            <a:endParaRPr lang="de-DE" dirty="0"/>
-          </a:p>
-        </p:txBody>
-      </p:sp>
-      <p:sp>
-        <p:nvSpPr>
-          <p:cNvPr id="3" name="Titel 2"/>
-          <p:cNvSpPr>
-            <a:spLocks noGrp="1"/>
-          </p:cNvSpPr>
-          <p:nvPr>
-            <p:ph type="title"/>
-          </p:nvPr>
-        </p:nvSpPr>
-        <p:spPr/>
-        <p:txBody>
-          <a:bodyPr/>
-          <a:lstStyle/>
-          <a:p>
-            <a:r>
-              <a:rPr lang="de-DE" dirty="0"/>
-              <a:t>Next </a:t>
-            </a:r>
-            <a:r>
-              <a:rPr lang="de-DE" dirty="0" err="1"/>
-              <a:t>Steps</a:t>
-            </a:r>
-            <a:r>
-              <a:rPr lang="de-DE" dirty="0"/>
-              <a:t>...</a:t>
-            </a:r>
-          </a:p>
-        </p:txBody>
-      </p:sp>
-    </p:spTree>
-    <p:extLst>
-      <p:ext uri="{BB962C8B-B14F-4D97-AF65-F5344CB8AC3E}">
-        <p14:creationId xmlns:p14="http://schemas.microsoft.com/office/powerpoint/2010/main" val="3397310615"/>
-      </p:ext>
-    </p:extLst>
-  </p:cSld>
-  <p:clrMapOvr>
-    <a:masterClrMapping/>
-  </p:clrMapOvr>
-  <mc:AlternateContent xmlns:mc="http://schemas.openxmlformats.org/markup-compatibility/2006" xmlns:p14="http://schemas.microsoft.com/office/powerpoint/2010/main">
-    <mc:Choice Requires="p14">
-      <p:transition spd="med" p14:dur="700">
-        <p:fade/>
-      </p:transition>
-    </mc:Choice>
-    <mc:Fallback xmlns="">
-      <p:transition spd="med">
-        <p:fade/>
-      </p:transition>
-    </mc:Fallback>
-  </mc:AlternateContent>
-  <p:timing>
-    <p:tnLst>
-      <p:par>
-        <p:cTn id="1" dur="indefinite" restart="never" nodeType="tmRoot"/>
-      </p:par>
-    </p:tnLst>
-  </p:timing>
-</p:sld>
-</file>
-
-<file path=ppt/slides/slide42.xml><?xml version="1.0" encoding="utf-8"?>
-<p:sld xmlns:a="http://schemas.openxmlformats.org/drawingml/2006/main" xmlns:r="http://schemas.openxmlformats.org/officeDocument/2006/relationships" xmlns:p="http://schemas.openxmlformats.org/presentationml/2006/main">
-  <p:cSld>
-    <p:spTree>
-      <p:nvGrpSpPr>
-        <p:cNvPr id="1" name=""/>
-        <p:cNvGrpSpPr/>
-        <p:nvPr/>
-      </p:nvGrpSpPr>
-      <p:grpSpPr>
-        <a:xfrm>
-          <a:off x="0" y="0"/>
-          <a:ext cx="0" cy="0"/>
-          <a:chOff x="0" y="0"/>
-          <a:chExt cx="0" cy="0"/>
-        </a:xfrm>
-      </p:grpSpPr>
-      <p:sp>
-        <p:nvSpPr>
-          <p:cNvPr id="2" name="Titel 1"/>
-          <p:cNvSpPr>
-            <a:spLocks noGrp="1"/>
-          </p:cNvSpPr>
-          <p:nvPr>
-            <p:ph type="title"/>
-          </p:nvPr>
-        </p:nvSpPr>
-        <p:spPr/>
-        <p:txBody>
-          <a:bodyPr/>
-          <a:lstStyle/>
-          <a:p>
-            <a:r>
-              <a:rPr lang="de-DE" dirty="0" err="1"/>
-              <a:t>Questions</a:t>
-            </a:r>
-            <a:r>
-              <a:rPr lang="de-DE" dirty="0"/>
-              <a:t>?</a:t>
-            </a:r>
-          </a:p>
-        </p:txBody>
-      </p:sp>
-      <p:sp>
-        <p:nvSpPr>
-          <p:cNvPr id="3" name="Textplatzhalter 2"/>
-          <p:cNvSpPr>
-            <a:spLocks noGrp="1"/>
-          </p:cNvSpPr>
-          <p:nvPr>
-            <p:ph type="body" idx="1"/>
-          </p:nvPr>
-        </p:nvSpPr>
-        <p:spPr/>
-        <p:txBody>
-          <a:bodyPr/>
-          <a:lstStyle/>
-          <a:p>
-            <a:endParaRPr lang="de-DE" dirty="0"/>
-          </a:p>
-        </p:txBody>
-      </p:sp>
-    </p:spTree>
-    <p:extLst>
-      <p:ext uri="{BB962C8B-B14F-4D97-AF65-F5344CB8AC3E}">
-        <p14:creationId xmlns:p14="http://schemas.microsoft.com/office/powerpoint/2010/main" val="4184402693"/>
-      </p:ext>
-    </p:extLst>
-  </p:cSld>
-  <p:clrMapOvr>
-    <a:masterClrMapping/>
-  </p:clrMapOvr>
-  <mc:AlternateContent xmlns:mc="http://schemas.openxmlformats.org/markup-compatibility/2006" xmlns:p14="http://schemas.microsoft.com/office/powerpoint/2010/main">
-    <mc:Choice Requires="p14">
-      <p:transition spd="med" p14:dur="700">
-        <p:fade/>
-      </p:transition>
-    </mc:Choice>
-    <mc:Fallback xmlns="">
-      <p:transition spd="med">
-        <p:fade/>
-      </p:transition>
-    </mc:Fallback>
-  </mc:AlternateContent>
-  <p:timing>
-    <p:tnLst>
-      <p:par>
-        <p:cTn id="1" dur="indefinite" restart="never" nodeType="tmRoot"/>
-      </p:par>
-    </p:tnLst>
-  </p:timing>
-</p:sld>
-</file>
-
-<file path=ppt/slides/slide5.xml><?xml version="1.0" encoding="utf-8"?>
-<p:sld xmlns:a="http://schemas.openxmlformats.org/drawingml/2006/main" xmlns:r="http://schemas.openxmlformats.org/officeDocument/2006/relationships" xmlns:p="http://schemas.openxmlformats.org/presentationml/2006/main">
-  <p:cSld>
-    <p:spTree>
-      <p:nvGrpSpPr>
-        <p:cNvPr id="1" name=""/>
-        <p:cNvGrpSpPr/>
-        <p:nvPr/>
-      </p:nvGrpSpPr>
-      <p:grpSpPr>
-        <a:xfrm>
-          <a:off x="0" y="0"/>
-          <a:ext cx="0" cy="0"/>
-          <a:chOff x="0" y="0"/>
-          <a:chExt cx="0" cy="0"/>
-        </a:xfrm>
-      </p:grpSpPr>
-      <p:sp>
-        <p:nvSpPr>
           <p:cNvPr id="2" name="Content Placeholder 1"/>
           <p:cNvSpPr>
             <a:spLocks noGrp="1"/>
@@ -9766,22 +11096,21 @@
           <a:lstStyle/>
           <a:p>
             <a:r>
-              <a:rPr lang="en-US" dirty="0" smtClean="0"/>
+              <a:rPr lang="en-US" dirty="0"/>
               <a:t>Configuration Management is different from simple script automation</a:t>
             </a:r>
           </a:p>
           <a:p>
             <a:r>
-              <a:rPr lang="en-US" dirty="0" smtClean="0"/>
+              <a:rPr lang="en-US" dirty="0"/>
               <a:t>Provides a reliable way to configure -&gt; monitor -&gt; correct configurations</a:t>
             </a:r>
           </a:p>
           <a:p>
             <a:r>
-              <a:rPr lang="en-US" dirty="0" smtClean="0"/>
+              <a:rPr lang="en-US" dirty="0"/>
               <a:t>Provide an idempotent way of configuring resources</a:t>
             </a:r>
-            <a:endParaRPr lang="en-US" dirty="0"/>
           </a:p>
         </p:txBody>
       </p:sp>
@@ -9801,10 +11130,9 @@
           <a:lstStyle/>
           <a:p>
             <a:r>
-              <a:rPr lang="en-US" dirty="0" smtClean="0"/>
+              <a:rPr lang="en-US" dirty="0"/>
               <a:t>Why DSC?</a:t>
             </a:r>
-            <a:endParaRPr lang="en-US" dirty="0"/>
           </a:p>
         </p:txBody>
       </p:sp>
@@ -9830,17 +11158,10 @@
       </p:transition>
     </mc:Fallback>
   </mc:AlternateContent>
-  <p:timing>
-    <p:tnLst>
-      <p:par>
-        <p:cTn id="1" dur="indefinite" restart="never" nodeType="tmRoot"/>
-      </p:par>
-    </p:tnLst>
-  </p:timing>
 </p:sld>
 </file>
 
-<file path=ppt/slides/slide6.xml><?xml version="1.0" encoding="utf-8"?>
+<file path=ppt/slides/slide8.xml><?xml version="1.0" encoding="utf-8"?>
 <p:sld xmlns:a="http://schemas.openxmlformats.org/drawingml/2006/main" xmlns:r="http://schemas.openxmlformats.org/officeDocument/2006/relationships" xmlns:p="http://schemas.openxmlformats.org/presentationml/2006/main">
   <p:cSld>
     <p:spTree>
@@ -9873,14 +11194,14 @@
           <a:lstStyle/>
           <a:p>
             <a:r>
-              <a:rPr lang="en-US" dirty="0" smtClean="0"/>
+              <a:rPr lang="en-US" dirty="0"/>
               <a:t>Version 1.0 was released with WMF 4.0</a:t>
             </a:r>
           </a:p>
           <a:p>
             <a:pPr lvl="1"/>
             <a:r>
-              <a:rPr lang="en-US" dirty="0" smtClean="0"/>
+              <a:rPr lang="en-US" dirty="0"/>
               <a:t>Subsequent update as November 2014 Rollup</a:t>
             </a:r>
           </a:p>
@@ -9892,13 +11213,10 @@
               </a:rPr>
               <a:t>http://support.microsoft.com/en-us/kb/3000850 </a:t>
             </a:r>
-            <a:endParaRPr lang="en-US" dirty="0" smtClean="0">
-              <a:effectLst/>
-            </a:endParaRPr>
-          </a:p>
-          <a:p>
-            <a:r>
-              <a:rPr lang="en-US" dirty="0" smtClean="0">
+          </a:p>
+          <a:p>
+            <a:r>
+              <a:rPr lang="en-US" dirty="0">
                 <a:effectLst/>
               </a:rPr>
               <a:t>Version 2.0 was released with WMF 5.0</a:t>
@@ -9907,7 +11225,7 @@
           <a:p>
             <a:pPr lvl="1"/>
             <a:r>
-              <a:rPr lang="en-US" dirty="0" smtClean="0">
+              <a:rPr lang="en-US" dirty="0">
                 <a:effectLst/>
               </a:rPr>
               <a:t>Updated with WMF 5.1</a:t>
@@ -9938,10 +11256,9 @@
           <a:lstStyle/>
           <a:p>
             <a:r>
-              <a:rPr lang="en-US" dirty="0" smtClean="0"/>
+              <a:rPr lang="en-US" dirty="0"/>
               <a:t>History</a:t>
             </a:r>
-            <a:endParaRPr lang="en-US" dirty="0"/>
           </a:p>
         </p:txBody>
       </p:sp>
@@ -9967,17 +11284,10 @@
       </p:transition>
     </mc:Fallback>
   </mc:AlternateContent>
-  <p:timing>
-    <p:tnLst>
-      <p:par>
-        <p:cTn id="1" dur="indefinite" restart="never" nodeType="tmRoot"/>
-      </p:par>
-    </p:tnLst>
-  </p:timing>
 </p:sld>
 </file>
 
-<file path=ppt/slides/slide7.xml><?xml version="1.0" encoding="utf-8"?>
+<file path=ppt/slides/slide9.xml><?xml version="1.0" encoding="utf-8"?>
 <p:sld xmlns:a="http://schemas.openxmlformats.org/drawingml/2006/main" xmlns:r="http://schemas.openxmlformats.org/officeDocument/2006/relationships" xmlns:p="http://schemas.openxmlformats.org/presentationml/2006/main">
   <p:cSld>
     <p:spTree>
@@ -10050,17 +11360,16 @@
           </a:p>
           <a:p>
             <a:r>
-              <a:rPr lang="en-US" dirty="0" smtClean="0"/>
+              <a:rPr lang="en-US" dirty="0"/>
               <a:t>Not applicable for Windows Server 2016</a:t>
             </a:r>
           </a:p>
           <a:p>
             <a:pPr lvl="1"/>
             <a:r>
-              <a:rPr lang="en-US" dirty="0" smtClean="0"/>
+              <a:rPr lang="en-US" dirty="0"/>
               <a:t>Includes WMF 5.1 level components already</a:t>
             </a:r>
-            <a:endParaRPr lang="en-US" dirty="0"/>
           </a:p>
         </p:txBody>
       </p:sp>
@@ -10080,10 +11389,9 @@
           <a:lstStyle/>
           <a:p>
             <a:r>
-              <a:rPr lang="en-US" dirty="0" smtClean="0"/>
+              <a:rPr lang="en-US" dirty="0"/>
               <a:t>WMF 5.1 support</a:t>
             </a:r>
-            <a:endParaRPr lang="en-US" dirty="0"/>
           </a:p>
         </p:txBody>
       </p:sp>
@@ -10109,227 +11417,6 @@
       </p:transition>
     </mc:Fallback>
   </mc:AlternateContent>
-  <p:timing>
-    <p:tnLst>
-      <p:par>
-        <p:cTn id="1" dur="indefinite" restart="never" nodeType="tmRoot"/>
-      </p:par>
-    </p:tnLst>
-  </p:timing>
-</p:sld>
-</file>
-
-<file path=ppt/slides/slide8.xml><?xml version="1.0" encoding="utf-8"?>
-<p:sld xmlns:a="http://schemas.openxmlformats.org/drawingml/2006/main" xmlns:r="http://schemas.openxmlformats.org/officeDocument/2006/relationships" xmlns:p="http://schemas.openxmlformats.org/presentationml/2006/main">
-  <p:cSld>
-    <p:spTree>
-      <p:nvGrpSpPr>
-        <p:cNvPr id="1" name=""/>
-        <p:cNvGrpSpPr/>
-        <p:nvPr/>
-      </p:nvGrpSpPr>
-      <p:grpSpPr>
-        <a:xfrm>
-          <a:off x="0" y="0"/>
-          <a:ext cx="0" cy="0"/>
-          <a:chOff x="0" y="0"/>
-          <a:chExt cx="0" cy="0"/>
-        </a:xfrm>
-      </p:grpSpPr>
-      <p:pic>
-        <p:nvPicPr>
-          <p:cNvPr id="4" name="Content Placeholder 3"/>
-          <p:cNvPicPr>
-            <a:picLocks noGrp="1" noChangeAspect="1"/>
-          </p:cNvPicPr>
-          <p:nvPr>
-            <p:ph idx="1"/>
-          </p:nvPr>
-        </p:nvPicPr>
-        <p:blipFill>
-          <a:blip r:embed="rId2" cstate="print">
-            <a:extLst>
-              <a:ext uri="{28A0092B-C50C-407E-A947-70E740481C1C}">
-                <a14:useLocalDpi xmlns:a14="http://schemas.microsoft.com/office/drawing/2010/main" val="0"/>
-              </a:ext>
-            </a:extLst>
-          </a:blip>
-          <a:stretch>
-            <a:fillRect/>
-          </a:stretch>
-        </p:blipFill>
-        <p:spPr>
-          <a:xfrm>
-            <a:off x="250825" y="1556792"/>
-            <a:ext cx="8642350" cy="4389765"/>
-          </a:xfrm>
-        </p:spPr>
-      </p:pic>
-      <p:sp>
-        <p:nvSpPr>
-          <p:cNvPr id="3" name="Title 2"/>
-          <p:cNvSpPr>
-            <a:spLocks noGrp="1"/>
-          </p:cNvSpPr>
-          <p:nvPr>
-            <p:ph type="title"/>
-          </p:nvPr>
-        </p:nvSpPr>
-        <p:spPr/>
-        <p:txBody>
-          <a:bodyPr/>
-          <a:lstStyle/>
-          <a:p>
-            <a:r>
-              <a:rPr lang="en-US" dirty="0" smtClean="0"/>
-              <a:t>Architecture</a:t>
-            </a:r>
-            <a:endParaRPr lang="en-US" dirty="0"/>
-          </a:p>
-        </p:txBody>
-      </p:sp>
-    </p:spTree>
-    <p:extLst>
-      <p:ext uri="{BB962C8B-B14F-4D97-AF65-F5344CB8AC3E}">
-        <p14:creationId xmlns:p14="http://schemas.microsoft.com/office/powerpoint/2010/main" val="3917464556"/>
-      </p:ext>
-    </p:extLst>
-  </p:cSld>
-  <p:clrMapOvr>
-    <a:masterClrMapping/>
-  </p:clrMapOvr>
-  <mc:AlternateContent xmlns:mc="http://schemas.openxmlformats.org/markup-compatibility/2006" xmlns:p14="http://schemas.microsoft.com/office/powerpoint/2010/main">
-    <mc:Choice Requires="p14">
-      <p:transition spd="slow" p14:dur="1300">
-        <p14:pan dir="u"/>
-      </p:transition>
-    </mc:Choice>
-    <mc:Fallback xmlns="">
-      <p:transition spd="slow">
-        <p:fade/>
-      </p:transition>
-    </mc:Fallback>
-  </mc:AlternateContent>
-  <p:timing>
-    <p:tnLst>
-      <p:par>
-        <p:cTn id="1" dur="indefinite" restart="never" nodeType="tmRoot"/>
-      </p:par>
-    </p:tnLst>
-  </p:timing>
-</p:sld>
-</file>
-
-<file path=ppt/slides/slide9.xml><?xml version="1.0" encoding="utf-8"?>
-<p:sld xmlns:a="http://schemas.openxmlformats.org/drawingml/2006/main" xmlns:r="http://schemas.openxmlformats.org/officeDocument/2006/relationships" xmlns:p="http://schemas.openxmlformats.org/presentationml/2006/main">
-  <p:cSld>
-    <p:spTree>
-      <p:nvGrpSpPr>
-        <p:cNvPr id="1" name=""/>
-        <p:cNvGrpSpPr/>
-        <p:nvPr/>
-      </p:nvGrpSpPr>
-      <p:grpSpPr>
-        <a:xfrm>
-          <a:off x="0" y="0"/>
-          <a:ext cx="0" cy="0"/>
-          <a:chOff x="0" y="0"/>
-          <a:chExt cx="0" cy="0"/>
-        </a:xfrm>
-      </p:grpSpPr>
-      <p:sp>
-        <p:nvSpPr>
-          <p:cNvPr id="2" name="Content Placeholder 1"/>
-          <p:cNvSpPr>
-            <a:spLocks noGrp="1"/>
-          </p:cNvSpPr>
-          <p:nvPr>
-            <p:ph idx="1"/>
-          </p:nvPr>
-        </p:nvSpPr>
-        <p:spPr/>
-        <p:txBody>
-          <a:bodyPr/>
-          <a:lstStyle/>
-          <a:p>
-            <a:r>
-              <a:rPr lang="en-US" dirty="0" smtClean="0"/>
-              <a:t>PSDesiredStateConfiguration Module</a:t>
-            </a:r>
-          </a:p>
-          <a:p>
-            <a:r>
-              <a:rPr lang="en-US" dirty="0" smtClean="0"/>
-              <a:t>Dynamic Keywords that enable configuration authoring</a:t>
-            </a:r>
-          </a:p>
-          <a:p>
-            <a:r>
-              <a:rPr lang="en-US" dirty="0" smtClean="0"/>
-              <a:t>Declarative Syntax</a:t>
-            </a:r>
-          </a:p>
-          <a:p>
-            <a:r>
-              <a:rPr lang="en-US" dirty="0" smtClean="0"/>
-              <a:t>Cmdlets to compile and manage configurations</a:t>
-            </a:r>
-            <a:endParaRPr lang="en-US" dirty="0"/>
-          </a:p>
-        </p:txBody>
-      </p:sp>
-      <p:sp>
-        <p:nvSpPr>
-          <p:cNvPr id="3" name="Title 2"/>
-          <p:cNvSpPr>
-            <a:spLocks noGrp="1"/>
-          </p:cNvSpPr>
-          <p:nvPr>
-            <p:ph type="title"/>
-          </p:nvPr>
-        </p:nvSpPr>
-        <p:spPr/>
-        <p:txBody>
-          <a:bodyPr/>
-          <a:lstStyle/>
-          <a:p>
-            <a:r>
-              <a:rPr lang="en-US" dirty="0" smtClean="0"/>
-              <a:t>Language Extensions</a:t>
-            </a:r>
-            <a:endParaRPr lang="en-US" dirty="0"/>
-          </a:p>
-        </p:txBody>
-      </p:sp>
-    </p:spTree>
-    <p:extLst>
-      <p:ext uri="{BB962C8B-B14F-4D97-AF65-F5344CB8AC3E}">
-        <p14:creationId xmlns:p14="http://schemas.microsoft.com/office/powerpoint/2010/main" val="2732845045"/>
-      </p:ext>
-    </p:extLst>
-  </p:cSld>
-  <p:clrMapOvr>
-    <a:masterClrMapping/>
-  </p:clrMapOvr>
-  <mc:AlternateContent xmlns:mc="http://schemas.openxmlformats.org/markup-compatibility/2006" xmlns:p14="http://schemas.microsoft.com/office/powerpoint/2010/main">
-    <mc:Choice Requires="p14">
-      <p:transition spd="slow" p14:dur="1300">
-        <p14:pan dir="u"/>
-      </p:transition>
-    </mc:Choice>
-    <mc:Fallback xmlns="">
-      <p:transition spd="slow">
-        <p:fade/>
-      </p:transition>
-    </mc:Fallback>
-  </mc:AlternateContent>
-  <p:timing>
-    <p:tnLst>
-      <p:par>
-        <p:cTn id="1" dur="indefinite" restart="never" nodeType="tmRoot"/>
-      </p:par>
-    </p:tnLst>
-  </p:timing>
 </p:sld>
 </file>
 

--- a/WS1-DSCOverview/Slides.pptx
+++ b/WS1-DSCOverview/Slides.pptx
@@ -10889,7 +10889,7 @@
       </p:sp>
       <p:pic>
         <p:nvPicPr>
-          <p:cNvPr id="2" name="Picture 1"/>
+          <p:cNvPr id="4" name="Picture 3"/>
           <p:cNvPicPr>
             <a:picLocks noChangeAspect="1"/>
           </p:cNvPicPr>
@@ -10903,8 +10903,8 @@
         </p:blipFill>
         <p:spPr>
           <a:xfrm>
-            <a:off x="827584" y="1916832"/>
-            <a:ext cx="7390877" cy="4104456"/>
+            <a:off x="1331640" y="2132856"/>
+            <a:ext cx="6497445" cy="3608297"/>
           </a:xfrm>
           <a:prstGeom prst="rect">
             <a:avLst/>

--- a/WS1-DSCOverview/Slides.pptx
+++ b/WS1-DSCOverview/Slides.pptx
@@ -6,10 +6,10 @@
     <p:sldMasterId id="2147483809" r:id="rId2"/>
   </p:sldMasterIdLst>
   <p:notesMasterIdLst>
-    <p:notesMasterId r:id="rId47"/>
+    <p:notesMasterId r:id="rId48"/>
   </p:notesMasterIdLst>
   <p:handoutMasterIdLst>
-    <p:handoutMasterId r:id="rId48"/>
+    <p:handoutMasterId r:id="rId49"/>
   </p:handoutMasterIdLst>
   <p:sldIdLst>
     <p:sldId id="356" r:id="rId3"/>
@@ -19,43 +19,44 @@
     <p:sldId id="346" r:id="rId7"/>
     <p:sldId id="358" r:id="rId8"/>
     <p:sldId id="318" r:id="rId9"/>
-    <p:sldId id="354" r:id="rId10"/>
-    <p:sldId id="355" r:id="rId11"/>
-    <p:sldId id="319" r:id="rId12"/>
-    <p:sldId id="323" r:id="rId13"/>
-    <p:sldId id="325" r:id="rId14"/>
-    <p:sldId id="320" r:id="rId15"/>
-    <p:sldId id="326" r:id="rId16"/>
-    <p:sldId id="322" r:id="rId17"/>
-    <p:sldId id="327" r:id="rId18"/>
-    <p:sldId id="344" r:id="rId19"/>
-    <p:sldId id="353" r:id="rId20"/>
-    <p:sldId id="328" r:id="rId21"/>
-    <p:sldId id="337" r:id="rId22"/>
-    <p:sldId id="338" r:id="rId23"/>
-    <p:sldId id="345" r:id="rId24"/>
-    <p:sldId id="341" r:id="rId25"/>
-    <p:sldId id="329" r:id="rId26"/>
-    <p:sldId id="330" r:id="rId27"/>
-    <p:sldId id="331" r:id="rId28"/>
-    <p:sldId id="332" r:id="rId29"/>
-    <p:sldId id="333" r:id="rId30"/>
-    <p:sldId id="334" r:id="rId31"/>
-    <p:sldId id="335" r:id="rId32"/>
-    <p:sldId id="340" r:id="rId33"/>
-    <p:sldId id="339" r:id="rId34"/>
-    <p:sldId id="352" r:id="rId35"/>
-    <p:sldId id="342" r:id="rId36"/>
-    <p:sldId id="343" r:id="rId37"/>
-    <p:sldId id="336" r:id="rId38"/>
-    <p:sldId id="347" r:id="rId39"/>
-    <p:sldId id="350" r:id="rId40"/>
-    <p:sldId id="351" r:id="rId41"/>
-    <p:sldId id="348" r:id="rId42"/>
-    <p:sldId id="349" r:id="rId43"/>
-    <p:sldId id="302" r:id="rId44"/>
-    <p:sldId id="313" r:id="rId45"/>
-    <p:sldId id="314" r:id="rId46"/>
+    <p:sldId id="359" r:id="rId10"/>
+    <p:sldId id="354" r:id="rId11"/>
+    <p:sldId id="355" r:id="rId12"/>
+    <p:sldId id="319" r:id="rId13"/>
+    <p:sldId id="323" r:id="rId14"/>
+    <p:sldId id="325" r:id="rId15"/>
+    <p:sldId id="320" r:id="rId16"/>
+    <p:sldId id="326" r:id="rId17"/>
+    <p:sldId id="322" r:id="rId18"/>
+    <p:sldId id="327" r:id="rId19"/>
+    <p:sldId id="344" r:id="rId20"/>
+    <p:sldId id="353" r:id="rId21"/>
+    <p:sldId id="328" r:id="rId22"/>
+    <p:sldId id="337" r:id="rId23"/>
+    <p:sldId id="338" r:id="rId24"/>
+    <p:sldId id="345" r:id="rId25"/>
+    <p:sldId id="341" r:id="rId26"/>
+    <p:sldId id="329" r:id="rId27"/>
+    <p:sldId id="330" r:id="rId28"/>
+    <p:sldId id="331" r:id="rId29"/>
+    <p:sldId id="332" r:id="rId30"/>
+    <p:sldId id="333" r:id="rId31"/>
+    <p:sldId id="334" r:id="rId32"/>
+    <p:sldId id="335" r:id="rId33"/>
+    <p:sldId id="340" r:id="rId34"/>
+    <p:sldId id="339" r:id="rId35"/>
+    <p:sldId id="352" r:id="rId36"/>
+    <p:sldId id="342" r:id="rId37"/>
+    <p:sldId id="343" r:id="rId38"/>
+    <p:sldId id="336" r:id="rId39"/>
+    <p:sldId id="347" r:id="rId40"/>
+    <p:sldId id="350" r:id="rId41"/>
+    <p:sldId id="351" r:id="rId42"/>
+    <p:sldId id="348" r:id="rId43"/>
+    <p:sldId id="349" r:id="rId44"/>
+    <p:sldId id="302" r:id="rId45"/>
+    <p:sldId id="313" r:id="rId46"/>
+    <p:sldId id="314" r:id="rId47"/>
   </p:sldIdLst>
   <p:sldSz cx="9144000" cy="6858000" type="screen4x3"/>
   <p:notesSz cx="7099300" cy="10234613"/>
@@ -4362,6 +4363,139 @@
           <a:chExt cx="0" cy="0"/>
         </a:xfrm>
       </p:grpSpPr>
+      <p:sp>
+        <p:nvSpPr>
+          <p:cNvPr id="2" name="Content Placeholder 1"/>
+          <p:cNvSpPr>
+            <a:spLocks noGrp="1"/>
+          </p:cNvSpPr>
+          <p:nvPr>
+            <p:ph idx="1"/>
+          </p:nvPr>
+        </p:nvSpPr>
+        <p:spPr/>
+        <p:txBody>
+          <a:bodyPr/>
+          <a:lstStyle/>
+          <a:p>
+            <a:r>
+              <a:rPr lang="en-US" dirty="0">
+                <a:effectLst/>
+              </a:rPr>
+              <a:t>Windows Server 2012 R2</a:t>
+            </a:r>
+          </a:p>
+          <a:p>
+            <a:r>
+              <a:rPr lang="en-US" dirty="0">
+                <a:effectLst/>
+              </a:rPr>
+              <a:t>Windows Server 2012</a:t>
+            </a:r>
+          </a:p>
+          <a:p>
+            <a:r>
+              <a:rPr lang="en-US" dirty="0">
+                <a:effectLst/>
+              </a:rPr>
+              <a:t>Windows Server 2008 R2 SP1</a:t>
+            </a:r>
+          </a:p>
+          <a:p>
+            <a:r>
+              <a:rPr lang="en-US" dirty="0">
+                <a:effectLst/>
+              </a:rPr>
+              <a:t>Windows 8.1</a:t>
+            </a:r>
+          </a:p>
+          <a:p>
+            <a:r>
+              <a:rPr lang="en-US" dirty="0">
+                <a:effectLst/>
+              </a:rPr>
+              <a:t>Windows 7 SP1</a:t>
+            </a:r>
+          </a:p>
+          <a:p>
+            <a:r>
+              <a:rPr lang="en-US" dirty="0"/>
+              <a:t>Not applicable for Windows Server 2016</a:t>
+            </a:r>
+          </a:p>
+          <a:p>
+            <a:pPr lvl="1"/>
+            <a:r>
+              <a:rPr lang="en-US" dirty="0"/>
+              <a:t>Includes WMF 5.1 level components already</a:t>
+            </a:r>
+          </a:p>
+        </p:txBody>
+      </p:sp>
+      <p:sp>
+        <p:nvSpPr>
+          <p:cNvPr id="3" name="Title 2"/>
+          <p:cNvSpPr>
+            <a:spLocks noGrp="1"/>
+          </p:cNvSpPr>
+          <p:nvPr>
+            <p:ph type="title"/>
+          </p:nvPr>
+        </p:nvSpPr>
+        <p:spPr/>
+        <p:txBody>
+          <a:bodyPr/>
+          <a:lstStyle/>
+          <a:p>
+            <a:r>
+              <a:rPr lang="en-US" dirty="0"/>
+              <a:t>WMF 5.1 support</a:t>
+            </a:r>
+          </a:p>
+        </p:txBody>
+      </p:sp>
+    </p:spTree>
+    <p:extLst>
+      <p:ext uri="{BB962C8B-B14F-4D97-AF65-F5344CB8AC3E}">
+        <p14:creationId xmlns:p14="http://schemas.microsoft.com/office/powerpoint/2010/main" val="3674710944"/>
+      </p:ext>
+    </p:extLst>
+  </p:cSld>
+  <p:clrMapOvr>
+    <a:masterClrMapping/>
+  </p:clrMapOvr>
+  <mc:AlternateContent xmlns:mc="http://schemas.openxmlformats.org/markup-compatibility/2006" xmlns:p14="http://schemas.microsoft.com/office/powerpoint/2010/main">
+    <mc:Choice Requires="p14">
+      <p:transition spd="slow" p14:dur="1300">
+        <p14:pan dir="u"/>
+      </p:transition>
+    </mc:Choice>
+    <mc:Fallback xmlns="">
+      <p:transition spd="slow">
+        <p:fade/>
+      </p:transition>
+    </mc:Fallback>
+  </mc:AlternateContent>
+</p:sld>
+</file>
+
+<file path=ppt/slides/slide11.xml><?xml version="1.0" encoding="utf-8"?>
+<p:sld xmlns:a="http://schemas.openxmlformats.org/drawingml/2006/main" xmlns:r="http://schemas.openxmlformats.org/officeDocument/2006/relationships" xmlns:p="http://schemas.openxmlformats.org/presentationml/2006/main">
+  <p:cSld>
+    <p:spTree>
+      <p:nvGrpSpPr>
+        <p:cNvPr id="1" name=""/>
+        <p:cNvGrpSpPr/>
+        <p:nvPr/>
+      </p:nvGrpSpPr>
+      <p:grpSpPr>
+        <a:xfrm>
+          <a:off x="0" y="0"/>
+          <a:ext cx="0" cy="0"/>
+          <a:chOff x="0" y="0"/>
+          <a:chExt cx="0" cy="0"/>
+        </a:xfrm>
+      </p:grpSpPr>
       <p:pic>
         <p:nvPicPr>
           <p:cNvPr id="4" name="Content Placeholder 3"/>
@@ -4702,110 +4836,6 @@
 </p:sld>
 </file>
 
-<file path=ppt/slides/slide11.xml><?xml version="1.0" encoding="utf-8"?>
-<p:sld xmlns:a="http://schemas.openxmlformats.org/drawingml/2006/main" xmlns:r="http://schemas.openxmlformats.org/officeDocument/2006/relationships" xmlns:p="http://schemas.openxmlformats.org/presentationml/2006/main">
-  <p:cSld>
-    <p:spTree>
-      <p:nvGrpSpPr>
-        <p:cNvPr id="1" name=""/>
-        <p:cNvGrpSpPr/>
-        <p:nvPr/>
-      </p:nvGrpSpPr>
-      <p:grpSpPr>
-        <a:xfrm>
-          <a:off x="0" y="0"/>
-          <a:ext cx="0" cy="0"/>
-          <a:chOff x="0" y="0"/>
-          <a:chExt cx="0" cy="0"/>
-        </a:xfrm>
-      </p:grpSpPr>
-      <p:sp>
-        <p:nvSpPr>
-          <p:cNvPr id="2" name="Content Placeholder 1"/>
-          <p:cNvSpPr>
-            <a:spLocks noGrp="1"/>
-          </p:cNvSpPr>
-          <p:nvPr>
-            <p:ph idx="1"/>
-          </p:nvPr>
-        </p:nvSpPr>
-        <p:spPr/>
-        <p:txBody>
-          <a:bodyPr/>
-          <a:lstStyle/>
-          <a:p>
-            <a:r>
-              <a:rPr lang="en-US" dirty="0"/>
-              <a:t>PSDesiredStateConfiguration Module</a:t>
-            </a:r>
-          </a:p>
-          <a:p>
-            <a:r>
-              <a:rPr lang="en-US" dirty="0"/>
-              <a:t>Dynamic Keywords that enable configuration authoring</a:t>
-            </a:r>
-          </a:p>
-          <a:p>
-            <a:r>
-              <a:rPr lang="en-US" dirty="0"/>
-              <a:t>Declarative Syntax</a:t>
-            </a:r>
-          </a:p>
-          <a:p>
-            <a:r>
-              <a:rPr lang="en-US" dirty="0"/>
-              <a:t>Cmdlets to compile and manage configurations</a:t>
-            </a:r>
-          </a:p>
-        </p:txBody>
-      </p:sp>
-      <p:sp>
-        <p:nvSpPr>
-          <p:cNvPr id="3" name="Title 2"/>
-          <p:cNvSpPr>
-            <a:spLocks noGrp="1"/>
-          </p:cNvSpPr>
-          <p:nvPr>
-            <p:ph type="title"/>
-          </p:nvPr>
-        </p:nvSpPr>
-        <p:spPr/>
-        <p:txBody>
-          <a:bodyPr/>
-          <a:lstStyle/>
-          <a:p>
-            <a:r>
-              <a:rPr lang="en-US" dirty="0"/>
-              <a:t>Language Extensions</a:t>
-            </a:r>
-          </a:p>
-        </p:txBody>
-      </p:sp>
-    </p:spTree>
-    <p:extLst>
-      <p:ext uri="{BB962C8B-B14F-4D97-AF65-F5344CB8AC3E}">
-        <p14:creationId xmlns:p14="http://schemas.microsoft.com/office/powerpoint/2010/main" val="2732845045"/>
-      </p:ext>
-    </p:extLst>
-  </p:cSld>
-  <p:clrMapOvr>
-    <a:masterClrMapping/>
-  </p:clrMapOvr>
-  <mc:AlternateContent xmlns:mc="http://schemas.openxmlformats.org/markup-compatibility/2006" xmlns:p14="http://schemas.microsoft.com/office/powerpoint/2010/main">
-    <mc:Choice Requires="p14">
-      <p:transition spd="slow" p14:dur="1300">
-        <p14:pan dir="u"/>
-      </p:transition>
-    </mc:Choice>
-    <mc:Fallback xmlns="">
-      <p:transition spd="slow">
-        <p:fade/>
-      </p:transition>
-    </mc:Fallback>
-  </mc:AlternateContent>
-</p:sld>
-</file>
-
 <file path=ppt/slides/slide12.xml><?xml version="1.0" encoding="utf-8"?>
 <p:sld xmlns:a="http://schemas.openxmlformats.org/drawingml/2006/main" xmlns:r="http://schemas.openxmlformats.org/officeDocument/2006/relationships" xmlns:p="http://schemas.openxmlformats.org/presentationml/2006/main">
   <p:cSld>
@@ -4825,7 +4855,47 @@
       </p:grpSpPr>
       <p:sp>
         <p:nvSpPr>
-          <p:cNvPr id="2" name="Title 1"/>
+          <p:cNvPr id="2" name="Content Placeholder 1"/>
+          <p:cNvSpPr>
+            <a:spLocks noGrp="1"/>
+          </p:cNvSpPr>
+          <p:nvPr>
+            <p:ph idx="1"/>
+          </p:nvPr>
+        </p:nvSpPr>
+        <p:spPr/>
+        <p:txBody>
+          <a:bodyPr/>
+          <a:lstStyle/>
+          <a:p>
+            <a:r>
+              <a:rPr lang="en-US" dirty="0"/>
+              <a:t>PSDesiredStateConfiguration Module</a:t>
+            </a:r>
+          </a:p>
+          <a:p>
+            <a:r>
+              <a:rPr lang="en-US" dirty="0"/>
+              <a:t>Dynamic Keywords that enable configuration authoring</a:t>
+            </a:r>
+          </a:p>
+          <a:p>
+            <a:r>
+              <a:rPr lang="en-US" dirty="0"/>
+              <a:t>Declarative Syntax</a:t>
+            </a:r>
+          </a:p>
+          <a:p>
+            <a:r>
+              <a:rPr lang="en-US" dirty="0"/>
+              <a:t>Cmdlets to compile and manage configurations</a:t>
+            </a:r>
+          </a:p>
+        </p:txBody>
+      </p:sp>
+      <p:sp>
+        <p:nvSpPr>
+          <p:cNvPr id="3" name="Title 2"/>
           <p:cNvSpPr>
             <a:spLocks noGrp="1"/>
           </p:cNvSpPr>
@@ -4840,37 +4910,7 @@
           <a:p>
             <a:r>
               <a:rPr lang="en-US" dirty="0"/>
-              <a:t>Start-Demo –Item ‘</a:t>
-            </a:r>
-            <a:r>
-              <a:rPr lang="en-US" dirty="0" err="1"/>
-              <a:t>LangaugeExt</a:t>
-            </a:r>
-            <a:r>
-              <a:rPr lang="en-US" dirty="0"/>
-              <a:t>’</a:t>
-            </a:r>
-          </a:p>
-        </p:txBody>
-      </p:sp>
-      <p:sp>
-        <p:nvSpPr>
-          <p:cNvPr id="3" name="Text Placeholder 2"/>
-          <p:cNvSpPr>
-            <a:spLocks noGrp="1"/>
-          </p:cNvSpPr>
-          <p:nvPr>
-            <p:ph type="body" idx="1"/>
-          </p:nvPr>
-        </p:nvSpPr>
-        <p:spPr/>
-        <p:txBody>
-          <a:bodyPr/>
-          <a:lstStyle/>
-          <a:p>
-            <a:r>
-              <a:rPr lang="en-US" dirty="0"/>
-              <a:t>Exploring PSDesiredStateConfiguration Module and Language Extensions</a:t>
+              <a:t>Language Extensions</a:t>
             </a:r>
           </a:p>
         </p:txBody>
@@ -4878,7 +4918,7 @@
     </p:spTree>
     <p:extLst>
       <p:ext uri="{BB962C8B-B14F-4D97-AF65-F5344CB8AC3E}">
-        <p14:creationId xmlns:p14="http://schemas.microsoft.com/office/powerpoint/2010/main" val="567563931"/>
+        <p14:creationId xmlns:p14="http://schemas.microsoft.com/office/powerpoint/2010/main" val="2732845045"/>
       </p:ext>
     </p:extLst>
   </p:cSld>
@@ -4919,56 +4959,7 @@
       </p:grpSpPr>
       <p:sp>
         <p:nvSpPr>
-          <p:cNvPr id="2" name="Content Placeholder 1"/>
-          <p:cNvSpPr>
-            <a:spLocks noGrp="1"/>
-          </p:cNvSpPr>
-          <p:nvPr>
-            <p:ph idx="1"/>
-          </p:nvPr>
-        </p:nvSpPr>
-        <p:spPr/>
-        <p:txBody>
-          <a:bodyPr/>
-          <a:lstStyle/>
-          <a:p>
-            <a:r>
-              <a:rPr lang="en-US" dirty="0"/>
-              <a:t>The OS “agent” … sort of!</a:t>
-            </a:r>
-          </a:p>
-          <a:p>
-            <a:r>
-              <a:rPr lang="en-US" dirty="0"/>
-              <a:t>Implemented as a WMI provider.</a:t>
-            </a:r>
-          </a:p>
-          <a:p>
-            <a:r>
-              <a:rPr lang="en-US" dirty="0"/>
-              <a:t>Can be configured in a declarative manner using Meta Resources.</a:t>
-            </a:r>
-          </a:p>
-          <a:p>
-            <a:r>
-              <a:rPr lang="en-US" dirty="0"/>
-              <a:t>Ability to receive (push) or pull configurations.</a:t>
-            </a:r>
-          </a:p>
-          <a:p>
-            <a:endParaRPr lang="en-US" dirty="0"/>
-          </a:p>
-          <a:p>
-            <a:endParaRPr lang="en-US" dirty="0"/>
-          </a:p>
-          <a:p>
-            <a:endParaRPr lang="en-US" dirty="0"/>
-          </a:p>
-        </p:txBody>
-      </p:sp>
-      <p:sp>
-        <p:nvSpPr>
-          <p:cNvPr id="3" name="Title 2"/>
+          <p:cNvPr id="2" name="Title 1"/>
           <p:cNvSpPr>
             <a:spLocks noGrp="1"/>
           </p:cNvSpPr>
@@ -4983,7 +4974,37 @@
           <a:p>
             <a:r>
               <a:rPr lang="en-US" dirty="0"/>
-              <a:t>Local Configuration Manager</a:t>
+              <a:t>Start-Demo –Item ‘</a:t>
+            </a:r>
+            <a:r>
+              <a:rPr lang="en-US" dirty="0" err="1"/>
+              <a:t>LangaugeExt</a:t>
+            </a:r>
+            <a:r>
+              <a:rPr lang="en-US" dirty="0"/>
+              <a:t>’</a:t>
+            </a:r>
+          </a:p>
+        </p:txBody>
+      </p:sp>
+      <p:sp>
+        <p:nvSpPr>
+          <p:cNvPr id="3" name="Text Placeholder 2"/>
+          <p:cNvSpPr>
+            <a:spLocks noGrp="1"/>
+          </p:cNvSpPr>
+          <p:nvPr>
+            <p:ph type="body" idx="1"/>
+          </p:nvPr>
+        </p:nvSpPr>
+        <p:spPr/>
+        <p:txBody>
+          <a:bodyPr/>
+          <a:lstStyle/>
+          <a:p>
+            <a:r>
+              <a:rPr lang="en-US" dirty="0"/>
+              <a:t>Exploring PSDesiredStateConfiguration Module and Language Extensions</a:t>
             </a:r>
           </a:p>
         </p:txBody>
@@ -4991,7 +5012,7 @@
     </p:spTree>
     <p:extLst>
       <p:ext uri="{BB962C8B-B14F-4D97-AF65-F5344CB8AC3E}">
-        <p14:creationId xmlns:p14="http://schemas.microsoft.com/office/powerpoint/2010/main" val="1390337015"/>
+        <p14:creationId xmlns:p14="http://schemas.microsoft.com/office/powerpoint/2010/main" val="567563931"/>
       </p:ext>
     </p:extLst>
   </p:cSld>
@@ -5032,6 +5053,119 @@
       </p:grpSpPr>
       <p:sp>
         <p:nvSpPr>
+          <p:cNvPr id="2" name="Content Placeholder 1"/>
+          <p:cNvSpPr>
+            <a:spLocks noGrp="1"/>
+          </p:cNvSpPr>
+          <p:nvPr>
+            <p:ph idx="1"/>
+          </p:nvPr>
+        </p:nvSpPr>
+        <p:spPr/>
+        <p:txBody>
+          <a:bodyPr/>
+          <a:lstStyle/>
+          <a:p>
+            <a:r>
+              <a:rPr lang="en-US" dirty="0"/>
+              <a:t>The OS “agent” … sort of!</a:t>
+            </a:r>
+          </a:p>
+          <a:p>
+            <a:r>
+              <a:rPr lang="en-US" dirty="0"/>
+              <a:t>Implemented as a WMI provider.</a:t>
+            </a:r>
+          </a:p>
+          <a:p>
+            <a:r>
+              <a:rPr lang="en-US" dirty="0"/>
+              <a:t>Can be configured in a declarative manner using Meta Resources.</a:t>
+            </a:r>
+          </a:p>
+          <a:p>
+            <a:r>
+              <a:rPr lang="en-US" dirty="0"/>
+              <a:t>Ability to receive (push) or pull configurations.</a:t>
+            </a:r>
+          </a:p>
+          <a:p>
+            <a:endParaRPr lang="en-US" dirty="0"/>
+          </a:p>
+          <a:p>
+            <a:endParaRPr lang="en-US" dirty="0"/>
+          </a:p>
+          <a:p>
+            <a:endParaRPr lang="en-US" dirty="0"/>
+          </a:p>
+        </p:txBody>
+      </p:sp>
+      <p:sp>
+        <p:nvSpPr>
+          <p:cNvPr id="3" name="Title 2"/>
+          <p:cNvSpPr>
+            <a:spLocks noGrp="1"/>
+          </p:cNvSpPr>
+          <p:nvPr>
+            <p:ph type="title"/>
+          </p:nvPr>
+        </p:nvSpPr>
+        <p:spPr/>
+        <p:txBody>
+          <a:bodyPr/>
+          <a:lstStyle/>
+          <a:p>
+            <a:r>
+              <a:rPr lang="en-US" dirty="0"/>
+              <a:t>Local Configuration Manager</a:t>
+            </a:r>
+          </a:p>
+        </p:txBody>
+      </p:sp>
+    </p:spTree>
+    <p:extLst>
+      <p:ext uri="{BB962C8B-B14F-4D97-AF65-F5344CB8AC3E}">
+        <p14:creationId xmlns:p14="http://schemas.microsoft.com/office/powerpoint/2010/main" val="1390337015"/>
+      </p:ext>
+    </p:extLst>
+  </p:cSld>
+  <p:clrMapOvr>
+    <a:masterClrMapping/>
+  </p:clrMapOvr>
+  <mc:AlternateContent xmlns:mc="http://schemas.openxmlformats.org/markup-compatibility/2006" xmlns:p14="http://schemas.microsoft.com/office/powerpoint/2010/main">
+    <mc:Choice Requires="p14">
+      <p:transition spd="slow" p14:dur="1300">
+        <p14:pan dir="u"/>
+      </p:transition>
+    </mc:Choice>
+    <mc:Fallback xmlns="">
+      <p:transition spd="slow">
+        <p:fade/>
+      </p:transition>
+    </mc:Fallback>
+  </mc:AlternateContent>
+</p:sld>
+</file>
+
+<file path=ppt/slides/slide15.xml><?xml version="1.0" encoding="utf-8"?>
+<p:sld xmlns:a="http://schemas.openxmlformats.org/drawingml/2006/main" xmlns:r="http://schemas.openxmlformats.org/officeDocument/2006/relationships" xmlns:p="http://schemas.openxmlformats.org/presentationml/2006/main">
+  <p:cSld>
+    <p:spTree>
+      <p:nvGrpSpPr>
+        <p:cNvPr id="1" name=""/>
+        <p:cNvGrpSpPr/>
+        <p:nvPr/>
+      </p:nvGrpSpPr>
+      <p:grpSpPr>
+        <a:xfrm>
+          <a:off x="0" y="0"/>
+          <a:ext cx="0" cy="0"/>
+          <a:chOff x="0" y="0"/>
+          <a:chExt cx="0" cy="0"/>
+        </a:xfrm>
+      </p:grpSpPr>
+      <p:sp>
+        <p:nvSpPr>
           <p:cNvPr id="2" name="Title 1"/>
           <p:cNvSpPr>
             <a:spLocks noGrp="1"/>
@@ -5107,7 +5241,7 @@
 </p:sld>
 </file>
 
-<file path=ppt/slides/slide15.xml><?xml version="1.0" encoding="utf-8"?>
+<file path=ppt/slides/slide16.xml><?xml version="1.0" encoding="utf-8"?>
 <p:sld xmlns:a="http://schemas.openxmlformats.org/drawingml/2006/main" xmlns:r="http://schemas.openxmlformats.org/officeDocument/2006/relationships" xmlns:p="http://schemas.openxmlformats.org/presentationml/2006/main">
   <p:cSld>
     <p:spTree>
@@ -5260,7 +5394,7 @@
 </p:sld>
 </file>
 
-<file path=ppt/slides/slide16.xml><?xml version="1.0" encoding="utf-8"?>
+<file path=ppt/slides/slide17.xml><?xml version="1.0" encoding="utf-8"?>
 <p:sld xmlns:a="http://schemas.openxmlformats.org/drawingml/2006/main" xmlns:r="http://schemas.openxmlformats.org/officeDocument/2006/relationships" xmlns:p="http://schemas.openxmlformats.org/presentationml/2006/main">
   <p:cSld>
     <p:spTree>
@@ -5368,7 +5502,7 @@
 </p:sld>
 </file>
 
-<file path=ppt/slides/slide17.xml><?xml version="1.0" encoding="utf-8"?>
+<file path=ppt/slides/slide18.xml><?xml version="1.0" encoding="utf-8"?>
 <p:sld xmlns:a="http://schemas.openxmlformats.org/drawingml/2006/main" xmlns:r="http://schemas.openxmlformats.org/officeDocument/2006/relationships" xmlns:p="http://schemas.openxmlformats.org/presentationml/2006/main">
   <p:cSld>
     <p:spTree>
@@ -6019,100 +6153,6 @@
 </p:sld>
 </file>
 
-<file path=ppt/slides/slide18.xml><?xml version="1.0" encoding="utf-8"?>
-<p:sld xmlns:a="http://schemas.openxmlformats.org/drawingml/2006/main" xmlns:r="http://schemas.openxmlformats.org/officeDocument/2006/relationships" xmlns:p="http://schemas.openxmlformats.org/presentationml/2006/main">
-  <p:cSld>
-    <p:spTree>
-      <p:nvGrpSpPr>
-        <p:cNvPr id="1" name=""/>
-        <p:cNvGrpSpPr/>
-        <p:nvPr/>
-      </p:nvGrpSpPr>
-      <p:grpSpPr>
-        <a:xfrm>
-          <a:off x="0" y="0"/>
-          <a:ext cx="0" cy="0"/>
-          <a:chOff x="0" y="0"/>
-          <a:chExt cx="0" cy="0"/>
-        </a:xfrm>
-      </p:grpSpPr>
-      <p:sp>
-        <p:nvSpPr>
-          <p:cNvPr id="2" name="Title 1"/>
-          <p:cNvSpPr>
-            <a:spLocks noGrp="1"/>
-          </p:cNvSpPr>
-          <p:nvPr>
-            <p:ph type="title"/>
-          </p:nvPr>
-        </p:nvSpPr>
-        <p:spPr/>
-        <p:txBody>
-          <a:bodyPr/>
-          <a:lstStyle/>
-          <a:p>
-            <a:r>
-              <a:rPr lang="en-US" dirty="0"/>
-              <a:t>Start-Demo –Item ‘</a:t>
-            </a:r>
-            <a:r>
-              <a:rPr lang="en-US" dirty="0" err="1"/>
-              <a:t>ConfigAnatomy</a:t>
-            </a:r>
-            <a:r>
-              <a:rPr lang="en-US" dirty="0"/>
-              <a:t>’</a:t>
-            </a:r>
-          </a:p>
-        </p:txBody>
-      </p:sp>
-      <p:sp>
-        <p:nvSpPr>
-          <p:cNvPr id="3" name="Text Placeholder 2"/>
-          <p:cNvSpPr>
-            <a:spLocks noGrp="1"/>
-          </p:cNvSpPr>
-          <p:nvPr>
-            <p:ph type="body" idx="1"/>
-          </p:nvPr>
-        </p:nvSpPr>
-        <p:spPr/>
-        <p:txBody>
-          <a:bodyPr/>
-          <a:lstStyle/>
-          <a:p>
-            <a:r>
-              <a:rPr lang="en-US" dirty="0"/>
-              <a:t>Writing basic DSC configuration documents</a:t>
-            </a:r>
-          </a:p>
-        </p:txBody>
-      </p:sp>
-    </p:spTree>
-    <p:extLst>
-      <p:ext uri="{BB962C8B-B14F-4D97-AF65-F5344CB8AC3E}">
-        <p14:creationId xmlns:p14="http://schemas.microsoft.com/office/powerpoint/2010/main" val="1398353277"/>
-      </p:ext>
-    </p:extLst>
-  </p:cSld>
-  <p:clrMapOvr>
-    <a:masterClrMapping/>
-  </p:clrMapOvr>
-  <mc:AlternateContent xmlns:mc="http://schemas.openxmlformats.org/markup-compatibility/2006" xmlns:p14="http://schemas.microsoft.com/office/powerpoint/2010/main">
-    <mc:Choice Requires="p14">
-      <p:transition spd="slow" p14:dur="1300">
-        <p14:pan dir="u"/>
-      </p:transition>
-    </mc:Choice>
-    <mc:Fallback xmlns="">
-      <p:transition spd="slow">
-        <p:fade/>
-      </p:transition>
-    </mc:Fallback>
-  </mc:AlternateContent>
-</p:sld>
-</file>
-
 <file path=ppt/slides/slide19.xml><?xml version="1.0" encoding="utf-8"?>
 <p:sld xmlns:a="http://schemas.openxmlformats.org/drawingml/2006/main" xmlns:r="http://schemas.openxmlformats.org/officeDocument/2006/relationships" xmlns:p="http://schemas.openxmlformats.org/presentationml/2006/main">
   <p:cSld>
@@ -6151,7 +6191,7 @@
             </a:r>
             <a:r>
               <a:rPr lang="en-US" dirty="0" err="1"/>
-              <a:t>BasicConfigAuthoring</a:t>
+              <a:t>ConfigAnatomy</a:t>
             </a:r>
             <a:r>
               <a:rPr lang="en-US" dirty="0"/>
@@ -6185,7 +6225,7 @@
     </p:spTree>
     <p:extLst>
       <p:ext uri="{BB962C8B-B14F-4D97-AF65-F5344CB8AC3E}">
-        <p14:creationId xmlns:p14="http://schemas.microsoft.com/office/powerpoint/2010/main" val="3348477763"/>
+        <p14:creationId xmlns:p14="http://schemas.microsoft.com/office/powerpoint/2010/main" val="1398353277"/>
       </p:ext>
     </p:extLst>
   </p:cSld>
@@ -6371,7 +6411,7 @@
             </a:r>
             <a:r>
               <a:rPr lang="en-US" dirty="0" err="1"/>
-              <a:t>PushConfig</a:t>
+              <a:t>BasicConfigAuthoring</a:t>
             </a:r>
             <a:r>
               <a:rPr lang="en-US" dirty="0"/>
@@ -6397,7 +6437,7 @@
           <a:p>
             <a:r>
               <a:rPr lang="en-US" dirty="0"/>
-              <a:t>Pushing DSC configurations to target nodes</a:t>
+              <a:t>Writing basic DSC configuration documents</a:t>
             </a:r>
           </a:p>
         </p:txBody>
@@ -6405,7 +6445,7 @@
     </p:spTree>
     <p:extLst>
       <p:ext uri="{BB962C8B-B14F-4D97-AF65-F5344CB8AC3E}">
-        <p14:creationId xmlns:p14="http://schemas.microsoft.com/office/powerpoint/2010/main" val="1383547368"/>
+        <p14:creationId xmlns:p14="http://schemas.microsoft.com/office/powerpoint/2010/main" val="3348477763"/>
       </p:ext>
     </p:extLst>
   </p:cSld>
@@ -6465,7 +6505,7 @@
             </a:r>
             <a:r>
               <a:rPr lang="en-US" dirty="0" err="1"/>
-              <a:t>ReportDSCConfig</a:t>
+              <a:t>PushConfig</a:t>
             </a:r>
             <a:r>
               <a:rPr lang="en-US" dirty="0"/>
@@ -6491,7 +6531,7 @@
           <a:p>
             <a:r>
               <a:rPr lang="en-US" dirty="0"/>
-              <a:t>Using the DSC status cmdlets to check configuration state</a:t>
+              <a:t>Pushing DSC configurations to target nodes</a:t>
             </a:r>
           </a:p>
         </p:txBody>
@@ -6499,7 +6539,7 @@
     </p:spTree>
     <p:extLst>
       <p:ext uri="{BB962C8B-B14F-4D97-AF65-F5344CB8AC3E}">
-        <p14:creationId xmlns:p14="http://schemas.microsoft.com/office/powerpoint/2010/main" val="1806174524"/>
+        <p14:creationId xmlns:p14="http://schemas.microsoft.com/office/powerpoint/2010/main" val="1383547368"/>
       </p:ext>
     </p:extLst>
   </p:cSld>
@@ -6559,7 +6599,7 @@
             </a:r>
             <a:r>
               <a:rPr lang="en-US" dirty="0" err="1"/>
-              <a:t>FindingResources</a:t>
+              <a:t>ReportDSCConfig</a:t>
             </a:r>
             <a:r>
               <a:rPr lang="en-US" dirty="0"/>
@@ -6585,7 +6625,7 @@
           <a:p>
             <a:r>
               <a:rPr lang="en-US" dirty="0"/>
-              <a:t>Finding in-box and custom resources for writing configuration documents</a:t>
+              <a:t>Using the DSC status cmdlets to check configuration state</a:t>
             </a:r>
           </a:p>
         </p:txBody>
@@ -6593,7 +6633,7 @@
     </p:spTree>
     <p:extLst>
       <p:ext uri="{BB962C8B-B14F-4D97-AF65-F5344CB8AC3E}">
-        <p14:creationId xmlns:p14="http://schemas.microsoft.com/office/powerpoint/2010/main" val="3612630159"/>
+        <p14:creationId xmlns:p14="http://schemas.microsoft.com/office/powerpoint/2010/main" val="1806174524"/>
       </p:ext>
     </p:extLst>
   </p:cSld>
@@ -6653,7 +6693,7 @@
             </a:r>
             <a:r>
               <a:rPr lang="en-US" dirty="0" err="1"/>
-              <a:t>ParameterizedConfigs</a:t>
+              <a:t>FindingResources</a:t>
             </a:r>
             <a:r>
               <a:rPr lang="en-US" dirty="0"/>
@@ -6679,7 +6719,7 @@
           <a:p>
             <a:r>
               <a:rPr lang="en-US" dirty="0"/>
-              <a:t>Parameterized configurations for promoting re-use</a:t>
+              <a:t>Finding in-box and custom resources for writing configuration documents</a:t>
             </a:r>
           </a:p>
         </p:txBody>
@@ -6687,7 +6727,7 @@
     </p:spTree>
     <p:extLst>
       <p:ext uri="{BB962C8B-B14F-4D97-AF65-F5344CB8AC3E}">
-        <p14:creationId xmlns:p14="http://schemas.microsoft.com/office/powerpoint/2010/main" val="310246172"/>
+        <p14:creationId xmlns:p14="http://schemas.microsoft.com/office/powerpoint/2010/main" val="3612630159"/>
       </p:ext>
     </p:extLst>
   </p:cSld>
@@ -6728,35 +6768,7 @@
       </p:grpSpPr>
       <p:sp>
         <p:nvSpPr>
-          <p:cNvPr id="2" name="Content Placeholder 1"/>
-          <p:cNvSpPr>
-            <a:spLocks noGrp="1"/>
-          </p:cNvSpPr>
-          <p:nvPr>
-            <p:ph idx="1"/>
-          </p:nvPr>
-        </p:nvSpPr>
-        <p:spPr/>
-        <p:txBody>
-          <a:bodyPr/>
-          <a:lstStyle/>
-          <a:p>
-            <a:r>
-              <a:rPr lang="en-US" dirty="0"/>
-              <a:t>Make the configuration documents more dynamic and parameterized</a:t>
-            </a:r>
-          </a:p>
-          <a:p>
-            <a:r>
-              <a:rPr lang="en-US" dirty="0"/>
-              <a:t>Promote better re-use and conditional configuration of resources</a:t>
-            </a:r>
-          </a:p>
-        </p:txBody>
-      </p:sp>
-      <p:sp>
-        <p:nvSpPr>
-          <p:cNvPr id="3" name="Title 2"/>
+          <p:cNvPr id="2" name="Title 1"/>
           <p:cNvSpPr>
             <a:spLocks noGrp="1"/>
           </p:cNvSpPr>
@@ -6771,7 +6783,37 @@
           <a:p>
             <a:r>
               <a:rPr lang="en-US" dirty="0"/>
-              <a:t>Configuration Data</a:t>
+              <a:t>Start-Demo –Item ‘</a:t>
+            </a:r>
+            <a:r>
+              <a:rPr lang="en-US" dirty="0" err="1"/>
+              <a:t>ParameterizedConfigs</a:t>
+            </a:r>
+            <a:r>
+              <a:rPr lang="en-US" dirty="0"/>
+              <a:t>’</a:t>
+            </a:r>
+          </a:p>
+        </p:txBody>
+      </p:sp>
+      <p:sp>
+        <p:nvSpPr>
+          <p:cNvPr id="3" name="Text Placeholder 2"/>
+          <p:cNvSpPr>
+            <a:spLocks noGrp="1"/>
+          </p:cNvSpPr>
+          <p:nvPr>
+            <p:ph type="body" idx="1"/>
+          </p:nvPr>
+        </p:nvSpPr>
+        <p:spPr/>
+        <p:txBody>
+          <a:bodyPr/>
+          <a:lstStyle/>
+          <a:p>
+            <a:r>
+              <a:rPr lang="en-US" dirty="0"/>
+              <a:t>Parameterized configurations for promoting re-use</a:t>
             </a:r>
           </a:p>
         </p:txBody>
@@ -6779,7 +6821,7 @@
     </p:spTree>
     <p:extLst>
       <p:ext uri="{BB962C8B-B14F-4D97-AF65-F5344CB8AC3E}">
-        <p14:creationId xmlns:p14="http://schemas.microsoft.com/office/powerpoint/2010/main" val="3626979295"/>
+        <p14:creationId xmlns:p14="http://schemas.microsoft.com/office/powerpoint/2010/main" val="310246172"/>
       </p:ext>
     </p:extLst>
   </p:cSld>
@@ -6820,7 +6862,35 @@
       </p:grpSpPr>
       <p:sp>
         <p:nvSpPr>
-          <p:cNvPr id="2" name="Title 1"/>
+          <p:cNvPr id="2" name="Content Placeholder 1"/>
+          <p:cNvSpPr>
+            <a:spLocks noGrp="1"/>
+          </p:cNvSpPr>
+          <p:nvPr>
+            <p:ph idx="1"/>
+          </p:nvPr>
+        </p:nvSpPr>
+        <p:spPr/>
+        <p:txBody>
+          <a:bodyPr/>
+          <a:lstStyle/>
+          <a:p>
+            <a:r>
+              <a:rPr lang="en-US" dirty="0"/>
+              <a:t>Make the configuration documents more dynamic and parameterized</a:t>
+            </a:r>
+          </a:p>
+          <a:p>
+            <a:r>
+              <a:rPr lang="en-US" dirty="0"/>
+              <a:t>Promote better re-use and conditional configuration of resources</a:t>
+            </a:r>
+          </a:p>
+        </p:txBody>
+      </p:sp>
+      <p:sp>
+        <p:nvSpPr>
+          <p:cNvPr id="3" name="Title 2"/>
           <p:cNvSpPr>
             <a:spLocks noGrp="1"/>
           </p:cNvSpPr>
@@ -6835,37 +6905,7 @@
           <a:p>
             <a:r>
               <a:rPr lang="en-US" dirty="0"/>
-              <a:t>Start-Demo –Item ‘</a:t>
-            </a:r>
-            <a:r>
-              <a:rPr lang="en-US" dirty="0" err="1"/>
-              <a:t>ConfigDataInDSC</a:t>
-            </a:r>
-            <a:r>
-              <a:rPr lang="en-US" dirty="0"/>
-              <a:t>’</a:t>
-            </a:r>
-          </a:p>
-        </p:txBody>
-      </p:sp>
-      <p:sp>
-        <p:nvSpPr>
-          <p:cNvPr id="3" name="Text Placeholder 2"/>
-          <p:cNvSpPr>
-            <a:spLocks noGrp="1"/>
-          </p:cNvSpPr>
-          <p:nvPr>
-            <p:ph type="body" idx="1"/>
-          </p:nvPr>
-        </p:nvSpPr>
-        <p:spPr/>
-        <p:txBody>
-          <a:bodyPr/>
-          <a:lstStyle/>
-          <a:p>
-            <a:r>
-              <a:rPr lang="en-US" dirty="0"/>
-              <a:t>Using Configuration Data to create re-usable configuration documents</a:t>
+              <a:t>Configuration Data</a:t>
             </a:r>
           </a:p>
         </p:txBody>
@@ -6873,7 +6913,7 @@
     </p:spTree>
     <p:extLst>
       <p:ext uri="{BB962C8B-B14F-4D97-AF65-F5344CB8AC3E}">
-        <p14:creationId xmlns:p14="http://schemas.microsoft.com/office/powerpoint/2010/main" val="3670691054"/>
+        <p14:creationId xmlns:p14="http://schemas.microsoft.com/office/powerpoint/2010/main" val="3626979295"/>
       </p:ext>
     </p:extLst>
   </p:cSld>
@@ -6914,35 +6954,7 @@
       </p:grpSpPr>
       <p:sp>
         <p:nvSpPr>
-          <p:cNvPr id="2" name="Content Placeholder 1"/>
-          <p:cNvSpPr>
-            <a:spLocks noGrp="1"/>
-          </p:cNvSpPr>
-          <p:nvPr>
-            <p:ph idx="1"/>
-          </p:nvPr>
-        </p:nvSpPr>
-        <p:spPr/>
-        <p:txBody>
-          <a:bodyPr/>
-          <a:lstStyle/>
-          <a:p>
-            <a:r>
-              <a:rPr lang="en-US" dirty="0"/>
-              <a:t>Plain-text credentials not suitable for production.</a:t>
-            </a:r>
-          </a:p>
-          <a:p>
-            <a:r>
-              <a:rPr lang="en-US" dirty="0"/>
-              <a:t>Should implement certificate-based encryption/decryption of credentials.</a:t>
-            </a:r>
-          </a:p>
-        </p:txBody>
-      </p:sp>
-      <p:sp>
-        <p:nvSpPr>
-          <p:cNvPr id="3" name="Title 2"/>
+          <p:cNvPr id="2" name="Title 1"/>
           <p:cNvSpPr>
             <a:spLocks noGrp="1"/>
           </p:cNvSpPr>
@@ -6957,7 +6969,37 @@
           <a:p>
             <a:r>
               <a:rPr lang="en-US" dirty="0"/>
-              <a:t>Credentials in Configuration</a:t>
+              <a:t>Start-Demo –Item ‘</a:t>
+            </a:r>
+            <a:r>
+              <a:rPr lang="en-US" dirty="0" err="1"/>
+              <a:t>ConfigDataInDSC</a:t>
+            </a:r>
+            <a:r>
+              <a:rPr lang="en-US" dirty="0"/>
+              <a:t>’</a:t>
+            </a:r>
+          </a:p>
+        </p:txBody>
+      </p:sp>
+      <p:sp>
+        <p:nvSpPr>
+          <p:cNvPr id="3" name="Text Placeholder 2"/>
+          <p:cNvSpPr>
+            <a:spLocks noGrp="1"/>
+          </p:cNvSpPr>
+          <p:nvPr>
+            <p:ph type="body" idx="1"/>
+          </p:nvPr>
+        </p:nvSpPr>
+        <p:spPr/>
+        <p:txBody>
+          <a:bodyPr/>
+          <a:lstStyle/>
+          <a:p>
+            <a:r>
+              <a:rPr lang="en-US" dirty="0"/>
+              <a:t>Using Configuration Data to create re-usable configuration documents</a:t>
             </a:r>
           </a:p>
         </p:txBody>
@@ -6965,7 +7007,7 @@
     </p:spTree>
     <p:extLst>
       <p:ext uri="{BB962C8B-B14F-4D97-AF65-F5344CB8AC3E}">
-        <p14:creationId xmlns:p14="http://schemas.microsoft.com/office/powerpoint/2010/main" val="1410111601"/>
+        <p14:creationId xmlns:p14="http://schemas.microsoft.com/office/powerpoint/2010/main" val="3670691054"/>
       </p:ext>
     </p:extLst>
   </p:cSld>
@@ -7006,7 +7048,35 @@
       </p:grpSpPr>
       <p:sp>
         <p:nvSpPr>
-          <p:cNvPr id="2" name="Title 1"/>
+          <p:cNvPr id="2" name="Content Placeholder 1"/>
+          <p:cNvSpPr>
+            <a:spLocks noGrp="1"/>
+          </p:cNvSpPr>
+          <p:nvPr>
+            <p:ph idx="1"/>
+          </p:nvPr>
+        </p:nvSpPr>
+        <p:spPr/>
+        <p:txBody>
+          <a:bodyPr/>
+          <a:lstStyle/>
+          <a:p>
+            <a:r>
+              <a:rPr lang="en-US" dirty="0"/>
+              <a:t>Plain-text credentials not suitable for production.</a:t>
+            </a:r>
+          </a:p>
+          <a:p>
+            <a:r>
+              <a:rPr lang="en-US" dirty="0"/>
+              <a:t>Should implement certificate-based encryption/decryption of credentials.</a:t>
+            </a:r>
+          </a:p>
+        </p:txBody>
+      </p:sp>
+      <p:sp>
+        <p:nvSpPr>
+          <p:cNvPr id="3" name="Title 2"/>
           <p:cNvSpPr>
             <a:spLocks noGrp="1"/>
           </p:cNvSpPr>
@@ -7021,37 +7091,7 @@
           <a:p>
             <a:r>
               <a:rPr lang="en-US" dirty="0"/>
-              <a:t>Start-Demo –Item ‘</a:t>
-            </a:r>
-            <a:r>
-              <a:rPr lang="en-US" dirty="0" err="1"/>
-              <a:t>PlainTextCreds</a:t>
-            </a:r>
-            <a:r>
-              <a:rPr lang="en-US" dirty="0"/>
-              <a:t>’</a:t>
-            </a:r>
-          </a:p>
-        </p:txBody>
-      </p:sp>
-      <p:sp>
-        <p:nvSpPr>
-          <p:cNvPr id="3" name="Text Placeholder 2"/>
-          <p:cNvSpPr>
-            <a:spLocks noGrp="1"/>
-          </p:cNvSpPr>
-          <p:nvPr>
-            <p:ph type="body" idx="1"/>
-          </p:nvPr>
-        </p:nvSpPr>
-        <p:spPr/>
-        <p:txBody>
-          <a:bodyPr/>
-          <a:lstStyle/>
-          <a:p>
-            <a:r>
-              <a:rPr lang="en-US" dirty="0"/>
-              <a:t>Implementing Plain-Text Credentials in configuration documents</a:t>
+              <a:t>Credentials in Configuration</a:t>
             </a:r>
           </a:p>
         </p:txBody>
@@ -7059,7 +7099,7 @@
     </p:spTree>
     <p:extLst>
       <p:ext uri="{BB962C8B-B14F-4D97-AF65-F5344CB8AC3E}">
-        <p14:creationId xmlns:p14="http://schemas.microsoft.com/office/powerpoint/2010/main" val="3612969697"/>
+        <p14:creationId xmlns:p14="http://schemas.microsoft.com/office/powerpoint/2010/main" val="1410111601"/>
       </p:ext>
     </p:extLst>
   </p:cSld>
@@ -7119,7 +7159,7 @@
             </a:r>
             <a:r>
               <a:rPr lang="en-US" dirty="0" err="1"/>
-              <a:t>SecureCredentials</a:t>
+              <a:t>PlainTextCreds</a:t>
             </a:r>
             <a:r>
               <a:rPr lang="en-US" dirty="0"/>
@@ -7145,7 +7185,7 @@
           <a:p>
             <a:r>
               <a:rPr lang="en-US" dirty="0"/>
-              <a:t>Implementing Secure Credentials in configuration documents using certificates</a:t>
+              <a:t>Implementing Plain-Text Credentials in configuration documents</a:t>
             </a:r>
           </a:p>
         </p:txBody>
@@ -7153,7 +7193,7 @@
     </p:spTree>
     <p:extLst>
       <p:ext uri="{BB962C8B-B14F-4D97-AF65-F5344CB8AC3E}">
-        <p14:creationId xmlns:p14="http://schemas.microsoft.com/office/powerpoint/2010/main" val="910355252"/>
+        <p14:creationId xmlns:p14="http://schemas.microsoft.com/office/powerpoint/2010/main" val="3612969697"/>
       </p:ext>
     </p:extLst>
   </p:cSld>
@@ -7194,7 +7234,7 @@
       </p:grpSpPr>
       <p:sp>
         <p:nvSpPr>
-          <p:cNvPr id="2" name="Titel 1"/>
+          <p:cNvPr id="2" name="Title 1"/>
           <p:cNvSpPr>
             <a:spLocks noGrp="1"/>
           </p:cNvSpPr>
@@ -7202,34 +7242,34 @@
             <p:ph type="title"/>
           </p:nvPr>
         </p:nvSpPr>
-        <p:spPr>
-          <a:xfrm>
-            <a:off x="0" y="908720"/>
-            <a:ext cx="9144000" cy="792088"/>
-          </a:xfrm>
-          <a:prstGeom prst="rect">
-            <a:avLst/>
-          </a:prstGeom>
-        </p:spPr>
+        <p:spPr/>
         <p:txBody>
           <a:bodyPr/>
           <a:lstStyle/>
           <a:p>
             <a:r>
-              <a:rPr lang="de-DE" dirty="0"/>
-              <a:t>RunAs Credentials</a:t>
-            </a:r>
-          </a:p>
-        </p:txBody>
-      </p:sp>
-      <p:sp>
-        <p:nvSpPr>
-          <p:cNvPr id="3" name="Inhaltsplatzhalter 2"/>
+              <a:rPr lang="en-US" dirty="0"/>
+              <a:t>Start-Demo –Item ‘</a:t>
+            </a:r>
+            <a:r>
+              <a:rPr lang="en-US" dirty="0" err="1"/>
+              <a:t>SecureCredentials</a:t>
+            </a:r>
+            <a:r>
+              <a:rPr lang="en-US" dirty="0"/>
+              <a:t>’</a:t>
+            </a:r>
+          </a:p>
+        </p:txBody>
+      </p:sp>
+      <p:sp>
+        <p:nvSpPr>
+          <p:cNvPr id="3" name="Text Placeholder 2"/>
           <p:cNvSpPr>
             <a:spLocks noGrp="1"/>
           </p:cNvSpPr>
           <p:nvPr>
-            <p:ph idx="1"/>
+            <p:ph type="body" idx="1"/>
           </p:nvPr>
         </p:nvSpPr>
         <p:spPr/>
@@ -7238,200 +7278,16 @@
           <a:lstStyle/>
           <a:p>
             <a:r>
-              <a:rPr lang="de-DE" dirty="0"/>
-              <a:t>For some configuration items, the user context is important</a:t>
-            </a:r>
-          </a:p>
-          <a:p>
-            <a:pPr lvl="1"/>
-            <a:r>
-              <a:rPr lang="de-DE" dirty="0"/>
-              <a:t>Example: Registry modifications, cluster configurations, process invocation, </a:t>
-            </a:r>
-            <a:r>
-              <a:rPr lang="de-DE" dirty="0" err="1"/>
-              <a:t>remoting</a:t>
-            </a:r>
-            <a:r>
-              <a:rPr lang="de-DE" dirty="0"/>
-              <a:t> </a:t>
-            </a:r>
-            <a:r>
-              <a:rPr lang="de-DE" dirty="0" err="1"/>
-              <a:t>capabilities</a:t>
-            </a:r>
-            <a:r>
-              <a:rPr lang="de-DE" dirty="0"/>
-              <a:t> </a:t>
-            </a:r>
-            <a:r>
-              <a:rPr lang="de-DE" dirty="0" err="1"/>
-              <a:t>needed</a:t>
-            </a:r>
-            <a:r>
-              <a:rPr lang="de-DE" dirty="0"/>
-              <a:t> </a:t>
-            </a:r>
-            <a:r>
-              <a:rPr lang="de-DE" dirty="0" err="1"/>
-              <a:t>by</a:t>
-            </a:r>
-            <a:r>
-              <a:rPr lang="de-DE" dirty="0"/>
-              <a:t> </a:t>
-            </a:r>
-            <a:r>
-              <a:rPr lang="de-DE" dirty="0" err="1"/>
-              <a:t>the</a:t>
-            </a:r>
-            <a:r>
-              <a:rPr lang="de-DE" dirty="0"/>
-              <a:t> </a:t>
-            </a:r>
-            <a:r>
-              <a:rPr lang="de-DE" dirty="0" err="1"/>
-              <a:t>resource</a:t>
-            </a:r>
-            <a:r>
-              <a:rPr lang="de-DE" dirty="0"/>
-              <a:t> </a:t>
-            </a:r>
-            <a:r>
-              <a:rPr lang="de-DE" dirty="0" err="1"/>
-              <a:t>and</a:t>
-            </a:r>
-            <a:r>
-              <a:rPr lang="de-DE" dirty="0"/>
-              <a:t> so on</a:t>
-            </a:r>
-          </a:p>
-          <a:p>
-            <a:r>
-              <a:rPr lang="de-DE" dirty="0"/>
-              <a:t>PSDscRunAsCredential provides </a:t>
-            </a:r>
-            <a:r>
-              <a:rPr lang="de-DE" dirty="0" err="1"/>
-              <a:t>this</a:t>
-            </a:r>
-            <a:r>
-              <a:rPr lang="de-DE" dirty="0"/>
-              <a:t> </a:t>
-            </a:r>
-            <a:r>
-              <a:rPr lang="de-DE" dirty="0" err="1"/>
-              <a:t>ability</a:t>
-            </a:r>
-            <a:endParaRPr lang="de-DE" dirty="0"/>
-          </a:p>
-          <a:p>
-            <a:pPr lvl="1"/>
-            <a:r>
-              <a:rPr lang="de-DE" dirty="0" err="1"/>
-              <a:t>Removes</a:t>
-            </a:r>
-            <a:r>
-              <a:rPr lang="de-DE" dirty="0"/>
-              <a:t> </a:t>
-            </a:r>
-            <a:r>
-              <a:rPr lang="de-DE" dirty="0" err="1"/>
-              <a:t>the</a:t>
-            </a:r>
-            <a:r>
-              <a:rPr lang="de-DE" dirty="0"/>
-              <a:t> </a:t>
-            </a:r>
-            <a:r>
-              <a:rPr lang="de-DE" dirty="0" err="1"/>
-              <a:t>need</a:t>
-            </a:r>
-            <a:r>
-              <a:rPr lang="de-DE" dirty="0"/>
-              <a:t> </a:t>
-            </a:r>
-            <a:r>
-              <a:rPr lang="de-DE" dirty="0" err="1"/>
-              <a:t>for</a:t>
-            </a:r>
-            <a:r>
-              <a:rPr lang="de-DE" dirty="0"/>
-              <a:t> </a:t>
-            </a:r>
-            <a:r>
-              <a:rPr lang="de-DE" dirty="0" err="1"/>
-              <a:t>Resource</a:t>
-            </a:r>
-            <a:r>
-              <a:rPr lang="de-DE" dirty="0"/>
-              <a:t> </a:t>
-            </a:r>
-            <a:r>
-              <a:rPr lang="de-DE" dirty="0" err="1"/>
-              <a:t>authors</a:t>
-            </a:r>
-            <a:r>
-              <a:rPr lang="de-DE" dirty="0"/>
-              <a:t> </a:t>
-            </a:r>
-            <a:r>
-              <a:rPr lang="de-DE" dirty="0" err="1"/>
-              <a:t>to</a:t>
-            </a:r>
-            <a:r>
-              <a:rPr lang="de-DE" dirty="0"/>
-              <a:t> </a:t>
-            </a:r>
-            <a:r>
-              <a:rPr lang="de-DE" dirty="0" err="1"/>
-              <a:t>build</a:t>
-            </a:r>
-            <a:r>
-              <a:rPr lang="de-DE" dirty="0"/>
-              <a:t> in </a:t>
-            </a:r>
-            <a:r>
-              <a:rPr lang="de-DE" dirty="0" err="1"/>
-              <a:t>credential</a:t>
-            </a:r>
-            <a:r>
-              <a:rPr lang="de-DE" dirty="0"/>
-              <a:t> </a:t>
-            </a:r>
-            <a:r>
-              <a:rPr lang="de-DE" dirty="0" err="1"/>
-              <a:t>support</a:t>
-            </a:r>
-            <a:r>
-              <a:rPr lang="de-DE" dirty="0"/>
-              <a:t> </a:t>
-            </a:r>
-            <a:r>
-              <a:rPr lang="de-DE" dirty="0" err="1"/>
-              <a:t>we</a:t>
-            </a:r>
-            <a:r>
-              <a:rPr lang="de-DE" dirty="0"/>
-              <a:t> </a:t>
-            </a:r>
-            <a:r>
-              <a:rPr lang="de-DE" dirty="0" err="1"/>
-              <a:t>had</a:t>
-            </a:r>
-            <a:r>
-              <a:rPr lang="de-DE" dirty="0"/>
-              <a:t> in v1</a:t>
-            </a:r>
-          </a:p>
-          <a:p>
-            <a:endParaRPr lang="de-DE" dirty="0"/>
+              <a:rPr lang="en-US" dirty="0"/>
+              <a:t>Implementing Secure Credentials in configuration documents using certificates</a:t>
+            </a:r>
           </a:p>
         </p:txBody>
       </p:sp>
     </p:spTree>
     <p:extLst>
       <p:ext uri="{BB962C8B-B14F-4D97-AF65-F5344CB8AC3E}">
-        <p14:creationId xmlns:p14="http://schemas.microsoft.com/office/powerpoint/2010/main" val="414990733"/>
+        <p14:creationId xmlns:p14="http://schemas.microsoft.com/office/powerpoint/2010/main" val="910355252"/>
       </p:ext>
     </p:extLst>
   </p:cSld>
@@ -7440,12 +7296,12 @@
   </p:clrMapOvr>
   <mc:AlternateContent xmlns:mc="http://schemas.openxmlformats.org/markup-compatibility/2006" xmlns:p14="http://schemas.microsoft.com/office/powerpoint/2010/main">
     <mc:Choice Requires="p14">
-      <p:transition spd="med" p14:dur="700">
-        <p:fade/>
+      <p:transition spd="slow" p14:dur="1300">
+        <p14:pan dir="u"/>
       </p:transition>
     </mc:Choice>
     <mc:Fallback xmlns="">
-      <p:transition spd="med">
+      <p:transition spd="slow">
         <p:fade/>
       </p:transition>
     </mc:Fallback>
@@ -8371,6 +8227,284 @@
       </p:grpSpPr>
       <p:sp>
         <p:nvSpPr>
+          <p:cNvPr id="2" name="Titel 1"/>
+          <p:cNvSpPr>
+            <a:spLocks noGrp="1"/>
+          </p:cNvSpPr>
+          <p:nvPr>
+            <p:ph type="title"/>
+          </p:nvPr>
+        </p:nvSpPr>
+        <p:spPr>
+          <a:xfrm>
+            <a:off x="0" y="908720"/>
+            <a:ext cx="9144000" cy="792088"/>
+          </a:xfrm>
+          <a:prstGeom prst="rect">
+            <a:avLst/>
+          </a:prstGeom>
+        </p:spPr>
+        <p:txBody>
+          <a:bodyPr/>
+          <a:lstStyle/>
+          <a:p>
+            <a:r>
+              <a:rPr lang="de-DE" dirty="0"/>
+              <a:t>RunAs Credentials</a:t>
+            </a:r>
+          </a:p>
+        </p:txBody>
+      </p:sp>
+      <p:sp>
+        <p:nvSpPr>
+          <p:cNvPr id="3" name="Inhaltsplatzhalter 2"/>
+          <p:cNvSpPr>
+            <a:spLocks noGrp="1"/>
+          </p:cNvSpPr>
+          <p:nvPr>
+            <p:ph idx="1"/>
+          </p:nvPr>
+        </p:nvSpPr>
+        <p:spPr/>
+        <p:txBody>
+          <a:bodyPr/>
+          <a:lstStyle/>
+          <a:p>
+            <a:r>
+              <a:rPr lang="de-DE" dirty="0"/>
+              <a:t>For some configuration items, the user context is important</a:t>
+            </a:r>
+          </a:p>
+          <a:p>
+            <a:pPr lvl="1"/>
+            <a:r>
+              <a:rPr lang="de-DE" dirty="0"/>
+              <a:t>Example: Registry modifications, cluster configurations, process invocation, </a:t>
+            </a:r>
+            <a:r>
+              <a:rPr lang="de-DE" dirty="0" err="1"/>
+              <a:t>remoting</a:t>
+            </a:r>
+            <a:r>
+              <a:rPr lang="de-DE" dirty="0"/>
+              <a:t> </a:t>
+            </a:r>
+            <a:r>
+              <a:rPr lang="de-DE" dirty="0" err="1"/>
+              <a:t>capabilities</a:t>
+            </a:r>
+            <a:r>
+              <a:rPr lang="de-DE" dirty="0"/>
+              <a:t> </a:t>
+            </a:r>
+            <a:r>
+              <a:rPr lang="de-DE" dirty="0" err="1"/>
+              <a:t>needed</a:t>
+            </a:r>
+            <a:r>
+              <a:rPr lang="de-DE" dirty="0"/>
+              <a:t> </a:t>
+            </a:r>
+            <a:r>
+              <a:rPr lang="de-DE" dirty="0" err="1"/>
+              <a:t>by</a:t>
+            </a:r>
+            <a:r>
+              <a:rPr lang="de-DE" dirty="0"/>
+              <a:t> </a:t>
+            </a:r>
+            <a:r>
+              <a:rPr lang="de-DE" dirty="0" err="1"/>
+              <a:t>the</a:t>
+            </a:r>
+            <a:r>
+              <a:rPr lang="de-DE" dirty="0"/>
+              <a:t> </a:t>
+            </a:r>
+            <a:r>
+              <a:rPr lang="de-DE" dirty="0" err="1"/>
+              <a:t>resource</a:t>
+            </a:r>
+            <a:r>
+              <a:rPr lang="de-DE" dirty="0"/>
+              <a:t> </a:t>
+            </a:r>
+            <a:r>
+              <a:rPr lang="de-DE" dirty="0" err="1"/>
+              <a:t>and</a:t>
+            </a:r>
+            <a:r>
+              <a:rPr lang="de-DE" dirty="0"/>
+              <a:t> so on</a:t>
+            </a:r>
+          </a:p>
+          <a:p>
+            <a:r>
+              <a:rPr lang="de-DE" dirty="0"/>
+              <a:t>PSDscRunAsCredential provides </a:t>
+            </a:r>
+            <a:r>
+              <a:rPr lang="de-DE" dirty="0" err="1"/>
+              <a:t>this</a:t>
+            </a:r>
+            <a:r>
+              <a:rPr lang="de-DE" dirty="0"/>
+              <a:t> </a:t>
+            </a:r>
+            <a:r>
+              <a:rPr lang="de-DE" dirty="0" err="1"/>
+              <a:t>ability</a:t>
+            </a:r>
+            <a:endParaRPr lang="de-DE" dirty="0"/>
+          </a:p>
+          <a:p>
+            <a:pPr lvl="1"/>
+            <a:r>
+              <a:rPr lang="de-DE" dirty="0" err="1"/>
+              <a:t>Removes</a:t>
+            </a:r>
+            <a:r>
+              <a:rPr lang="de-DE" dirty="0"/>
+              <a:t> </a:t>
+            </a:r>
+            <a:r>
+              <a:rPr lang="de-DE" dirty="0" err="1"/>
+              <a:t>the</a:t>
+            </a:r>
+            <a:r>
+              <a:rPr lang="de-DE" dirty="0"/>
+              <a:t> </a:t>
+            </a:r>
+            <a:r>
+              <a:rPr lang="de-DE" dirty="0" err="1"/>
+              <a:t>need</a:t>
+            </a:r>
+            <a:r>
+              <a:rPr lang="de-DE" dirty="0"/>
+              <a:t> </a:t>
+            </a:r>
+            <a:r>
+              <a:rPr lang="de-DE" dirty="0" err="1"/>
+              <a:t>for</a:t>
+            </a:r>
+            <a:r>
+              <a:rPr lang="de-DE" dirty="0"/>
+              <a:t> </a:t>
+            </a:r>
+            <a:r>
+              <a:rPr lang="de-DE" dirty="0" err="1"/>
+              <a:t>Resource</a:t>
+            </a:r>
+            <a:r>
+              <a:rPr lang="de-DE" dirty="0"/>
+              <a:t> </a:t>
+            </a:r>
+            <a:r>
+              <a:rPr lang="de-DE" dirty="0" err="1"/>
+              <a:t>authors</a:t>
+            </a:r>
+            <a:r>
+              <a:rPr lang="de-DE" dirty="0"/>
+              <a:t> </a:t>
+            </a:r>
+            <a:r>
+              <a:rPr lang="de-DE" dirty="0" err="1"/>
+              <a:t>to</a:t>
+            </a:r>
+            <a:r>
+              <a:rPr lang="de-DE" dirty="0"/>
+              <a:t> </a:t>
+            </a:r>
+            <a:r>
+              <a:rPr lang="de-DE" dirty="0" err="1"/>
+              <a:t>build</a:t>
+            </a:r>
+            <a:r>
+              <a:rPr lang="de-DE" dirty="0"/>
+              <a:t> in </a:t>
+            </a:r>
+            <a:r>
+              <a:rPr lang="de-DE" dirty="0" err="1"/>
+              <a:t>credential</a:t>
+            </a:r>
+            <a:r>
+              <a:rPr lang="de-DE" dirty="0"/>
+              <a:t> </a:t>
+            </a:r>
+            <a:r>
+              <a:rPr lang="de-DE" dirty="0" err="1"/>
+              <a:t>support</a:t>
+            </a:r>
+            <a:r>
+              <a:rPr lang="de-DE" dirty="0"/>
+              <a:t> </a:t>
+            </a:r>
+            <a:r>
+              <a:rPr lang="de-DE" dirty="0" err="1"/>
+              <a:t>we</a:t>
+            </a:r>
+            <a:r>
+              <a:rPr lang="de-DE" dirty="0"/>
+              <a:t> </a:t>
+            </a:r>
+            <a:r>
+              <a:rPr lang="de-DE" dirty="0" err="1"/>
+              <a:t>had</a:t>
+            </a:r>
+            <a:r>
+              <a:rPr lang="de-DE" dirty="0"/>
+              <a:t> in v1</a:t>
+            </a:r>
+          </a:p>
+          <a:p>
+            <a:endParaRPr lang="de-DE" dirty="0"/>
+          </a:p>
+        </p:txBody>
+      </p:sp>
+    </p:spTree>
+    <p:extLst>
+      <p:ext uri="{BB962C8B-B14F-4D97-AF65-F5344CB8AC3E}">
+        <p14:creationId xmlns:p14="http://schemas.microsoft.com/office/powerpoint/2010/main" val="414990733"/>
+      </p:ext>
+    </p:extLst>
+  </p:cSld>
+  <p:clrMapOvr>
+    <a:masterClrMapping/>
+  </p:clrMapOvr>
+  <mc:AlternateContent xmlns:mc="http://schemas.openxmlformats.org/markup-compatibility/2006" xmlns:p14="http://schemas.microsoft.com/office/powerpoint/2010/main">
+    <mc:Choice Requires="p14">
+      <p:transition spd="med" p14:dur="700">
+        <p:fade/>
+      </p:transition>
+    </mc:Choice>
+    <mc:Fallback xmlns="">
+      <p:transition spd="med">
+        <p:fade/>
+      </p:transition>
+    </mc:Fallback>
+  </mc:AlternateContent>
+</p:sld>
+</file>
+
+<file path=ppt/slides/slide31.xml><?xml version="1.0" encoding="utf-8"?>
+<p:sld xmlns:a="http://schemas.openxmlformats.org/drawingml/2006/main" xmlns:r="http://schemas.openxmlformats.org/officeDocument/2006/relationships" xmlns:p="http://schemas.openxmlformats.org/presentationml/2006/main">
+  <p:cSld>
+    <p:spTree>
+      <p:nvGrpSpPr>
+        <p:cNvPr id="1" name=""/>
+        <p:cNvGrpSpPr/>
+        <p:nvPr/>
+      </p:nvGrpSpPr>
+      <p:grpSpPr>
+        <a:xfrm>
+          <a:off x="0" y="0"/>
+          <a:ext cx="0" cy="0"/>
+          <a:chOff x="0" y="0"/>
+          <a:chExt cx="0" cy="0"/>
+        </a:xfrm>
+      </p:grpSpPr>
+      <p:sp>
+        <p:nvSpPr>
           <p:cNvPr id="2" name="Title 1"/>
           <p:cNvSpPr>
             <a:spLocks noGrp="1"/>
@@ -8454,7 +8588,7 @@
 </p:sld>
 </file>
 
-<file path=ppt/slides/slide31.xml><?xml version="1.0" encoding="utf-8"?>
+<file path=ppt/slides/slide32.xml><?xml version="1.0" encoding="utf-8"?>
 <p:sld xmlns:a="http://schemas.openxmlformats.org/drawingml/2006/main" xmlns:r="http://schemas.openxmlformats.org/officeDocument/2006/relationships" xmlns:p="http://schemas.openxmlformats.org/presentationml/2006/main">
   <p:cSld>
     <p:spTree>
@@ -8554,7 +8688,7 @@
 </p:sld>
 </file>
 
-<file path=ppt/slides/slide32.xml><?xml version="1.0" encoding="utf-8"?>
+<file path=ppt/slides/slide33.xml><?xml version="1.0" encoding="utf-8"?>
 <p:sld xmlns:a="http://schemas.openxmlformats.org/drawingml/2006/main" xmlns:r="http://schemas.openxmlformats.org/officeDocument/2006/relationships" xmlns:p="http://schemas.openxmlformats.org/presentationml/2006/main">
   <p:cSld>
     <p:spTree>
@@ -8656,7 +8790,7 @@
 </p:sld>
 </file>
 
-<file path=ppt/slides/slide33.xml><?xml version="1.0" encoding="utf-8"?>
+<file path=ppt/slides/slide34.xml><?xml version="1.0" encoding="utf-8"?>
 <p:sld xmlns:a="http://schemas.openxmlformats.org/drawingml/2006/main" xmlns:r="http://schemas.openxmlformats.org/officeDocument/2006/relationships" xmlns:p="http://schemas.openxmlformats.org/presentationml/2006/main">
   <p:cSld>
     <p:spTree>
@@ -8855,7 +8989,7 @@
 </p:sld>
 </file>
 
-<file path=ppt/slides/slide34.xml><?xml version="1.0" encoding="utf-8"?>
+<file path=ppt/slides/slide35.xml><?xml version="1.0" encoding="utf-8"?>
 <p:sld xmlns:a="http://schemas.openxmlformats.org/drawingml/2006/main" xmlns:r="http://schemas.openxmlformats.org/officeDocument/2006/relationships" xmlns:p="http://schemas.openxmlformats.org/presentationml/2006/main">
   <p:cSld>
     <p:spTree>
@@ -9684,7 +9818,7 @@
 </p:sld>
 </file>
 
-<file path=ppt/slides/slide35.xml><?xml version="1.0" encoding="utf-8"?>
+<file path=ppt/slides/slide36.xml><?xml version="1.0" encoding="utf-8"?>
 <p:sld xmlns:a="http://schemas.openxmlformats.org/drawingml/2006/main" xmlns:r="http://schemas.openxmlformats.org/officeDocument/2006/relationships" xmlns:p="http://schemas.openxmlformats.org/presentationml/2006/main">
   <p:cSld>
     <p:spTree>
@@ -9778,7 +9912,7 @@
 </p:sld>
 </file>
 
-<file path=ppt/slides/slide36.xml><?xml version="1.0" encoding="utf-8"?>
+<file path=ppt/slides/slide37.xml><?xml version="1.0" encoding="utf-8"?>
 <p:sld xmlns:a="http://schemas.openxmlformats.org/drawingml/2006/main" xmlns:r="http://schemas.openxmlformats.org/officeDocument/2006/relationships" xmlns:p="http://schemas.openxmlformats.org/presentationml/2006/main">
   <p:cSld>
     <p:spTree>
@@ -9878,7 +10012,7 @@
 </p:sld>
 </file>
 
-<file path=ppt/slides/slide37.xml><?xml version="1.0" encoding="utf-8"?>
+<file path=ppt/slides/slide38.xml><?xml version="1.0" encoding="utf-8"?>
 <p:sld xmlns:a="http://schemas.openxmlformats.org/drawingml/2006/main" xmlns:r="http://schemas.openxmlformats.org/officeDocument/2006/relationships" xmlns:p="http://schemas.openxmlformats.org/presentationml/2006/main">
   <p:cSld>
     <p:spTree>
@@ -9972,7 +10106,7 @@
 </p:sld>
 </file>
 
-<file path=ppt/slides/slide38.xml><?xml version="1.0" encoding="utf-8"?>
+<file path=ppt/slides/slide39.xml><?xml version="1.0" encoding="utf-8"?>
 <p:sld xmlns:a="http://schemas.openxmlformats.org/drawingml/2006/main" xmlns:r="http://schemas.openxmlformats.org/officeDocument/2006/relationships" xmlns:p="http://schemas.openxmlformats.org/presentationml/2006/main">
   <p:cSld>
     <p:spTree>
@@ -10078,106 +10212,6 @@
 </p:sld>
 </file>
 
-<file path=ppt/slides/slide39.xml><?xml version="1.0" encoding="utf-8"?>
-<p:sld xmlns:a="http://schemas.openxmlformats.org/drawingml/2006/main" xmlns:r="http://schemas.openxmlformats.org/officeDocument/2006/relationships" xmlns:p="http://schemas.openxmlformats.org/presentationml/2006/main">
-  <p:cSld>
-    <p:spTree>
-      <p:nvGrpSpPr>
-        <p:cNvPr id="1" name=""/>
-        <p:cNvGrpSpPr/>
-        <p:nvPr/>
-      </p:nvGrpSpPr>
-      <p:grpSpPr>
-        <a:xfrm>
-          <a:off x="0" y="0"/>
-          <a:ext cx="0" cy="0"/>
-          <a:chOff x="0" y="0"/>
-          <a:chExt cx="0" cy="0"/>
-        </a:xfrm>
-      </p:grpSpPr>
-      <p:sp>
-        <p:nvSpPr>
-          <p:cNvPr id="2" name="Title 1"/>
-          <p:cNvSpPr>
-            <a:spLocks noGrp="1"/>
-          </p:cNvSpPr>
-          <p:nvPr>
-            <p:ph type="title"/>
-          </p:nvPr>
-        </p:nvSpPr>
-        <p:spPr/>
-        <p:txBody>
-          <a:bodyPr/>
-          <a:lstStyle/>
-          <a:p>
-            <a:r>
-              <a:rPr lang="en-US" dirty="0"/>
-              <a:t>Start-Demo –Item ‘</a:t>
-            </a:r>
-            <a:r>
-              <a:rPr lang="en-US" dirty="0" err="1"/>
-              <a:t>DSCPullService</a:t>
-            </a:r>
-            <a:r>
-              <a:rPr lang="en-US" dirty="0"/>
-              <a:t>’</a:t>
-            </a:r>
-          </a:p>
-        </p:txBody>
-      </p:sp>
-      <p:sp>
-        <p:nvSpPr>
-          <p:cNvPr id="3" name="Text Placeholder 2"/>
-          <p:cNvSpPr>
-            <a:spLocks noGrp="1"/>
-          </p:cNvSpPr>
-          <p:nvPr>
-            <p:ph type="body" idx="1"/>
-          </p:nvPr>
-        </p:nvSpPr>
-        <p:spPr/>
-        <p:txBody>
-          <a:bodyPr/>
-          <a:lstStyle/>
-          <a:p>
-            <a:r>
-              <a:rPr lang="en-US" dirty="0"/>
-              <a:t>configuring Rest-Baser Pull Server</a:t>
-            </a:r>
-          </a:p>
-          <a:p>
-            <a:r>
-              <a:rPr lang="en-US" dirty="0"/>
-              <a:t>Configuring LCM as a pull client</a:t>
-            </a:r>
-          </a:p>
-        </p:txBody>
-      </p:sp>
-    </p:spTree>
-    <p:extLst>
-      <p:ext uri="{BB962C8B-B14F-4D97-AF65-F5344CB8AC3E}">
-        <p14:creationId xmlns:p14="http://schemas.microsoft.com/office/powerpoint/2010/main" val="1741091451"/>
-      </p:ext>
-    </p:extLst>
-  </p:cSld>
-  <p:clrMapOvr>
-    <a:masterClrMapping/>
-  </p:clrMapOvr>
-  <mc:AlternateContent xmlns:mc="http://schemas.openxmlformats.org/markup-compatibility/2006" xmlns:p14="http://schemas.microsoft.com/office/powerpoint/2010/main">
-    <mc:Choice Requires="p14">
-      <p:transition spd="slow" p14:dur="1300">
-        <p14:pan dir="u"/>
-      </p:transition>
-    </mc:Choice>
-    <mc:Fallback xmlns="">
-      <p:transition spd="slow">
-        <p:fade/>
-      </p:transition>
-    </mc:Fallback>
-  </mc:AlternateContent>
-</p:sld>
-</file>
-
 <file path=ppt/slides/slide4.xml><?xml version="1.0" encoding="utf-8"?>
 <p:sld xmlns:a="http://schemas.openxmlformats.org/drawingml/2006/main" xmlns:r="http://schemas.openxmlformats.org/officeDocument/2006/relationships" xmlns:p="http://schemas.openxmlformats.org/presentationml/2006/main">
   <p:cSld>
@@ -10219,6 +10253,12 @@
             <a:r>
               <a:rPr lang="en-US" dirty="0"/>
               <a:t>DSC Components</a:t>
+            </a:r>
+          </a:p>
+          <a:p>
+            <a:r>
+              <a:rPr lang="en-US" dirty="0"/>
+              <a:t>Imperative vs Declarative</a:t>
             </a:r>
           </a:p>
           <a:p>
@@ -10313,6 +10353,106 @@
       </p:grpSpPr>
       <p:sp>
         <p:nvSpPr>
+          <p:cNvPr id="2" name="Title 1"/>
+          <p:cNvSpPr>
+            <a:spLocks noGrp="1"/>
+          </p:cNvSpPr>
+          <p:nvPr>
+            <p:ph type="title"/>
+          </p:nvPr>
+        </p:nvSpPr>
+        <p:spPr/>
+        <p:txBody>
+          <a:bodyPr/>
+          <a:lstStyle/>
+          <a:p>
+            <a:r>
+              <a:rPr lang="en-US" dirty="0"/>
+              <a:t>Start-Demo –Item ‘</a:t>
+            </a:r>
+            <a:r>
+              <a:rPr lang="en-US" dirty="0" err="1"/>
+              <a:t>DSCPullService</a:t>
+            </a:r>
+            <a:r>
+              <a:rPr lang="en-US" dirty="0"/>
+              <a:t>’</a:t>
+            </a:r>
+          </a:p>
+        </p:txBody>
+      </p:sp>
+      <p:sp>
+        <p:nvSpPr>
+          <p:cNvPr id="3" name="Text Placeholder 2"/>
+          <p:cNvSpPr>
+            <a:spLocks noGrp="1"/>
+          </p:cNvSpPr>
+          <p:nvPr>
+            <p:ph type="body" idx="1"/>
+          </p:nvPr>
+        </p:nvSpPr>
+        <p:spPr/>
+        <p:txBody>
+          <a:bodyPr/>
+          <a:lstStyle/>
+          <a:p>
+            <a:r>
+              <a:rPr lang="en-US" dirty="0"/>
+              <a:t>configuring Rest-Baser Pull Server</a:t>
+            </a:r>
+          </a:p>
+          <a:p>
+            <a:r>
+              <a:rPr lang="en-US" dirty="0"/>
+              <a:t>Configuring LCM as a pull client</a:t>
+            </a:r>
+          </a:p>
+        </p:txBody>
+      </p:sp>
+    </p:spTree>
+    <p:extLst>
+      <p:ext uri="{BB962C8B-B14F-4D97-AF65-F5344CB8AC3E}">
+        <p14:creationId xmlns:p14="http://schemas.microsoft.com/office/powerpoint/2010/main" val="1741091451"/>
+      </p:ext>
+    </p:extLst>
+  </p:cSld>
+  <p:clrMapOvr>
+    <a:masterClrMapping/>
+  </p:clrMapOvr>
+  <mc:AlternateContent xmlns:mc="http://schemas.openxmlformats.org/markup-compatibility/2006" xmlns:p14="http://schemas.microsoft.com/office/powerpoint/2010/main">
+    <mc:Choice Requires="p14">
+      <p:transition spd="slow" p14:dur="1300">
+        <p14:pan dir="u"/>
+      </p:transition>
+    </mc:Choice>
+    <mc:Fallback xmlns="">
+      <p:transition spd="slow">
+        <p:fade/>
+      </p:transition>
+    </mc:Fallback>
+  </mc:AlternateContent>
+</p:sld>
+</file>
+
+<file path=ppt/slides/slide41.xml><?xml version="1.0" encoding="utf-8"?>
+<p:sld xmlns:a="http://schemas.openxmlformats.org/drawingml/2006/main" xmlns:r="http://schemas.openxmlformats.org/officeDocument/2006/relationships" xmlns:p="http://schemas.openxmlformats.org/presentationml/2006/main">
+  <p:cSld>
+    <p:spTree>
+      <p:nvGrpSpPr>
+        <p:cNvPr id="1" name=""/>
+        <p:cNvGrpSpPr/>
+        <p:nvPr/>
+      </p:nvGrpSpPr>
+      <p:grpSpPr>
+        <a:xfrm>
+          <a:off x="0" y="0"/>
+          <a:ext cx="0" cy="0"/>
+          <a:chOff x="0" y="0"/>
+          <a:chExt cx="0" cy="0"/>
+        </a:xfrm>
+      </p:grpSpPr>
+      <p:sp>
+        <p:nvSpPr>
           <p:cNvPr id="2" name="Titel 1"/>
           <p:cNvSpPr>
             <a:spLocks noGrp="1"/>
@@ -10400,7 +10540,7 @@
 </p:sld>
 </file>
 
-<file path=ppt/slides/slide41.xml><?xml version="1.0" encoding="utf-8"?>
+<file path=ppt/slides/slide42.xml><?xml version="1.0" encoding="utf-8"?>
 <p:sld xmlns:a="http://schemas.openxmlformats.org/drawingml/2006/main" xmlns:r="http://schemas.openxmlformats.org/officeDocument/2006/relationships" xmlns:p="http://schemas.openxmlformats.org/presentationml/2006/main">
   <p:cSld>
     <p:spTree>
@@ -10494,7 +10634,7 @@
 </p:sld>
 </file>
 
-<file path=ppt/slides/slide42.xml><?xml version="1.0" encoding="utf-8"?>
+<file path=ppt/slides/slide43.xml><?xml version="1.0" encoding="utf-8"?>
 <p:sld xmlns:a="http://schemas.openxmlformats.org/drawingml/2006/main" xmlns:r="http://schemas.openxmlformats.org/officeDocument/2006/relationships" xmlns:p="http://schemas.openxmlformats.org/presentationml/2006/main">
   <p:cSld>
     <p:spTree>
@@ -10606,7 +10746,7 @@
 </p:sld>
 </file>
 
-<file path=ppt/slides/slide43.xml><?xml version="1.0" encoding="utf-8"?>
+<file path=ppt/slides/slide44.xml><?xml version="1.0" encoding="utf-8"?>
 <p:sld xmlns:a="http://schemas.openxmlformats.org/drawingml/2006/main" xmlns:r="http://schemas.openxmlformats.org/officeDocument/2006/relationships" xmlns:p="http://schemas.openxmlformats.org/presentationml/2006/main">
   <p:cSld>
     <p:spTree>
@@ -10718,7 +10858,7 @@
 </p:sld>
 </file>
 
-<file path=ppt/slides/slide44.xml><?xml version="1.0" encoding="utf-8"?>
+<file path=ppt/slides/slide45.xml><?xml version="1.0" encoding="utf-8"?>
 <p:sld xmlns:a="http://schemas.openxmlformats.org/drawingml/2006/main" xmlns:r="http://schemas.openxmlformats.org/officeDocument/2006/relationships" xmlns:p="http://schemas.openxmlformats.org/presentationml/2006/main">
   <p:cSld>
     <p:spTree>
@@ -11180,68 +11320,6 @@
       </p:grpSpPr>
       <p:sp>
         <p:nvSpPr>
-          <p:cNvPr id="2" name="Content Placeholder 1"/>
-          <p:cNvSpPr>
-            <a:spLocks noGrp="1"/>
-          </p:cNvSpPr>
-          <p:nvPr>
-            <p:ph idx="1"/>
-          </p:nvPr>
-        </p:nvSpPr>
-        <p:spPr/>
-        <p:txBody>
-          <a:bodyPr/>
-          <a:lstStyle/>
-          <a:p>
-            <a:r>
-              <a:rPr lang="en-US" dirty="0"/>
-              <a:t>Version 1.0 was released with WMF 4.0</a:t>
-            </a:r>
-          </a:p>
-          <a:p>
-            <a:pPr lvl="1"/>
-            <a:r>
-              <a:rPr lang="en-US" dirty="0"/>
-              <a:t>Subsequent update as November 2014 Rollup</a:t>
-            </a:r>
-          </a:p>
-          <a:p>
-            <a:pPr lvl="1"/>
-            <a:r>
-              <a:rPr lang="en-US" dirty="0">
-                <a:effectLst/>
-              </a:rPr>
-              <a:t>http://support.microsoft.com/en-us/kb/3000850 </a:t>
-            </a:r>
-          </a:p>
-          <a:p>
-            <a:r>
-              <a:rPr lang="en-US" dirty="0">
-                <a:effectLst/>
-              </a:rPr>
-              <a:t>Version 2.0 was released with WMF 5.0</a:t>
-            </a:r>
-          </a:p>
-          <a:p>
-            <a:pPr lvl="1"/>
-            <a:r>
-              <a:rPr lang="en-US" dirty="0">
-                <a:effectLst/>
-              </a:rPr>
-              <a:t>Updated with WMF 5.1</a:t>
-            </a:r>
-          </a:p>
-          <a:p>
-            <a:pPr lvl="1"/>
-            <a:r>
-              <a:rPr lang="en-US" dirty="0"/>
-              <a:t>https://www.microsoft.com/en-us/download/details.aspx?id=54616</a:t>
-            </a:r>
-          </a:p>
-        </p:txBody>
-      </p:sp>
-      <p:sp>
-        <p:nvSpPr>
           <p:cNvPr id="3" name="Title 2"/>
           <p:cNvSpPr>
             <a:spLocks noGrp="1"/>
@@ -11257,15 +11335,123 @@
           <a:p>
             <a:r>
               <a:rPr lang="en-US" dirty="0"/>
-              <a:t>History</a:t>
-            </a:r>
-          </a:p>
-        </p:txBody>
-      </p:sp>
+              <a:t>Imperative vs Declarative</a:t>
+            </a:r>
+          </a:p>
+        </p:txBody>
+      </p:sp>
+      <p:sp>
+        <p:nvSpPr>
+          <p:cNvPr id="5" name="TextBox 4"/>
+          <p:cNvSpPr txBox="1"/>
+          <p:nvPr/>
+        </p:nvSpPr>
+        <p:spPr>
+          <a:xfrm>
+            <a:off x="81054" y="3861048"/>
+            <a:ext cx="1752403" cy="461665"/>
+          </a:xfrm>
+          <a:prstGeom prst="rect">
+            <a:avLst/>
+          </a:prstGeom>
+          <a:noFill/>
+        </p:spPr>
+        <p:txBody>
+          <a:bodyPr wrap="none" rtlCol="0">
+            <a:spAutoFit/>
+          </a:bodyPr>
+          <a:lstStyle/>
+          <a:p>
+            <a:r>
+              <a:rPr lang="en-US" sz="2400" b="1" dirty="0"/>
+              <a:t>Declarative:</a:t>
+            </a:r>
+            <a:endParaRPr lang="en-US" b="1" dirty="0"/>
+          </a:p>
+        </p:txBody>
+      </p:sp>
+      <p:sp>
+        <p:nvSpPr>
+          <p:cNvPr id="6" name="TextBox 5"/>
+          <p:cNvSpPr txBox="1"/>
+          <p:nvPr/>
+        </p:nvSpPr>
+        <p:spPr>
+          <a:xfrm>
+            <a:off x="107504" y="1844824"/>
+            <a:ext cx="1699504" cy="461665"/>
+          </a:xfrm>
+          <a:prstGeom prst="rect">
+            <a:avLst/>
+          </a:prstGeom>
+          <a:noFill/>
+        </p:spPr>
+        <p:txBody>
+          <a:bodyPr wrap="none" rtlCol="0">
+            <a:spAutoFit/>
+          </a:bodyPr>
+          <a:lstStyle/>
+          <a:p>
+            <a:r>
+              <a:rPr lang="en-US" sz="2400" b="1" dirty="0"/>
+              <a:t>Imperative:</a:t>
+            </a:r>
+            <a:endParaRPr lang="en-US" sz="2000" b="1" dirty="0"/>
+          </a:p>
+        </p:txBody>
+      </p:sp>
+      <p:pic>
+        <p:nvPicPr>
+          <p:cNvPr id="7" name="Picture 6"/>
+          <p:cNvPicPr>
+            <a:picLocks noChangeAspect="1"/>
+          </p:cNvPicPr>
+          <p:nvPr/>
+        </p:nvPicPr>
+        <p:blipFill>
+          <a:blip r:embed="rId2"/>
+          <a:stretch>
+            <a:fillRect/>
+          </a:stretch>
+        </p:blipFill>
+        <p:spPr>
+          <a:xfrm>
+            <a:off x="2081849" y="3933056"/>
+            <a:ext cx="3535530" cy="1675419"/>
+          </a:xfrm>
+          <a:prstGeom prst="rect">
+            <a:avLst/>
+          </a:prstGeom>
+        </p:spPr>
+      </p:pic>
+      <p:pic>
+        <p:nvPicPr>
+          <p:cNvPr id="8" name="Picture 7"/>
+          <p:cNvPicPr>
+            <a:picLocks noChangeAspect="1"/>
+          </p:cNvPicPr>
+          <p:nvPr/>
+        </p:nvPicPr>
+        <p:blipFill>
+          <a:blip r:embed="rId3"/>
+          <a:stretch>
+            <a:fillRect/>
+          </a:stretch>
+        </p:blipFill>
+        <p:spPr>
+          <a:xfrm>
+            <a:off x="2051720" y="1916832"/>
+            <a:ext cx="6978677" cy="912981"/>
+          </a:xfrm>
+          <a:prstGeom prst="rect">
+            <a:avLst/>
+          </a:prstGeom>
+        </p:spPr>
+      </p:pic>
     </p:spTree>
     <p:extLst>
       <p:ext uri="{BB962C8B-B14F-4D97-AF65-F5344CB8AC3E}">
-        <p14:creationId xmlns:p14="http://schemas.microsoft.com/office/powerpoint/2010/main" val="616588595"/>
+        <p14:creationId xmlns:p14="http://schemas.microsoft.com/office/powerpoint/2010/main" val="3271551611"/>
       </p:ext>
     </p:extLst>
   </p:cSld>
@@ -11320,10 +11506,24 @@
           <a:lstStyle/>
           <a:p>
             <a:r>
+              <a:rPr lang="en-US" dirty="0"/>
+              <a:t>Version 1.0 was released with WMF 4.0</a:t>
+            </a:r>
+          </a:p>
+          <a:p>
+            <a:pPr lvl="1"/>
+            <a:r>
+              <a:rPr lang="en-US" dirty="0"/>
+              <a:t>Subsequent update as November 2014 Rollup</a:t>
+            </a:r>
+          </a:p>
+          <a:p>
+            <a:pPr lvl="1"/>
+            <a:r>
               <a:rPr lang="en-US" dirty="0">
                 <a:effectLst/>
               </a:rPr>
-              <a:t>Windows Server 2012 R2</a:t>
+              <a:t>http://support.microsoft.com/en-us/kb/3000850 </a:t>
             </a:r>
           </a:p>
           <a:p>
@@ -11331,44 +11531,23 @@
               <a:rPr lang="en-US" dirty="0">
                 <a:effectLst/>
               </a:rPr>
-              <a:t>Windows Server 2012</a:t>
-            </a:r>
-          </a:p>
-          <a:p>
+              <a:t>Version 2.0 was released with WMF 5.0</a:t>
+            </a:r>
+          </a:p>
+          <a:p>
+            <a:pPr lvl="1"/>
             <a:r>
               <a:rPr lang="en-US" dirty="0">
                 <a:effectLst/>
               </a:rPr>
-              <a:t>Windows Server 2008 R2 SP1</a:t>
-            </a:r>
-          </a:p>
-          <a:p>
-            <a:r>
-              <a:rPr lang="en-US" dirty="0">
-                <a:effectLst/>
-              </a:rPr>
-              <a:t>Windows 8.1</a:t>
-            </a:r>
-          </a:p>
-          <a:p>
-            <a:r>
-              <a:rPr lang="en-US" dirty="0">
-                <a:effectLst/>
-              </a:rPr>
-              <a:t>Windows 7 SP1</a:t>
-            </a:r>
-          </a:p>
-          <a:p>
+              <a:t>Updated with WMF 5.1</a:t>
+            </a:r>
+          </a:p>
+          <a:p>
+            <a:pPr lvl="1"/>
             <a:r>
               <a:rPr lang="en-US" dirty="0"/>
-              <a:t>Not applicable for Windows Server 2016</a:t>
-            </a:r>
-          </a:p>
-          <a:p>
-            <a:pPr lvl="1"/>
-            <a:r>
-              <a:rPr lang="en-US" dirty="0"/>
-              <a:t>Includes WMF 5.1 level components already</a:t>
+              <a:t>https://www.microsoft.com/en-us/download/details.aspx?id=54616</a:t>
             </a:r>
           </a:p>
         </p:txBody>
@@ -11390,7 +11569,7 @@
           <a:p>
             <a:r>
               <a:rPr lang="en-US" dirty="0"/>
-              <a:t>WMF 5.1 support</a:t>
+              <a:t>History</a:t>
             </a:r>
           </a:p>
         </p:txBody>
@@ -11398,7 +11577,7 @@
     </p:spTree>
     <p:extLst>
       <p:ext uri="{BB962C8B-B14F-4D97-AF65-F5344CB8AC3E}">
-        <p14:creationId xmlns:p14="http://schemas.microsoft.com/office/powerpoint/2010/main" val="3674710944"/>
+        <p14:creationId xmlns:p14="http://schemas.microsoft.com/office/powerpoint/2010/main" val="616588595"/>
       </p:ext>
     </p:extLst>
   </p:cSld>

--- a/WS1-DSCOverview/Slides.pptx
+++ b/WS1-DSCOverview/Slides.pptx
@@ -405,6 +405,10 @@
     </p:ext>
   </p:extLst>
 </p:presentation>
+</file>
+
+<file path=ppt/revisionInfo.xml><?xml version="1.0" encoding="utf-8"?>
+<p1510:revInfo xmlns:a="http://schemas.openxmlformats.org/drawingml/2006/main" xmlns:r="http://schemas.openxmlformats.org/officeDocument/2006/relationships" xmlns:p1510="http://schemas.microsoft.com/office/powerpoint/2015/10/main"/>
 </file>
 
 <file path=ppt/handoutMasters/handoutMaster1.xml><?xml version="1.0" encoding="utf-8"?>
@@ -11113,29 +11117,15 @@
           <a:p>
             <a:r>
               <a:rPr lang="en-US" dirty="0"/>
-              <a:t>If you don’t have an Azure Subscription. I have prepared some VMs</a:t>
-            </a:r>
-          </a:p>
-          <a:p>
-            <a:r>
-              <a:rPr lang="en-US" dirty="0"/>
-              <a:t>Create NAT virtual network. </a:t>
-            </a:r>
-            <a:br>
-              <a:rPr lang="en-US" dirty="0"/>
-            </a:br>
-            <a:r>
-              <a:rPr lang="en-US" dirty="0"/>
-              <a:t>172.22.176.0/20 (255.255.240.0)</a:t>
-            </a:r>
-            <a:br>
-              <a:rPr lang="en-US" dirty="0"/>
-            </a:br>
+              <a:t>If you don’t have an Azure Subscription. I have prepared a solution for Hyper-V</a:t>
+            </a:r>
+          </a:p>
+          <a:p>
             <a:r>
               <a:rPr lang="en-US" dirty="0">
                 <a:hlinkClick r:id="rId2"/>
               </a:rPr>
-              <a:t>https://docs.microsoft.com/en-us/virtualization/hyper-v-on-windows/user-guide/setup-nat-network</a:t>
+              <a:t>https://github.com/rchaganti/PSConfEU2017/blob/master/README.md#run-on-hyper-v</a:t>
             </a:r>
             <a:r>
               <a:rPr lang="en-US" dirty="0"/>
@@ -11148,10 +11138,12 @@
           <a:p>
             <a:r>
               <a:rPr lang="en-US" dirty="0"/>
-              <a:t>Get Prepped images and scripts from USB Drive</a:t>
-            </a:r>
-          </a:p>
-          <a:p>
+              <a:t>If people downloaded these images to USB media already, please help </a:t>
+            </a:r>
+            <a:r>
+              <a:rPr lang="en-US"/>
+              <a:t>out others!</a:t>
+            </a:r>
             <a:endParaRPr lang="en-US" dirty="0"/>
           </a:p>
         </p:txBody>

--- a/WS1-DSCOverview/Slides.pptx
+++ b/WS1-DSCOverview/Slides.pptx
@@ -6348,6 +6348,14 @@
               <a:rPr lang="de-DE" dirty="0" err="1"/>
               <a:t>About_Author</a:t>
             </a:r>
+            <a:r>
+              <a:rPr lang="de-DE" dirty="0"/>
+              <a:t> - Ravikanth </a:t>
+            </a:r>
+            <a:r>
+              <a:rPr lang="de-DE" dirty="0" err="1"/>
+              <a:t>Chaganti</a:t>
+            </a:r>
             <a:endParaRPr lang="de-DE" dirty="0"/>
           </a:p>
         </p:txBody>
@@ -11501,6 +11509,18 @@
               <a:rPr lang="en-US" dirty="0"/>
               <a:t>Version 1.0 was released with WMF 4.0</a:t>
             </a:r>
+            <a:br>
+              <a:rPr lang="en-US" dirty="0"/>
+            </a:br>
+            <a:r>
+              <a:rPr lang="en-US" dirty="0"/>
+              <a:t>Windows Server 2012R2 </a:t>
+            </a:r>
+            <a:r>
+              <a:rPr lang="en-US"/>
+              <a:t>/ Windows 8.1</a:t>
+            </a:r>
+            <a:endParaRPr lang="en-US" dirty="0"/>
           </a:p>
           <a:p>
             <a:pPr lvl="1"/>
